--- a/Docs/ActorModel.pptx
+++ b/Docs/ActorModel.pptx
@@ -4,15 +4,18 @@
   <p:sldMasterIdLst>
     <p:sldMasterId id="2147483648" r:id="rId1"/>
   </p:sldMasterIdLst>
+  <p:notesMasterIdLst>
+    <p:notesMasterId r:id="rId13"/>
+  </p:notesMasterIdLst>
   <p:sldIdLst>
     <p:sldId id="256" r:id="rId2"/>
     <p:sldId id="258" r:id="rId3"/>
     <p:sldId id="257" r:id="rId4"/>
-    <p:sldId id="259" r:id="rId5"/>
-    <p:sldId id="261" r:id="rId6"/>
-    <p:sldId id="260" r:id="rId7"/>
+    <p:sldId id="261" r:id="rId5"/>
+    <p:sldId id="267" r:id="rId6"/>
+    <p:sldId id="268" r:id="rId7"/>
     <p:sldId id="262" r:id="rId8"/>
-    <p:sldId id="263" r:id="rId9"/>
+    <p:sldId id="269" r:id="rId9"/>
     <p:sldId id="264" r:id="rId10"/>
     <p:sldId id="265" r:id="rId11"/>
     <p:sldId id="266" r:id="rId12"/>
@@ -122,6 +125,2861 @@
 </p:presentation>
 </file>
 
+<file path=ppt/notesMasters/notesMaster1.xml><?xml version="1.0" encoding="utf-8"?>
+<p:notesMaster xmlns:a="http://schemas.openxmlformats.org/drawingml/2006/main" xmlns:r="http://schemas.openxmlformats.org/officeDocument/2006/relationships" xmlns:p="http://schemas.openxmlformats.org/presentationml/2006/main">
+  <p:cSld>
+    <p:bg>
+      <p:bgRef idx="1001">
+        <a:schemeClr val="bg1"/>
+      </p:bgRef>
+    </p:bg>
+    <p:spTree>
+      <p:nvGrpSpPr>
+        <p:cNvPr id="1" name=""/>
+        <p:cNvGrpSpPr/>
+        <p:nvPr/>
+      </p:nvGrpSpPr>
+      <p:grpSpPr>
+        <a:xfrm>
+          <a:off x="0" y="0"/>
+          <a:ext cx="0" cy="0"/>
+          <a:chOff x="0" y="0"/>
+          <a:chExt cx="0" cy="0"/>
+        </a:xfrm>
+      </p:grpSpPr>
+      <p:sp>
+        <p:nvSpPr>
+          <p:cNvPr id="2" name="Header Placeholder 1"/>
+          <p:cNvSpPr>
+            <a:spLocks noGrp="1"/>
+          </p:cNvSpPr>
+          <p:nvPr>
+            <p:ph type="hdr" sz="quarter"/>
+          </p:nvPr>
+        </p:nvSpPr>
+        <p:spPr>
+          <a:xfrm>
+            <a:off x="0" y="0"/>
+            <a:ext cx="2971800" cy="458788"/>
+          </a:xfrm>
+          <a:prstGeom prst="rect">
+            <a:avLst/>
+          </a:prstGeom>
+        </p:spPr>
+        <p:txBody>
+          <a:bodyPr vert="horz" lIns="91440" tIns="45720" rIns="91440" bIns="45720" rtlCol="0"/>
+          <a:lstStyle>
+            <a:lvl1pPr algn="l">
+              <a:defRPr sz="1200"/>
+            </a:lvl1pPr>
+          </a:lstStyle>
+          <a:p>
+            <a:endParaRPr lang="en-US"/>
+          </a:p>
+        </p:txBody>
+      </p:sp>
+      <p:sp>
+        <p:nvSpPr>
+          <p:cNvPr id="3" name="Date Placeholder 2"/>
+          <p:cNvSpPr>
+            <a:spLocks noGrp="1"/>
+          </p:cNvSpPr>
+          <p:nvPr>
+            <p:ph type="dt" idx="1"/>
+          </p:nvPr>
+        </p:nvSpPr>
+        <p:spPr>
+          <a:xfrm>
+            <a:off x="3884613" y="0"/>
+            <a:ext cx="2971800" cy="458788"/>
+          </a:xfrm>
+          <a:prstGeom prst="rect">
+            <a:avLst/>
+          </a:prstGeom>
+        </p:spPr>
+        <p:txBody>
+          <a:bodyPr vert="horz" lIns="91440" tIns="45720" rIns="91440" bIns="45720" rtlCol="0"/>
+          <a:lstStyle>
+            <a:lvl1pPr algn="r">
+              <a:defRPr sz="1200"/>
+            </a:lvl1pPr>
+          </a:lstStyle>
+          <a:p>
+            <a:fld id="{5B3BC4DE-7190-4E27-B1E0-E96F20FD6C7E}" type="datetimeFigureOut">
+              <a:rPr lang="en-US" smtClean="0"/>
+              <a:t>4/29/2020</a:t>
+            </a:fld>
+            <a:endParaRPr lang="en-US"/>
+          </a:p>
+        </p:txBody>
+      </p:sp>
+      <p:sp>
+        <p:nvSpPr>
+          <p:cNvPr id="4" name="Slide Image Placeholder 3"/>
+          <p:cNvSpPr>
+            <a:spLocks noGrp="1" noRot="1" noChangeAspect="1"/>
+          </p:cNvSpPr>
+          <p:nvPr>
+            <p:ph type="sldImg" idx="2"/>
+          </p:nvPr>
+        </p:nvSpPr>
+        <p:spPr>
+          <a:xfrm>
+            <a:off x="685800" y="1143000"/>
+            <a:ext cx="5486400" cy="3086100"/>
+          </a:xfrm>
+          <a:prstGeom prst="rect">
+            <a:avLst/>
+          </a:prstGeom>
+          <a:noFill/>
+          <a:ln w="12700">
+            <a:solidFill>
+              <a:prstClr val="black"/>
+            </a:solidFill>
+          </a:ln>
+        </p:spPr>
+        <p:txBody>
+          <a:bodyPr vert="horz" lIns="91440" tIns="45720" rIns="91440" bIns="45720" rtlCol="0" anchor="ctr"/>
+          <a:lstStyle/>
+          <a:p>
+            <a:endParaRPr lang="en-US"/>
+          </a:p>
+        </p:txBody>
+      </p:sp>
+      <p:sp>
+        <p:nvSpPr>
+          <p:cNvPr id="5" name="Notes Placeholder 4"/>
+          <p:cNvSpPr>
+            <a:spLocks noGrp="1"/>
+          </p:cNvSpPr>
+          <p:nvPr>
+            <p:ph type="body" sz="quarter" idx="3"/>
+          </p:nvPr>
+        </p:nvSpPr>
+        <p:spPr>
+          <a:xfrm>
+            <a:off x="685800" y="4400550"/>
+            <a:ext cx="5486400" cy="3600450"/>
+          </a:xfrm>
+          <a:prstGeom prst="rect">
+            <a:avLst/>
+          </a:prstGeom>
+        </p:spPr>
+        <p:txBody>
+          <a:bodyPr vert="horz" lIns="91440" tIns="45720" rIns="91440" bIns="45720" rtlCol="0"/>
+          <a:lstStyle/>
+          <a:p>
+            <a:pPr lvl="0"/>
+            <a:r>
+              <a:rPr lang="en-US"/>
+              <a:t>Edit Master text styles</a:t>
+            </a:r>
+          </a:p>
+          <a:p>
+            <a:pPr lvl="1"/>
+            <a:r>
+              <a:rPr lang="en-US"/>
+              <a:t>Second level</a:t>
+            </a:r>
+          </a:p>
+          <a:p>
+            <a:pPr lvl="2"/>
+            <a:r>
+              <a:rPr lang="en-US"/>
+              <a:t>Third level</a:t>
+            </a:r>
+          </a:p>
+          <a:p>
+            <a:pPr lvl="3"/>
+            <a:r>
+              <a:rPr lang="en-US"/>
+              <a:t>Fourth level</a:t>
+            </a:r>
+          </a:p>
+          <a:p>
+            <a:pPr lvl="4"/>
+            <a:r>
+              <a:rPr lang="en-US"/>
+              <a:t>Fifth level</a:t>
+            </a:r>
+          </a:p>
+        </p:txBody>
+      </p:sp>
+      <p:sp>
+        <p:nvSpPr>
+          <p:cNvPr id="6" name="Footer Placeholder 5"/>
+          <p:cNvSpPr>
+            <a:spLocks noGrp="1"/>
+          </p:cNvSpPr>
+          <p:nvPr>
+            <p:ph type="ftr" sz="quarter" idx="4"/>
+          </p:nvPr>
+        </p:nvSpPr>
+        <p:spPr>
+          <a:xfrm>
+            <a:off x="0" y="8685213"/>
+            <a:ext cx="2971800" cy="458787"/>
+          </a:xfrm>
+          <a:prstGeom prst="rect">
+            <a:avLst/>
+          </a:prstGeom>
+        </p:spPr>
+        <p:txBody>
+          <a:bodyPr vert="horz" lIns="91440" tIns="45720" rIns="91440" bIns="45720" rtlCol="0" anchor="b"/>
+          <a:lstStyle>
+            <a:lvl1pPr algn="l">
+              <a:defRPr sz="1200"/>
+            </a:lvl1pPr>
+          </a:lstStyle>
+          <a:p>
+            <a:endParaRPr lang="en-US"/>
+          </a:p>
+        </p:txBody>
+      </p:sp>
+      <p:sp>
+        <p:nvSpPr>
+          <p:cNvPr id="7" name="Slide Number Placeholder 6"/>
+          <p:cNvSpPr>
+            <a:spLocks noGrp="1"/>
+          </p:cNvSpPr>
+          <p:nvPr>
+            <p:ph type="sldNum" sz="quarter" idx="5"/>
+          </p:nvPr>
+        </p:nvSpPr>
+        <p:spPr>
+          <a:xfrm>
+            <a:off x="3884613" y="8685213"/>
+            <a:ext cx="2971800" cy="458787"/>
+          </a:xfrm>
+          <a:prstGeom prst="rect">
+            <a:avLst/>
+          </a:prstGeom>
+        </p:spPr>
+        <p:txBody>
+          <a:bodyPr vert="horz" lIns="91440" tIns="45720" rIns="91440" bIns="45720" rtlCol="0" anchor="b"/>
+          <a:lstStyle>
+            <a:lvl1pPr algn="r">
+              <a:defRPr sz="1200"/>
+            </a:lvl1pPr>
+          </a:lstStyle>
+          <a:p>
+            <a:fld id="{D5D2CE8B-9E07-4940-9C5B-C895185EF23C}" type="slidenum">
+              <a:rPr lang="en-US" smtClean="0"/>
+              <a:t>‹#›</a:t>
+            </a:fld>
+            <a:endParaRPr lang="en-US"/>
+          </a:p>
+        </p:txBody>
+      </p:sp>
+    </p:spTree>
+    <p:extLst>
+      <p:ext uri="{BB962C8B-B14F-4D97-AF65-F5344CB8AC3E}">
+        <p14:creationId xmlns:p14="http://schemas.microsoft.com/office/powerpoint/2010/main" val="3076905271"/>
+      </p:ext>
+    </p:extLst>
+  </p:cSld>
+  <p:clrMap bg1="lt1" tx1="dk1" bg2="lt2" tx2="dk2" accent1="accent1" accent2="accent2" accent3="accent3" accent4="accent4" accent5="accent5" accent6="accent6" hlink="hlink" folHlink="folHlink"/>
+  <p:notesStyle>
+    <a:lvl1pPr marL="0" algn="l" defTabSz="914400" rtl="0" eaLnBrk="1" latinLnBrk="0" hangingPunct="1">
+      <a:defRPr sz="1200" kern="1200">
+        <a:solidFill>
+          <a:schemeClr val="tx1"/>
+        </a:solidFill>
+        <a:latin typeface="+mn-lt"/>
+        <a:ea typeface="+mn-ea"/>
+        <a:cs typeface="+mn-cs"/>
+      </a:defRPr>
+    </a:lvl1pPr>
+    <a:lvl2pPr marL="457200" algn="l" defTabSz="914400" rtl="0" eaLnBrk="1" latinLnBrk="0" hangingPunct="1">
+      <a:defRPr sz="1200" kern="1200">
+        <a:solidFill>
+          <a:schemeClr val="tx1"/>
+        </a:solidFill>
+        <a:latin typeface="+mn-lt"/>
+        <a:ea typeface="+mn-ea"/>
+        <a:cs typeface="+mn-cs"/>
+      </a:defRPr>
+    </a:lvl2pPr>
+    <a:lvl3pPr marL="914400" algn="l" defTabSz="914400" rtl="0" eaLnBrk="1" latinLnBrk="0" hangingPunct="1">
+      <a:defRPr sz="1200" kern="1200">
+        <a:solidFill>
+          <a:schemeClr val="tx1"/>
+        </a:solidFill>
+        <a:latin typeface="+mn-lt"/>
+        <a:ea typeface="+mn-ea"/>
+        <a:cs typeface="+mn-cs"/>
+      </a:defRPr>
+    </a:lvl3pPr>
+    <a:lvl4pPr marL="1371600" algn="l" defTabSz="914400" rtl="0" eaLnBrk="1" latinLnBrk="0" hangingPunct="1">
+      <a:defRPr sz="1200" kern="1200">
+        <a:solidFill>
+          <a:schemeClr val="tx1"/>
+        </a:solidFill>
+        <a:latin typeface="+mn-lt"/>
+        <a:ea typeface="+mn-ea"/>
+        <a:cs typeface="+mn-cs"/>
+      </a:defRPr>
+    </a:lvl4pPr>
+    <a:lvl5pPr marL="1828800" algn="l" defTabSz="914400" rtl="0" eaLnBrk="1" latinLnBrk="0" hangingPunct="1">
+      <a:defRPr sz="1200" kern="1200">
+        <a:solidFill>
+          <a:schemeClr val="tx1"/>
+        </a:solidFill>
+        <a:latin typeface="+mn-lt"/>
+        <a:ea typeface="+mn-ea"/>
+        <a:cs typeface="+mn-cs"/>
+      </a:defRPr>
+    </a:lvl5pPr>
+    <a:lvl6pPr marL="2286000" algn="l" defTabSz="914400" rtl="0" eaLnBrk="1" latinLnBrk="0" hangingPunct="1">
+      <a:defRPr sz="1200" kern="1200">
+        <a:solidFill>
+          <a:schemeClr val="tx1"/>
+        </a:solidFill>
+        <a:latin typeface="+mn-lt"/>
+        <a:ea typeface="+mn-ea"/>
+        <a:cs typeface="+mn-cs"/>
+      </a:defRPr>
+    </a:lvl6pPr>
+    <a:lvl7pPr marL="2743200" algn="l" defTabSz="914400" rtl="0" eaLnBrk="1" latinLnBrk="0" hangingPunct="1">
+      <a:defRPr sz="1200" kern="1200">
+        <a:solidFill>
+          <a:schemeClr val="tx1"/>
+        </a:solidFill>
+        <a:latin typeface="+mn-lt"/>
+        <a:ea typeface="+mn-ea"/>
+        <a:cs typeface="+mn-cs"/>
+      </a:defRPr>
+    </a:lvl7pPr>
+    <a:lvl8pPr marL="3200400" algn="l" defTabSz="914400" rtl="0" eaLnBrk="1" latinLnBrk="0" hangingPunct="1">
+      <a:defRPr sz="1200" kern="1200">
+        <a:solidFill>
+          <a:schemeClr val="tx1"/>
+        </a:solidFill>
+        <a:latin typeface="+mn-lt"/>
+        <a:ea typeface="+mn-ea"/>
+        <a:cs typeface="+mn-cs"/>
+      </a:defRPr>
+    </a:lvl8pPr>
+    <a:lvl9pPr marL="3657600" algn="l" defTabSz="914400" rtl="0" eaLnBrk="1" latinLnBrk="0" hangingPunct="1">
+      <a:defRPr sz="1200" kern="1200">
+        <a:solidFill>
+          <a:schemeClr val="tx1"/>
+        </a:solidFill>
+        <a:latin typeface="+mn-lt"/>
+        <a:ea typeface="+mn-ea"/>
+        <a:cs typeface="+mn-cs"/>
+      </a:defRPr>
+    </a:lvl9pPr>
+  </p:notesStyle>
+</p:notesMaster>
+</file>
+
+<file path=ppt/notesSlides/notesSlide1.xml><?xml version="1.0" encoding="utf-8"?>
+<p:notes xmlns:a="http://schemas.openxmlformats.org/drawingml/2006/main" xmlns:r="http://schemas.openxmlformats.org/officeDocument/2006/relationships" xmlns:p="http://schemas.openxmlformats.org/presentationml/2006/main">
+  <p:cSld>
+    <p:spTree>
+      <p:nvGrpSpPr>
+        <p:cNvPr id="1" name=""/>
+        <p:cNvGrpSpPr/>
+        <p:nvPr/>
+      </p:nvGrpSpPr>
+      <p:grpSpPr>
+        <a:xfrm>
+          <a:off x="0" y="0"/>
+          <a:ext cx="0" cy="0"/>
+          <a:chOff x="0" y="0"/>
+          <a:chExt cx="0" cy="0"/>
+        </a:xfrm>
+      </p:grpSpPr>
+      <p:sp>
+        <p:nvSpPr>
+          <p:cNvPr id="2" name="Slide Image Placeholder 1"/>
+          <p:cNvSpPr>
+            <a:spLocks noGrp="1" noRot="1" noChangeAspect="1"/>
+          </p:cNvSpPr>
+          <p:nvPr>
+            <p:ph type="sldImg"/>
+          </p:nvPr>
+        </p:nvSpPr>
+        <p:spPr/>
+      </p:sp>
+      <p:sp>
+        <p:nvSpPr>
+          <p:cNvPr id="3" name="Notes Placeholder 2"/>
+          <p:cNvSpPr>
+            <a:spLocks noGrp="1"/>
+          </p:cNvSpPr>
+          <p:nvPr>
+            <p:ph type="body" idx="1"/>
+          </p:nvPr>
+        </p:nvSpPr>
+        <p:spPr/>
+        <p:txBody>
+          <a:bodyPr/>
+          <a:lstStyle/>
+          <a:p>
+            <a:endParaRPr lang="en-US" dirty="0"/>
+          </a:p>
+        </p:txBody>
+      </p:sp>
+      <p:sp>
+        <p:nvSpPr>
+          <p:cNvPr id="4" name="Slide Number Placeholder 3"/>
+          <p:cNvSpPr>
+            <a:spLocks noGrp="1"/>
+          </p:cNvSpPr>
+          <p:nvPr>
+            <p:ph type="sldNum" sz="quarter" idx="5"/>
+          </p:nvPr>
+        </p:nvSpPr>
+        <p:spPr/>
+        <p:txBody>
+          <a:bodyPr/>
+          <a:lstStyle/>
+          <a:p>
+            <a:fld id="{D5D2CE8B-9E07-4940-9C5B-C895185EF23C}" type="slidenum">
+              <a:rPr lang="en-US" smtClean="0"/>
+              <a:t>3</a:t>
+            </a:fld>
+            <a:endParaRPr lang="en-US"/>
+          </a:p>
+        </p:txBody>
+      </p:sp>
+    </p:spTree>
+    <p:extLst>
+      <p:ext uri="{BB962C8B-B14F-4D97-AF65-F5344CB8AC3E}">
+        <p14:creationId xmlns:p14="http://schemas.microsoft.com/office/powerpoint/2010/main" val="2785559601"/>
+      </p:ext>
+    </p:extLst>
+  </p:cSld>
+  <p:clrMapOvr>
+    <a:masterClrMapping/>
+  </p:clrMapOvr>
+</p:notes>
+</file>
+
+<file path=ppt/notesSlides/notesSlide2.xml><?xml version="1.0" encoding="utf-8"?>
+<p:notes xmlns:a="http://schemas.openxmlformats.org/drawingml/2006/main" xmlns:r="http://schemas.openxmlformats.org/officeDocument/2006/relationships" xmlns:p="http://schemas.openxmlformats.org/presentationml/2006/main">
+  <p:cSld>
+    <p:spTree>
+      <p:nvGrpSpPr>
+        <p:cNvPr id="1" name=""/>
+        <p:cNvGrpSpPr/>
+        <p:nvPr/>
+      </p:nvGrpSpPr>
+      <p:grpSpPr>
+        <a:xfrm>
+          <a:off x="0" y="0"/>
+          <a:ext cx="0" cy="0"/>
+          <a:chOff x="0" y="0"/>
+          <a:chExt cx="0" cy="0"/>
+        </a:xfrm>
+      </p:grpSpPr>
+      <p:sp>
+        <p:nvSpPr>
+          <p:cNvPr id="2" name="Slide Image Placeholder 1"/>
+          <p:cNvSpPr>
+            <a:spLocks noGrp="1" noRot="1" noChangeAspect="1"/>
+          </p:cNvSpPr>
+          <p:nvPr>
+            <p:ph type="sldImg"/>
+          </p:nvPr>
+        </p:nvSpPr>
+        <p:spPr/>
+      </p:sp>
+      <p:sp>
+        <p:nvSpPr>
+          <p:cNvPr id="3" name="Notes Placeholder 2"/>
+          <p:cNvSpPr>
+            <a:spLocks noGrp="1"/>
+          </p:cNvSpPr>
+          <p:nvPr>
+            <p:ph type="body" idx="1"/>
+          </p:nvPr>
+        </p:nvSpPr>
+        <p:spPr/>
+        <p:txBody>
+          <a:bodyPr/>
+          <a:lstStyle/>
+          <a:p>
+            <a:pPr rtl="0"/>
+            <a:r>
+              <a:rPr lang="en-US" sz="1200" b="0" kern="1200" dirty="0">
+                <a:solidFill>
+                  <a:schemeClr val="tx1"/>
+                </a:solidFill>
+                <a:effectLst/>
+                <a:latin typeface="+mn-lt"/>
+                <a:ea typeface="+mn-ea"/>
+                <a:cs typeface="+mn-cs"/>
+              </a:rPr>
+              <a:t>What is the Actor Model?</a:t>
+            </a:r>
+          </a:p>
+          <a:p>
+            <a:pPr rtl="0"/>
+            <a:endParaRPr lang="en-US" sz="1200" b="0" kern="1200" dirty="0">
+              <a:solidFill>
+                <a:schemeClr val="tx1"/>
+              </a:solidFill>
+              <a:effectLst/>
+              <a:latin typeface="+mn-lt"/>
+              <a:ea typeface="+mn-ea"/>
+              <a:cs typeface="+mn-cs"/>
+            </a:endParaRPr>
+          </a:p>
+          <a:p>
+            <a:pPr rtl="0"/>
+            <a:r>
+              <a:rPr lang="en-US" dirty="0">
+                <a:effectLst/>
+              </a:rPr>
+              <a:t>An actor is a fundamental unit of computation and everything is an actor.</a:t>
+            </a:r>
+          </a:p>
+          <a:p>
+            <a:pPr rtl="0"/>
+            <a:endParaRPr lang="en-US" dirty="0">
+              <a:effectLst/>
+            </a:endParaRPr>
+          </a:p>
+          <a:p>
+            <a:pPr rtl="0"/>
+            <a:r>
+              <a:rPr lang="en-US" dirty="0">
+                <a:effectLst/>
+              </a:rPr>
+              <a:t>The only allowed operations for an actor are:</a:t>
+            </a:r>
+          </a:p>
+          <a:p>
+            <a:r>
+              <a:rPr lang="en-US" dirty="0">
+                <a:effectLst/>
+              </a:rPr>
+              <a:t>	to create another actor,</a:t>
+            </a:r>
+          </a:p>
+          <a:p>
+            <a:r>
+              <a:rPr lang="en-US" dirty="0">
+                <a:effectLst/>
+              </a:rPr>
+              <a:t>	to send a message</a:t>
+            </a:r>
+          </a:p>
+          <a:p>
+            <a:r>
+              <a:rPr lang="en-US" dirty="0">
+                <a:effectLst/>
+              </a:rPr>
+              <a:t>	or to designate how to handle the next message</a:t>
+            </a:r>
+          </a:p>
+          <a:p>
+            <a:endParaRPr lang="en-US" dirty="0">
+              <a:effectLst/>
+            </a:endParaRPr>
+          </a:p>
+          <a:p>
+            <a:pPr rtl="0"/>
+            <a:r>
+              <a:rPr lang="en-US" dirty="0">
+                <a:effectLst/>
+              </a:rPr>
+              <a:t>First two operations are quite easy to understand. Let’s focus on the last one. An actor can hold its own private state and it can decide how to process the next message based on that state. Let’s imagine an actor that stores a total balance of our account. If our actor receives a message with a new transaction, it updates its state by adding the new amount to the already calculated total balance which means that for the next message the state of the actor will be different.</a:t>
+            </a:r>
+          </a:p>
+          <a:p>
+            <a:pPr rtl="0"/>
+            <a:endParaRPr lang="en-US" dirty="0">
+              <a:effectLst/>
+            </a:endParaRPr>
+          </a:p>
+          <a:p>
+            <a:pPr rtl="0"/>
+            <a:r>
+              <a:rPr lang="en-US" sz="1200" b="0" kern="1200" dirty="0">
+                <a:solidFill>
+                  <a:schemeClr val="tx1"/>
+                </a:solidFill>
+                <a:effectLst/>
+                <a:latin typeface="+mn-lt"/>
+                <a:ea typeface="+mn-ea"/>
+                <a:cs typeface="+mn-cs"/>
+              </a:rPr>
+              <a:t>Properties of the actors</a:t>
+            </a:r>
+          </a:p>
+          <a:p>
+            <a:pPr rtl="0"/>
+            <a:endParaRPr lang="en-US" sz="1200" b="0" kern="1200" dirty="0">
+              <a:solidFill>
+                <a:schemeClr val="tx1"/>
+              </a:solidFill>
+              <a:effectLst/>
+              <a:latin typeface="+mn-lt"/>
+              <a:ea typeface="+mn-ea"/>
+              <a:cs typeface="+mn-cs"/>
+            </a:endParaRPr>
+          </a:p>
+          <a:p>
+            <a:pPr rtl="0"/>
+            <a:r>
+              <a:rPr lang="en-US" dirty="0">
+                <a:effectLst/>
+              </a:rPr>
+              <a:t>Actors are lightweight and it is easy to create thousands or even millions of them as they require fewer resources than threads.</a:t>
+            </a:r>
+          </a:p>
+          <a:p>
+            <a:pPr rtl="0"/>
+            <a:endParaRPr lang="en-US" dirty="0">
+              <a:effectLst/>
+            </a:endParaRPr>
+          </a:p>
+          <a:p>
+            <a:pPr rtl="0"/>
+            <a:r>
+              <a:rPr lang="en-US" dirty="0">
+                <a:effectLst/>
+              </a:rPr>
+              <a:t>Let’s have a look at the actors in more details. Actors are isolated from each other and they do not share memory. They have a state, but the only way to change it is by receiving a message. Every actor has its own mailbox, which is similar to a message queue. Messages are stored in actors’ mailboxes until they are processed. Actors, after created, are waiting for messages to arrive. Actors can communicate with each other only through messages. Messages are sent to actors’ mailboxes and processed in FIFO (first in, first out) order. Messages are simple, immutable data structures that can be easily sent over the network.</a:t>
+            </a:r>
+          </a:p>
+          <a:p>
+            <a:pPr rtl="0"/>
+            <a:endParaRPr lang="en-US" dirty="0">
+              <a:effectLst/>
+            </a:endParaRPr>
+          </a:p>
+          <a:p>
+            <a:pPr rtl="0"/>
+            <a:r>
+              <a:rPr lang="en-US" dirty="0">
+                <a:effectLst/>
+              </a:rPr>
+              <a:t>Conceptually an actor can handle </a:t>
+            </a:r>
+            <a:r>
+              <a:rPr lang="en-US" b="1" dirty="0">
+                <a:effectLst/>
+              </a:rPr>
+              <a:t>only 1</a:t>
+            </a:r>
+            <a:r>
+              <a:rPr lang="en-US" dirty="0">
+                <a:effectLst/>
+              </a:rPr>
+              <a:t> message at a time. Actors are decoupled, they work asynchronously and they don’t need to wait for a response from another actor.</a:t>
+            </a:r>
+          </a:p>
+          <a:p>
+            <a:pPr rtl="0"/>
+            <a:endParaRPr lang="en-US" dirty="0">
+              <a:effectLst/>
+            </a:endParaRPr>
+          </a:p>
+          <a:p>
+            <a:pPr rtl="0"/>
+            <a:r>
+              <a:rPr lang="en-US" sz="1200" b="0" kern="1200" dirty="0">
+                <a:solidFill>
+                  <a:schemeClr val="tx1"/>
+                </a:solidFill>
+                <a:effectLst/>
+                <a:latin typeface="+mn-lt"/>
+                <a:ea typeface="+mn-ea"/>
+                <a:cs typeface="+mn-cs"/>
+              </a:rPr>
+              <a:t>Addresses</a:t>
+            </a:r>
+          </a:p>
+          <a:p>
+            <a:pPr rtl="0"/>
+            <a:endParaRPr lang="en-US" sz="1200" b="0" kern="1200" dirty="0">
+              <a:solidFill>
+                <a:schemeClr val="tx1"/>
+              </a:solidFill>
+              <a:effectLst/>
+              <a:latin typeface="+mn-lt"/>
+              <a:ea typeface="+mn-ea"/>
+              <a:cs typeface="+mn-cs"/>
+            </a:endParaRPr>
+          </a:p>
+          <a:p>
+            <a:pPr rtl="0"/>
+            <a:r>
+              <a:rPr lang="en-US" dirty="0">
+                <a:effectLst/>
+              </a:rPr>
+              <a:t>Actors have addresses, so it’s possible for an actor to send a message to another actor by knowing its address. An actor can </a:t>
+            </a:r>
+            <a:r>
+              <a:rPr lang="en-US" b="1" dirty="0">
+                <a:effectLst/>
+              </a:rPr>
+              <a:t>only</a:t>
+            </a:r>
+            <a:r>
+              <a:rPr lang="en-US" dirty="0">
+                <a:effectLst/>
+              </a:rPr>
+              <a:t> communicate with actors whose addresses it has. An actor has addresses of the actors it has itself created and it can obtain other addresses from a message it receives. One actor can have </a:t>
+            </a:r>
+            <a:r>
+              <a:rPr lang="en-US" b="1" dirty="0">
+                <a:effectLst/>
+              </a:rPr>
+              <a:t>many</a:t>
+            </a:r>
+            <a:r>
+              <a:rPr lang="en-US" dirty="0">
+                <a:effectLst/>
+              </a:rPr>
+              <a:t> addresses. We need to remember that address is not equal to identity, so it doesn’t mean that two actors with the same identity have the same address.</a:t>
+            </a:r>
+          </a:p>
+          <a:p>
+            <a:pPr rtl="0"/>
+            <a:endParaRPr lang="en-US" dirty="0">
+              <a:effectLst/>
+            </a:endParaRPr>
+          </a:p>
+          <a:p>
+            <a:pPr rtl="0"/>
+            <a:r>
+              <a:rPr lang="en-US" dirty="0">
+                <a:effectLst/>
+              </a:rPr>
+              <a:t>Actors can run locally or remotely on another machine. It is completely transparent for the system as actors communicate through addresses which can be local or remote.</a:t>
+            </a:r>
+          </a:p>
+          <a:p>
+            <a:pPr rtl="0"/>
+            <a:endParaRPr lang="en-US" dirty="0">
+              <a:effectLst/>
+            </a:endParaRPr>
+          </a:p>
+          <a:p>
+            <a:r>
+              <a:rPr lang="en-US" sz="1200" b="0" kern="1200" dirty="0">
+                <a:solidFill>
+                  <a:schemeClr val="tx1"/>
+                </a:solidFill>
+                <a:effectLst/>
+                <a:latin typeface="+mn-lt"/>
+                <a:ea typeface="+mn-ea"/>
+                <a:cs typeface="+mn-cs"/>
+              </a:rPr>
+              <a:t>Fault tolerance</a:t>
+            </a:r>
+          </a:p>
+          <a:p>
+            <a:endParaRPr lang="en-US" sz="1200" b="0" kern="1200" dirty="0">
+              <a:solidFill>
+                <a:schemeClr val="tx1"/>
+              </a:solidFill>
+              <a:effectLst/>
+              <a:latin typeface="+mn-lt"/>
+              <a:ea typeface="+mn-ea"/>
+              <a:cs typeface="+mn-cs"/>
+            </a:endParaRPr>
+          </a:p>
+          <a:p>
+            <a:pPr rtl="0"/>
+            <a:r>
+              <a:rPr lang="en-US" dirty="0">
+                <a:effectLst/>
+              </a:rPr>
+              <a:t>Now, let’s look at the fault tolerance. In the Actor Model, actors can supervise other actors. An actor can supervise the actors it creates and can decide what to do in case of failure. A supervisor can, for example, restart a supervised actor or redirect messages to another actor. It leads us to self-healing systems.</a:t>
+            </a:r>
+          </a:p>
+          <a:p>
+            <a:pPr rtl="0"/>
+            <a:endParaRPr lang="en-US" dirty="0">
+              <a:effectLst/>
+            </a:endParaRPr>
+          </a:p>
+          <a:p>
+            <a:r>
+              <a:rPr lang="en-US" sz="1200" b="0" kern="1200" dirty="0">
+                <a:solidFill>
+                  <a:schemeClr val="tx1"/>
+                </a:solidFill>
+                <a:effectLst/>
+                <a:latin typeface="+mn-lt"/>
+                <a:ea typeface="+mn-ea"/>
+                <a:cs typeface="+mn-cs"/>
+              </a:rPr>
+              <a:t>Pros and cons</a:t>
+            </a:r>
+          </a:p>
+          <a:p>
+            <a:endParaRPr lang="en-US" dirty="0"/>
+          </a:p>
+          <a:p>
+            <a:r>
+              <a:rPr lang="en-US" sz="1200" b="0" i="0" kern="1200" dirty="0">
+                <a:solidFill>
+                  <a:schemeClr val="tx1"/>
+                </a:solidFill>
+                <a:effectLst/>
+                <a:latin typeface="+mn-lt"/>
+                <a:ea typeface="+mn-ea"/>
+                <a:cs typeface="+mn-cs"/>
+              </a:rPr>
+              <a:t>Let’s have a look at the pros and cons of the Actor Model.</a:t>
+            </a:r>
+            <a:endParaRPr lang="en-US" dirty="0"/>
+          </a:p>
+          <a:p>
+            <a:endParaRPr lang="en-US" dirty="0"/>
+          </a:p>
+          <a:p>
+            <a:r>
+              <a:rPr lang="en-US" dirty="0"/>
+              <a:t>PROS</a:t>
+            </a:r>
+          </a:p>
+          <a:p>
+            <a:r>
+              <a:rPr lang="en-US" sz="1200" kern="1200" dirty="0">
+                <a:solidFill>
+                  <a:schemeClr val="tx1"/>
+                </a:solidFill>
+                <a:effectLst/>
+                <a:latin typeface="+mn-lt"/>
+                <a:ea typeface="+mn-ea"/>
+                <a:cs typeface="+mn-cs"/>
+              </a:rPr>
+              <a:t>	easy to scale</a:t>
+            </a:r>
+          </a:p>
+          <a:p>
+            <a:r>
+              <a:rPr lang="en-US" sz="1200" kern="1200" dirty="0">
+                <a:solidFill>
+                  <a:schemeClr val="tx1"/>
+                </a:solidFill>
+                <a:effectLst/>
+                <a:latin typeface="+mn-lt"/>
+                <a:ea typeface="+mn-ea"/>
+                <a:cs typeface="+mn-cs"/>
+              </a:rPr>
+              <a:t>	fault tolerance</a:t>
+            </a:r>
+          </a:p>
+          <a:p>
+            <a:r>
+              <a:rPr lang="en-US" sz="1200" kern="1200" dirty="0">
+                <a:solidFill>
+                  <a:schemeClr val="tx1"/>
+                </a:solidFill>
+                <a:effectLst/>
+                <a:latin typeface="+mn-lt"/>
+                <a:ea typeface="+mn-ea"/>
+                <a:cs typeface="+mn-cs"/>
+              </a:rPr>
+              <a:t>	geographical distribution </a:t>
+            </a:r>
+          </a:p>
+          <a:p>
+            <a:r>
+              <a:rPr lang="en-US" sz="1200" b="0" i="0" kern="1200" dirty="0">
+                <a:solidFill>
+                  <a:schemeClr val="tx1"/>
+                </a:solidFill>
+                <a:effectLst/>
+                <a:latin typeface="+mn-lt"/>
+                <a:ea typeface="+mn-ea"/>
+                <a:cs typeface="+mn-cs"/>
+              </a:rPr>
+              <a:t>	not sharing state</a:t>
+            </a:r>
+            <a:r>
+              <a:rPr lang="en-US" sz="1200" kern="1200" dirty="0">
+                <a:solidFill>
+                  <a:schemeClr val="tx1"/>
+                </a:solidFill>
+                <a:effectLst/>
+                <a:latin typeface="+mn-lt"/>
+                <a:ea typeface="+mn-ea"/>
+                <a:cs typeface="+mn-cs"/>
+              </a:rPr>
+              <a:t> </a:t>
+            </a:r>
+          </a:p>
+          <a:p>
+            <a:endParaRPr lang="en-US" sz="1200" kern="1200" dirty="0">
+              <a:solidFill>
+                <a:schemeClr val="tx1"/>
+              </a:solidFill>
+              <a:effectLst/>
+              <a:latin typeface="+mn-lt"/>
+              <a:ea typeface="+mn-ea"/>
+              <a:cs typeface="+mn-cs"/>
+            </a:endParaRPr>
+          </a:p>
+          <a:p>
+            <a:r>
+              <a:rPr lang="en-US" sz="1200" kern="1200" dirty="0">
+                <a:solidFill>
+                  <a:schemeClr val="tx1"/>
+                </a:solidFill>
+                <a:effectLst/>
+                <a:latin typeface="+mn-lt"/>
+                <a:ea typeface="+mn-ea"/>
+                <a:cs typeface="+mn-cs"/>
+              </a:rPr>
+              <a:t>CONS</a:t>
+            </a:r>
+          </a:p>
+          <a:p>
+            <a:r>
+              <a:rPr lang="en-US" sz="1200" kern="1200" dirty="0">
+                <a:solidFill>
+                  <a:schemeClr val="tx1"/>
+                </a:solidFill>
+                <a:effectLst/>
+                <a:latin typeface="+mn-lt"/>
+                <a:ea typeface="+mn-ea"/>
+                <a:cs typeface="+mn-cs"/>
+              </a:rPr>
+              <a:t>	actors are susceptible to deadlocks </a:t>
+            </a:r>
+          </a:p>
+          <a:p>
+            <a:r>
+              <a:rPr lang="en-US" sz="1200" kern="1200" dirty="0">
+                <a:solidFill>
+                  <a:schemeClr val="tx1"/>
+                </a:solidFill>
+                <a:effectLst/>
+                <a:latin typeface="+mn-lt"/>
+                <a:ea typeface="+mn-ea"/>
+                <a:cs typeface="+mn-cs"/>
+              </a:rPr>
+              <a:t>	overflowing mailboxes</a:t>
+            </a:r>
+            <a:br>
+              <a:rPr lang="en-US" dirty="0"/>
+            </a:br>
+            <a:endParaRPr lang="en-US" dirty="0"/>
+          </a:p>
+        </p:txBody>
+      </p:sp>
+      <p:sp>
+        <p:nvSpPr>
+          <p:cNvPr id="4" name="Slide Number Placeholder 3"/>
+          <p:cNvSpPr>
+            <a:spLocks noGrp="1"/>
+          </p:cNvSpPr>
+          <p:nvPr>
+            <p:ph type="sldNum" sz="quarter" idx="10"/>
+          </p:nvPr>
+        </p:nvSpPr>
+        <p:spPr/>
+        <p:txBody>
+          <a:bodyPr/>
+          <a:lstStyle/>
+          <a:p>
+            <a:fld id="{D5D2CE8B-9E07-4940-9C5B-C895185EF23C}" type="slidenum">
+              <a:rPr lang="en-US" smtClean="0"/>
+              <a:t>4</a:t>
+            </a:fld>
+            <a:endParaRPr lang="en-US"/>
+          </a:p>
+        </p:txBody>
+      </p:sp>
+    </p:spTree>
+    <p:extLst>
+      <p:ext uri="{BB962C8B-B14F-4D97-AF65-F5344CB8AC3E}">
+        <p14:creationId xmlns:p14="http://schemas.microsoft.com/office/powerpoint/2010/main" val="3201199647"/>
+      </p:ext>
+    </p:extLst>
+  </p:cSld>
+  <p:clrMapOvr>
+    <a:masterClrMapping/>
+  </p:clrMapOvr>
+</p:notes>
+</file>
+
+<file path=ppt/notesSlides/notesSlide3.xml><?xml version="1.0" encoding="utf-8"?>
+<p:notes xmlns:a="http://schemas.openxmlformats.org/drawingml/2006/main" xmlns:r="http://schemas.openxmlformats.org/officeDocument/2006/relationships" xmlns:p="http://schemas.openxmlformats.org/presentationml/2006/main">
+  <p:cSld>
+    <p:spTree>
+      <p:nvGrpSpPr>
+        <p:cNvPr id="1" name=""/>
+        <p:cNvGrpSpPr/>
+        <p:nvPr/>
+      </p:nvGrpSpPr>
+      <p:grpSpPr>
+        <a:xfrm>
+          <a:off x="0" y="0"/>
+          <a:ext cx="0" cy="0"/>
+          <a:chOff x="0" y="0"/>
+          <a:chExt cx="0" cy="0"/>
+        </a:xfrm>
+      </p:grpSpPr>
+      <p:sp>
+        <p:nvSpPr>
+          <p:cNvPr id="2" name="Slide Image Placeholder 1"/>
+          <p:cNvSpPr>
+            <a:spLocks noGrp="1" noRot="1" noChangeAspect="1"/>
+          </p:cNvSpPr>
+          <p:nvPr>
+            <p:ph type="sldImg"/>
+          </p:nvPr>
+        </p:nvSpPr>
+        <p:spPr/>
+      </p:sp>
+      <p:sp>
+        <p:nvSpPr>
+          <p:cNvPr id="3" name="Notes Placeholder 2"/>
+          <p:cNvSpPr>
+            <a:spLocks noGrp="1"/>
+          </p:cNvSpPr>
+          <p:nvPr>
+            <p:ph type="body" idx="1"/>
+          </p:nvPr>
+        </p:nvSpPr>
+        <p:spPr/>
+        <p:txBody>
+          <a:bodyPr/>
+          <a:lstStyle/>
+          <a:p>
+            <a:r>
+              <a:rPr lang="en-US" sz="1200" b="0" i="0" kern="1200" dirty="0">
+                <a:solidFill>
+                  <a:schemeClr val="tx1"/>
+                </a:solidFill>
+                <a:effectLst/>
+                <a:latin typeface="+mn-lt"/>
+                <a:ea typeface="+mn-ea"/>
+                <a:cs typeface="+mn-cs"/>
+              </a:rPr>
+              <a:t>Akka.NET is used by many large organizations and in industries such as investment and merchant banking, retail and social media, simulation, gaming and betting, automobile and traffic systems, health care, data analytics, and much more. Any system that has the need for high-throughput and low latency is a good candidate for using Akka.NET.</a:t>
+            </a:r>
+          </a:p>
+          <a:p>
+            <a:endParaRPr lang="en-US" sz="1200" b="0" i="0" kern="1200" dirty="0">
+              <a:solidFill>
+                <a:schemeClr val="tx1"/>
+              </a:solidFill>
+              <a:effectLst/>
+              <a:latin typeface="+mn-lt"/>
+              <a:ea typeface="+mn-ea"/>
+              <a:cs typeface="+mn-cs"/>
+            </a:endParaRPr>
+          </a:p>
+          <a:p>
+            <a:r>
+              <a:rPr lang="en-US" sz="1200" b="0" i="0" kern="1200" dirty="0">
+                <a:solidFill>
+                  <a:schemeClr val="tx1"/>
+                </a:solidFill>
+                <a:effectLst/>
+                <a:latin typeface="+mn-lt"/>
+                <a:ea typeface="+mn-ea"/>
+                <a:cs typeface="+mn-cs"/>
+              </a:rPr>
+              <a:t>Transaction processing (Online Gaming, Finance/Banking, Trading, Statistics, Betting, Social Media, Telecom)</a:t>
+            </a:r>
+          </a:p>
+          <a:p>
+            <a:endParaRPr lang="en-US" sz="1200" b="0" i="0" kern="1200" dirty="0">
+              <a:solidFill>
+                <a:schemeClr val="tx1"/>
+              </a:solidFill>
+              <a:effectLst/>
+              <a:latin typeface="+mn-lt"/>
+              <a:ea typeface="+mn-ea"/>
+              <a:cs typeface="+mn-cs"/>
+            </a:endParaRPr>
+          </a:p>
+          <a:p>
+            <a:r>
+              <a:rPr lang="en-US" sz="1200" b="0" i="0" kern="1200" dirty="0">
+                <a:solidFill>
+                  <a:schemeClr val="tx1"/>
+                </a:solidFill>
+                <a:effectLst/>
+                <a:latin typeface="+mn-lt"/>
+                <a:ea typeface="+mn-ea"/>
+                <a:cs typeface="+mn-cs"/>
+              </a:rPr>
+              <a:t>Service backend (any industry, any app) </a:t>
+            </a:r>
+          </a:p>
+          <a:p>
+            <a:endParaRPr lang="en-US" sz="1200" b="0" i="0" kern="1200" dirty="0">
+              <a:solidFill>
+                <a:schemeClr val="tx1"/>
+              </a:solidFill>
+              <a:effectLst/>
+              <a:latin typeface="+mn-lt"/>
+              <a:ea typeface="+mn-ea"/>
+              <a:cs typeface="+mn-cs"/>
+            </a:endParaRPr>
+          </a:p>
+          <a:p>
+            <a:r>
+              <a:rPr lang="en-US" sz="1200" b="0" i="0" kern="1200" dirty="0">
+                <a:solidFill>
+                  <a:schemeClr val="tx1"/>
+                </a:solidFill>
+                <a:effectLst/>
+                <a:latin typeface="+mn-lt"/>
+                <a:ea typeface="+mn-ea"/>
+                <a:cs typeface="+mn-cs"/>
+              </a:rPr>
+              <a:t>Concurrency/parallelism (any app) </a:t>
+            </a:r>
+          </a:p>
+          <a:p>
+            <a:endParaRPr lang="en-US" sz="1200" b="0" i="0" kern="1200" dirty="0">
+              <a:solidFill>
+                <a:schemeClr val="tx1"/>
+              </a:solidFill>
+              <a:effectLst/>
+              <a:latin typeface="+mn-lt"/>
+              <a:ea typeface="+mn-ea"/>
+              <a:cs typeface="+mn-cs"/>
+            </a:endParaRPr>
+          </a:p>
+          <a:p>
+            <a:r>
+              <a:rPr lang="en-US" sz="1200" b="0" i="0" kern="1200" dirty="0">
+                <a:solidFill>
+                  <a:schemeClr val="tx1"/>
+                </a:solidFill>
+                <a:effectLst/>
+                <a:latin typeface="+mn-lt"/>
+                <a:ea typeface="+mn-ea"/>
+                <a:cs typeface="+mn-cs"/>
+              </a:rPr>
+              <a:t>Simulation</a:t>
+            </a:r>
+          </a:p>
+          <a:p>
+            <a:r>
+              <a:rPr lang="en-US" sz="1200" b="0" i="0" kern="1200" dirty="0">
+                <a:solidFill>
+                  <a:schemeClr val="tx1"/>
+                </a:solidFill>
+                <a:effectLst/>
+                <a:latin typeface="+mn-lt"/>
+                <a:ea typeface="+mn-ea"/>
+                <a:cs typeface="+mn-cs"/>
+              </a:rPr>
+              <a:t>Master/Worker, Compute Grid, MapReduce etc.</a:t>
+            </a:r>
+          </a:p>
+          <a:p>
+            <a:endParaRPr lang="en-US" sz="1200" b="0" i="0" kern="1200" dirty="0">
+              <a:solidFill>
+                <a:schemeClr val="tx1"/>
+              </a:solidFill>
+              <a:effectLst/>
+              <a:latin typeface="+mn-lt"/>
+              <a:ea typeface="+mn-ea"/>
+              <a:cs typeface="+mn-cs"/>
+            </a:endParaRPr>
+          </a:p>
+          <a:p>
+            <a:r>
+              <a:rPr lang="en-US" sz="1200" b="0" i="0" kern="1200" dirty="0">
+                <a:solidFill>
+                  <a:schemeClr val="tx1"/>
+                </a:solidFill>
+                <a:effectLst/>
+                <a:latin typeface="+mn-lt"/>
+                <a:ea typeface="+mn-ea"/>
+                <a:cs typeface="+mn-cs"/>
+              </a:rPr>
+              <a:t>Batch processing (any industry)</a:t>
+            </a:r>
+          </a:p>
+          <a:p>
+            <a:r>
+              <a:rPr lang="en-US" sz="1200" b="0" i="0" kern="1200" dirty="0">
+                <a:solidFill>
+                  <a:schemeClr val="tx1"/>
+                </a:solidFill>
+                <a:effectLst/>
+                <a:latin typeface="+mn-lt"/>
+                <a:ea typeface="+mn-ea"/>
+                <a:cs typeface="+mn-cs"/>
+              </a:rPr>
+              <a:t>Camel integration to hook up with batch data sources Actors divide and conquer the batch workloads</a:t>
+            </a:r>
+          </a:p>
+          <a:p>
+            <a:endParaRPr lang="en-US" sz="1200" b="0" i="0" kern="1200" dirty="0">
+              <a:solidFill>
+                <a:schemeClr val="tx1"/>
+              </a:solidFill>
+              <a:effectLst/>
+              <a:latin typeface="+mn-lt"/>
+              <a:ea typeface="+mn-ea"/>
+              <a:cs typeface="+mn-cs"/>
+            </a:endParaRPr>
+          </a:p>
+          <a:p>
+            <a:r>
+              <a:rPr lang="en-US" sz="1200" b="0" i="0" kern="1200" dirty="0">
+                <a:solidFill>
+                  <a:schemeClr val="tx1"/>
+                </a:solidFill>
+                <a:effectLst/>
+                <a:latin typeface="+mn-lt"/>
+                <a:ea typeface="+mn-ea"/>
+                <a:cs typeface="+mn-cs"/>
+              </a:rPr>
+              <a:t>Communications Hub (Telecom, Web media, Mobile media)</a:t>
+            </a:r>
+          </a:p>
+          <a:p>
+            <a:endParaRPr lang="en-US" sz="1200" b="0" i="0" kern="1200" dirty="0">
+              <a:solidFill>
+                <a:schemeClr val="tx1"/>
+              </a:solidFill>
+              <a:effectLst/>
+              <a:latin typeface="+mn-lt"/>
+              <a:ea typeface="+mn-ea"/>
+              <a:cs typeface="+mn-cs"/>
+            </a:endParaRPr>
+          </a:p>
+          <a:p>
+            <a:r>
+              <a:rPr lang="en-US" sz="1200" b="0" i="0" kern="1200" dirty="0">
+                <a:solidFill>
+                  <a:schemeClr val="tx1"/>
+                </a:solidFill>
+                <a:effectLst/>
+                <a:latin typeface="+mn-lt"/>
+                <a:ea typeface="+mn-ea"/>
+                <a:cs typeface="+mn-cs"/>
+              </a:rPr>
+              <a:t>Gaming and Betting (MOM, online gaming, betting)</a:t>
+            </a:r>
+          </a:p>
+          <a:p>
+            <a:r>
+              <a:rPr lang="en-US" sz="1200" b="0" i="0" kern="1200" dirty="0">
+                <a:solidFill>
+                  <a:schemeClr val="tx1"/>
+                </a:solidFill>
+                <a:effectLst/>
+                <a:latin typeface="+mn-lt"/>
+                <a:ea typeface="+mn-ea"/>
+                <a:cs typeface="+mn-cs"/>
+              </a:rPr>
+              <a:t>Scale up, scale out, fault-tolerance / HA</a:t>
+            </a:r>
+          </a:p>
+          <a:p>
+            <a:endParaRPr lang="en-US" sz="1200" b="0" i="0" kern="1200" dirty="0">
+              <a:solidFill>
+                <a:schemeClr val="tx1"/>
+              </a:solidFill>
+              <a:effectLst/>
+              <a:latin typeface="+mn-lt"/>
+              <a:ea typeface="+mn-ea"/>
+              <a:cs typeface="+mn-cs"/>
+            </a:endParaRPr>
+          </a:p>
+          <a:p>
+            <a:r>
+              <a:rPr lang="en-US" sz="1200" b="0" i="0" kern="1200" dirty="0">
+                <a:solidFill>
+                  <a:schemeClr val="tx1"/>
+                </a:solidFill>
+                <a:effectLst/>
+                <a:latin typeface="+mn-lt"/>
+                <a:ea typeface="+mn-ea"/>
+                <a:cs typeface="+mn-cs"/>
+              </a:rPr>
+              <a:t>Business Intelligence/Data Mining/general purpose crunching</a:t>
+            </a:r>
+          </a:p>
+          <a:p>
+            <a:endParaRPr lang="en-US" sz="1200" b="0" i="0" kern="1200" dirty="0">
+              <a:solidFill>
+                <a:schemeClr val="tx1"/>
+              </a:solidFill>
+              <a:effectLst/>
+              <a:latin typeface="+mn-lt"/>
+              <a:ea typeface="+mn-ea"/>
+              <a:cs typeface="+mn-cs"/>
+            </a:endParaRPr>
+          </a:p>
+          <a:p>
+            <a:r>
+              <a:rPr lang="en-US" sz="1200" b="0" i="0" kern="1200" dirty="0">
+                <a:solidFill>
+                  <a:schemeClr val="tx1"/>
+                </a:solidFill>
+                <a:effectLst/>
+                <a:latin typeface="+mn-lt"/>
+                <a:ea typeface="+mn-ea"/>
+                <a:cs typeface="+mn-cs"/>
+              </a:rPr>
+              <a:t>Internet of Things</a:t>
+            </a:r>
+          </a:p>
+          <a:p>
+            <a:endParaRPr lang="en-US" sz="1200" b="0" i="0" kern="1200" dirty="0">
+              <a:solidFill>
+                <a:schemeClr val="tx1"/>
+              </a:solidFill>
+              <a:effectLst/>
+              <a:latin typeface="+mn-lt"/>
+              <a:ea typeface="+mn-ea"/>
+              <a:cs typeface="+mn-cs"/>
+            </a:endParaRPr>
+          </a:p>
+          <a:p>
+            <a:r>
+              <a:rPr lang="en-US" sz="1200" b="0" i="0" kern="1200" dirty="0">
+                <a:solidFill>
+                  <a:schemeClr val="tx1"/>
+                </a:solidFill>
+                <a:effectLst/>
+                <a:latin typeface="+mn-lt"/>
+                <a:ea typeface="+mn-ea"/>
+                <a:cs typeface="+mn-cs"/>
+              </a:rPr>
+              <a:t>Complex Event Stream Processing</a:t>
+            </a:r>
+          </a:p>
+          <a:p>
+            <a:endParaRPr lang="en-US" sz="1200" b="0" i="0" kern="1200" dirty="0">
+              <a:solidFill>
+                <a:schemeClr val="tx1"/>
+              </a:solidFill>
+              <a:effectLst/>
+              <a:latin typeface="+mn-lt"/>
+              <a:ea typeface="+mn-ea"/>
+              <a:cs typeface="+mn-cs"/>
+            </a:endParaRPr>
+          </a:p>
+          <a:p>
+            <a:r>
+              <a:rPr lang="en-US" sz="1200" b="0" i="0" kern="1200" dirty="0">
+                <a:solidFill>
+                  <a:schemeClr val="tx1"/>
+                </a:solidFill>
+                <a:effectLst/>
+                <a:latin typeface="+mn-lt"/>
+                <a:ea typeface="+mn-ea"/>
+                <a:cs typeface="+mn-cs"/>
+              </a:rPr>
+              <a:t>Blockchain</a:t>
+            </a:r>
+            <a:endParaRPr lang="en-US" dirty="0"/>
+          </a:p>
+        </p:txBody>
+      </p:sp>
+      <p:sp>
+        <p:nvSpPr>
+          <p:cNvPr id="4" name="Slide Number Placeholder 3"/>
+          <p:cNvSpPr>
+            <a:spLocks noGrp="1"/>
+          </p:cNvSpPr>
+          <p:nvPr>
+            <p:ph type="sldNum" sz="quarter" idx="5"/>
+          </p:nvPr>
+        </p:nvSpPr>
+        <p:spPr/>
+        <p:txBody>
+          <a:bodyPr/>
+          <a:lstStyle/>
+          <a:p>
+            <a:fld id="{D5D2CE8B-9E07-4940-9C5B-C895185EF23C}" type="slidenum">
+              <a:rPr lang="en-US" smtClean="0"/>
+              <a:t>5</a:t>
+            </a:fld>
+            <a:endParaRPr lang="en-US"/>
+          </a:p>
+        </p:txBody>
+      </p:sp>
+    </p:spTree>
+    <p:extLst>
+      <p:ext uri="{BB962C8B-B14F-4D97-AF65-F5344CB8AC3E}">
+        <p14:creationId xmlns:p14="http://schemas.microsoft.com/office/powerpoint/2010/main" val="2986665341"/>
+      </p:ext>
+    </p:extLst>
+  </p:cSld>
+  <p:clrMapOvr>
+    <a:masterClrMapping/>
+  </p:clrMapOvr>
+</p:notes>
+</file>
+
+<file path=ppt/notesSlides/notesSlide4.xml><?xml version="1.0" encoding="utf-8"?>
+<p:notes xmlns:a="http://schemas.openxmlformats.org/drawingml/2006/main" xmlns:r="http://schemas.openxmlformats.org/officeDocument/2006/relationships" xmlns:p="http://schemas.openxmlformats.org/presentationml/2006/main">
+  <p:cSld>
+    <p:spTree>
+      <p:nvGrpSpPr>
+        <p:cNvPr id="1" name=""/>
+        <p:cNvGrpSpPr/>
+        <p:nvPr/>
+      </p:nvGrpSpPr>
+      <p:grpSpPr>
+        <a:xfrm>
+          <a:off x="0" y="0"/>
+          <a:ext cx="0" cy="0"/>
+          <a:chOff x="0" y="0"/>
+          <a:chExt cx="0" cy="0"/>
+        </a:xfrm>
+      </p:grpSpPr>
+      <p:sp>
+        <p:nvSpPr>
+          <p:cNvPr id="2" name="Slide Image Placeholder 1"/>
+          <p:cNvSpPr>
+            <a:spLocks noGrp="1" noRot="1" noChangeAspect="1"/>
+          </p:cNvSpPr>
+          <p:nvPr>
+            <p:ph type="sldImg"/>
+          </p:nvPr>
+        </p:nvSpPr>
+        <p:spPr/>
+      </p:sp>
+      <p:sp>
+        <p:nvSpPr>
+          <p:cNvPr id="3" name="Notes Placeholder 2"/>
+          <p:cNvSpPr>
+            <a:spLocks noGrp="1"/>
+          </p:cNvSpPr>
+          <p:nvPr>
+            <p:ph type="body" idx="1"/>
+          </p:nvPr>
+        </p:nvSpPr>
+        <p:spPr/>
+        <p:txBody>
+          <a:bodyPr/>
+          <a:lstStyle/>
+          <a:p>
+            <a:r>
+              <a:rPr lang="en-US" dirty="0">
+                <a:hlinkClick r:id="rId3"/>
+              </a:rPr>
+              <a:t>https://petabridge.com/blog/akkadotnet-what-is-an-actor/</a:t>
+            </a:r>
+            <a:endParaRPr lang="en-US" dirty="0"/>
+          </a:p>
+          <a:p>
+            <a:endParaRPr lang="en-US" dirty="0"/>
+          </a:p>
+          <a:p>
+            <a:r>
+              <a:rPr lang="en-US" sz="1200" b="0" i="0" kern="1200" dirty="0">
+                <a:solidFill>
+                  <a:schemeClr val="tx1"/>
+                </a:solidFill>
+                <a:effectLst/>
+                <a:latin typeface="+mn-lt"/>
+                <a:ea typeface="+mn-ea"/>
+                <a:cs typeface="+mn-cs"/>
+              </a:rPr>
+              <a:t>There are many types of Actors in Akka.NET, but all of them derive from the </a:t>
+            </a:r>
+            <a:r>
+              <a:rPr lang="en-US" dirty="0" err="1"/>
+              <a:t>UntypedActor</a:t>
+            </a:r>
+            <a:r>
+              <a:rPr lang="en-US" sz="1200" b="0" i="0" kern="1200" dirty="0">
+                <a:solidFill>
+                  <a:schemeClr val="tx1"/>
+                </a:solidFill>
+                <a:effectLst/>
+                <a:latin typeface="+mn-lt"/>
+                <a:ea typeface="+mn-ea"/>
+                <a:cs typeface="+mn-cs"/>
+              </a:rPr>
+              <a:t>.</a:t>
+            </a:r>
+          </a:p>
+          <a:p>
+            <a:endParaRPr lang="en-US" sz="1200" b="0" i="0" kern="1200" dirty="0">
+              <a:solidFill>
+                <a:schemeClr val="tx1"/>
+              </a:solidFill>
+              <a:effectLst/>
+              <a:latin typeface="+mn-lt"/>
+              <a:ea typeface="+mn-ea"/>
+              <a:cs typeface="+mn-cs"/>
+            </a:endParaRPr>
+          </a:p>
+          <a:p>
+            <a:r>
+              <a:rPr lang="en-US" sz="1200" b="0" i="0" kern="1200" dirty="0">
+                <a:solidFill>
+                  <a:schemeClr val="tx1"/>
+                </a:solidFill>
+                <a:effectLst/>
+                <a:latin typeface="+mn-lt"/>
+                <a:ea typeface="+mn-ea"/>
+                <a:cs typeface="+mn-cs"/>
+              </a:rPr>
+              <a:t>You might have noticed the following method on my </a:t>
+            </a:r>
+            <a:r>
+              <a:rPr lang="en-US" sz="1200" b="0" i="0" kern="1200" dirty="0" err="1">
+                <a:solidFill>
+                  <a:schemeClr val="tx1"/>
+                </a:solidFill>
+                <a:effectLst/>
+                <a:latin typeface="+mn-lt"/>
+                <a:ea typeface="+mn-ea"/>
+                <a:cs typeface="+mn-cs"/>
+              </a:rPr>
+              <a:t>BasicActor</a:t>
+            </a:r>
+            <a:r>
+              <a:rPr lang="en-US" sz="1200" b="0" i="0" kern="1200" dirty="0">
+                <a:solidFill>
+                  <a:schemeClr val="tx1"/>
+                </a:solidFill>
+                <a:effectLst/>
+                <a:latin typeface="+mn-lt"/>
+                <a:ea typeface="+mn-ea"/>
+                <a:cs typeface="+mn-cs"/>
+              </a:rPr>
+              <a:t> definition above:</a:t>
+            </a:r>
+          </a:p>
+          <a:p>
+            <a:endParaRPr lang="en-US" sz="1200" b="0" i="0" kern="1200" dirty="0">
+              <a:solidFill>
+                <a:schemeClr val="tx1"/>
+              </a:solidFill>
+              <a:effectLst/>
+              <a:latin typeface="+mn-lt"/>
+              <a:ea typeface="+mn-ea"/>
+              <a:cs typeface="+mn-cs"/>
+            </a:endParaRPr>
+          </a:p>
+          <a:p>
+            <a:r>
+              <a:rPr lang="en-US" sz="1200" b="0" i="0" kern="1200" dirty="0">
+                <a:solidFill>
+                  <a:schemeClr val="tx1"/>
+                </a:solidFill>
+                <a:effectLst/>
+                <a:latin typeface="+mn-lt"/>
+                <a:ea typeface="+mn-ea"/>
+                <a:cs typeface="+mn-cs"/>
+              </a:rPr>
+              <a:t>The </a:t>
+            </a:r>
+            <a:r>
+              <a:rPr lang="en-US" sz="1200" b="0" i="0" kern="1200" dirty="0" err="1">
+                <a:solidFill>
+                  <a:schemeClr val="tx1"/>
+                </a:solidFill>
+                <a:effectLst/>
+                <a:latin typeface="+mn-lt"/>
+                <a:ea typeface="+mn-ea"/>
+                <a:cs typeface="+mn-cs"/>
+              </a:rPr>
+              <a:t>OnReceive</a:t>
+            </a:r>
+            <a:r>
+              <a:rPr lang="en-US" sz="1200" b="0" i="0" kern="1200" dirty="0">
+                <a:solidFill>
+                  <a:schemeClr val="tx1"/>
+                </a:solidFill>
+                <a:effectLst/>
+                <a:latin typeface="+mn-lt"/>
+                <a:ea typeface="+mn-ea"/>
+                <a:cs typeface="+mn-cs"/>
+              </a:rPr>
+              <a:t> method is where any actor receives its messages. In Akka.NET a “message” is just a C# object. A message can be an instance of a string, an int or a user-defined class like </a:t>
+            </a:r>
+            <a:r>
+              <a:rPr lang="en-US" sz="1200" b="0" i="0" kern="1200" dirty="0" err="1">
+                <a:solidFill>
+                  <a:schemeClr val="tx1"/>
+                </a:solidFill>
+                <a:effectLst/>
+                <a:latin typeface="+mn-lt"/>
+                <a:ea typeface="+mn-ea"/>
+                <a:cs typeface="+mn-cs"/>
+              </a:rPr>
+              <a:t>OfficeStaff.RequestMoreCoffee</a:t>
+            </a:r>
+            <a:r>
+              <a:rPr lang="en-US" sz="1200" b="0" i="0" kern="1200" dirty="0">
+                <a:solidFill>
+                  <a:schemeClr val="tx1"/>
+                </a:solidFill>
+                <a:effectLst/>
+                <a:latin typeface="+mn-lt"/>
+                <a:ea typeface="+mn-ea"/>
+                <a:cs typeface="+mn-cs"/>
+              </a:rPr>
+              <a:t>.</a:t>
+            </a:r>
+          </a:p>
+          <a:p>
+            <a:endParaRPr lang="en-US" sz="1200" b="0" i="0" kern="1200" dirty="0">
+              <a:solidFill>
+                <a:schemeClr val="tx1"/>
+              </a:solidFill>
+              <a:effectLst/>
+              <a:latin typeface="+mn-lt"/>
+              <a:ea typeface="+mn-ea"/>
+              <a:cs typeface="+mn-cs"/>
+            </a:endParaRPr>
+          </a:p>
+          <a:p>
+            <a:r>
+              <a:rPr lang="en-US" sz="1200" b="0" i="0" kern="1200" dirty="0">
+                <a:solidFill>
+                  <a:schemeClr val="tx1"/>
+                </a:solidFill>
+                <a:effectLst/>
+                <a:latin typeface="+mn-lt"/>
+                <a:ea typeface="+mn-ea"/>
+                <a:cs typeface="+mn-cs"/>
+              </a:rPr>
+              <a:t>Actors are typically programmed only to handle a few specific </a:t>
+            </a:r>
+            <a:r>
+              <a:rPr lang="en-US" sz="1200" b="0" i="0" u="none" strike="noStrike" kern="1200" dirty="0">
+                <a:solidFill>
+                  <a:schemeClr val="tx1"/>
+                </a:solidFill>
+                <a:effectLst/>
+                <a:latin typeface="+mn-lt"/>
+                <a:ea typeface="+mn-ea"/>
+                <a:cs typeface="+mn-cs"/>
+                <a:hlinkClick r:id="rId4" tooltip="C# Types"/>
+              </a:rPr>
+              <a:t>types</a:t>
+            </a:r>
+            <a:r>
+              <a:rPr lang="en-US" sz="1200" b="0" i="0" kern="1200" dirty="0">
+                <a:solidFill>
+                  <a:schemeClr val="tx1"/>
+                </a:solidFill>
+                <a:effectLst/>
+                <a:latin typeface="+mn-lt"/>
+                <a:ea typeface="+mn-ea"/>
+                <a:cs typeface="+mn-cs"/>
+              </a:rPr>
+              <a:t> of messages, but nothing bad happens if an actor receives a message it can’t handle. Typically it just logs the message as “unhandled” and moves on.</a:t>
+            </a:r>
+          </a:p>
+          <a:p>
+            <a:endParaRPr lang="en-US" sz="1200" b="0" i="0" kern="1200" dirty="0">
+              <a:solidFill>
+                <a:schemeClr val="tx1"/>
+              </a:solidFill>
+              <a:effectLst/>
+              <a:latin typeface="+mn-lt"/>
+              <a:ea typeface="+mn-ea"/>
+              <a:cs typeface="+mn-cs"/>
+            </a:endParaRPr>
+          </a:p>
+          <a:p>
+            <a:pPr marL="0" marR="0" lvl="0" indent="0" algn="l" defTabSz="914400" rtl="0" eaLnBrk="1" fontAlgn="auto" latinLnBrk="0" hangingPunct="1">
+              <a:lnSpc>
+                <a:spcPct val="100000"/>
+              </a:lnSpc>
+              <a:spcBef>
+                <a:spcPts val="0"/>
+              </a:spcBef>
+              <a:spcAft>
+                <a:spcPts val="0"/>
+              </a:spcAft>
+              <a:buClrTx/>
+              <a:buSzTx/>
+              <a:buFontTx/>
+              <a:buNone/>
+              <a:tabLst/>
+              <a:defRPr/>
+            </a:pPr>
+            <a:r>
+              <a:rPr lang="en-US" sz="1200" b="1" i="0" kern="1200" dirty="0">
+                <a:solidFill>
+                  <a:schemeClr val="tx1"/>
+                </a:solidFill>
+                <a:effectLst/>
+                <a:latin typeface="+mn-lt"/>
+                <a:ea typeface="+mn-ea"/>
+                <a:cs typeface="+mn-cs"/>
+              </a:rPr>
+              <a:t>Actors Communicate Via Message Passing</a:t>
+            </a:r>
+          </a:p>
+          <a:p>
+            <a:endParaRPr lang="en-US" sz="1200" b="0" i="0" kern="1200" dirty="0">
+              <a:solidFill>
+                <a:schemeClr val="tx1"/>
+              </a:solidFill>
+              <a:effectLst/>
+              <a:latin typeface="+mn-lt"/>
+              <a:ea typeface="+mn-ea"/>
+              <a:cs typeface="+mn-cs"/>
+            </a:endParaRPr>
+          </a:p>
+          <a:p>
+            <a:r>
+              <a:rPr lang="en-US" sz="1200" b="0" i="1" kern="1200" dirty="0">
+                <a:solidFill>
+                  <a:schemeClr val="tx1"/>
+                </a:solidFill>
+                <a:effectLst/>
+                <a:latin typeface="+mn-lt"/>
+                <a:ea typeface="+mn-ea"/>
+                <a:cs typeface="+mn-cs"/>
+              </a:rPr>
+              <a:t>Well for starters, </a:t>
+            </a:r>
+            <a:r>
+              <a:rPr lang="en-US" sz="1200" b="1" i="1" kern="1200" dirty="0">
+                <a:solidFill>
+                  <a:schemeClr val="tx1"/>
+                </a:solidFill>
+                <a:effectLst/>
+                <a:latin typeface="+mn-lt"/>
+                <a:ea typeface="+mn-ea"/>
+                <a:cs typeface="+mn-cs"/>
+              </a:rPr>
+              <a:t>message passing is asynchronous</a:t>
+            </a:r>
+            <a:r>
+              <a:rPr lang="en-US" sz="1200" b="0" i="1" kern="1200" dirty="0">
+                <a:solidFill>
+                  <a:schemeClr val="tx1"/>
+                </a:solidFill>
+                <a:effectLst/>
+                <a:latin typeface="+mn-lt"/>
+                <a:ea typeface="+mn-ea"/>
+                <a:cs typeface="+mn-cs"/>
+              </a:rPr>
+              <a:t> - the actor who sent the message can continue to do other work while the receiving actor processes the sender’s message.</a:t>
+            </a:r>
+          </a:p>
+          <a:p>
+            <a:r>
+              <a:rPr lang="en-US" sz="1200" b="0" i="1" kern="1200" dirty="0">
+                <a:solidFill>
+                  <a:schemeClr val="tx1"/>
+                </a:solidFill>
+                <a:effectLst/>
+                <a:latin typeface="+mn-lt"/>
+                <a:ea typeface="+mn-ea"/>
+                <a:cs typeface="+mn-cs"/>
+              </a:rPr>
+              <a:t>So in effect, every interaction one actor has with any other actor is going to be asynchronous by default.</a:t>
+            </a:r>
+          </a:p>
+          <a:p>
+            <a:endParaRPr lang="en-US" sz="1200" b="0" i="0" kern="1200" dirty="0">
+              <a:solidFill>
+                <a:schemeClr val="tx1"/>
+              </a:solidFill>
+              <a:effectLst/>
+              <a:latin typeface="+mn-lt"/>
+              <a:ea typeface="+mn-ea"/>
+              <a:cs typeface="+mn-cs"/>
+            </a:endParaRPr>
+          </a:p>
+          <a:p>
+            <a:endParaRPr lang="en-US" sz="1200" b="0" i="0" kern="1200" dirty="0">
+              <a:solidFill>
+                <a:schemeClr val="tx1"/>
+              </a:solidFill>
+              <a:effectLst/>
+              <a:latin typeface="+mn-lt"/>
+              <a:ea typeface="+mn-ea"/>
+              <a:cs typeface="+mn-cs"/>
+            </a:endParaRPr>
+          </a:p>
+          <a:p>
+            <a:pPr marL="0" marR="0" lvl="0" indent="0" algn="l" defTabSz="914400" rtl="0" eaLnBrk="1" fontAlgn="auto" latinLnBrk="0" hangingPunct="1">
+              <a:lnSpc>
+                <a:spcPct val="100000"/>
+              </a:lnSpc>
+              <a:spcBef>
+                <a:spcPts val="0"/>
+              </a:spcBef>
+              <a:spcAft>
+                <a:spcPts val="0"/>
+              </a:spcAft>
+              <a:buClrTx/>
+              <a:buSzTx/>
+              <a:buFontTx/>
+              <a:buNone/>
+              <a:tabLst/>
+              <a:defRPr/>
+            </a:pPr>
+            <a:r>
+              <a:rPr lang="en-US" sz="1200" b="1" i="0" kern="1200" dirty="0">
+                <a:solidFill>
+                  <a:schemeClr val="tx1"/>
+                </a:solidFill>
+                <a:effectLst/>
+                <a:latin typeface="+mn-lt"/>
+                <a:ea typeface="+mn-ea"/>
+                <a:cs typeface="+mn-cs"/>
+              </a:rPr>
+              <a:t>Actors Send Messages to Actor References, Not Directly to Actors</a:t>
+            </a:r>
+          </a:p>
+          <a:p>
+            <a:endParaRPr lang="en-US" sz="1200" b="0" i="0" kern="1200" dirty="0">
+              <a:solidFill>
+                <a:schemeClr val="tx1"/>
+              </a:solidFill>
+              <a:effectLst/>
+              <a:latin typeface="+mn-lt"/>
+              <a:ea typeface="+mn-ea"/>
+              <a:cs typeface="+mn-cs"/>
+            </a:endParaRPr>
+          </a:p>
+          <a:p>
+            <a:r>
+              <a:rPr lang="en-US" sz="1200" b="1" i="0" kern="1200" dirty="0">
+                <a:solidFill>
+                  <a:schemeClr val="tx1"/>
+                </a:solidFill>
+                <a:effectLst/>
+                <a:latin typeface="+mn-lt"/>
+                <a:ea typeface="+mn-ea"/>
+                <a:cs typeface="+mn-cs"/>
+              </a:rPr>
+              <a:t>Protocol</a:t>
+            </a:r>
+            <a:r>
+              <a:rPr lang="en-US" sz="1200" b="0" i="0" kern="1200" dirty="0">
+                <a:solidFill>
+                  <a:schemeClr val="tx1"/>
+                </a:solidFill>
+                <a:effectLst/>
+                <a:latin typeface="+mn-lt"/>
+                <a:ea typeface="+mn-ea"/>
+                <a:cs typeface="+mn-cs"/>
+              </a:rPr>
+              <a:t> - just like how you can have HTTP and HTTPS on the web, Akka.NET supports multiple transport protocols for inter-process communication. The default protocol for single-process actor systems is just </a:t>
+            </a:r>
+            <a:r>
+              <a:rPr lang="en-US" sz="1200" b="0" i="0" kern="1200" dirty="0" err="1">
+                <a:solidFill>
+                  <a:schemeClr val="tx1"/>
+                </a:solidFill>
+                <a:effectLst/>
+                <a:latin typeface="+mn-lt"/>
+                <a:ea typeface="+mn-ea"/>
+                <a:cs typeface="+mn-cs"/>
+              </a:rPr>
+              <a:t>akka</a:t>
+            </a:r>
+            <a:r>
+              <a:rPr lang="en-US" sz="1200" b="0" i="0" kern="1200" dirty="0">
+                <a:solidFill>
+                  <a:schemeClr val="tx1"/>
+                </a:solidFill>
+                <a:effectLst/>
+                <a:latin typeface="+mn-lt"/>
+                <a:ea typeface="+mn-ea"/>
+                <a:cs typeface="+mn-cs"/>
+              </a:rPr>
+              <a:t>://. If you’re using remoting or clustering, you’ll typically use a socket transport like </a:t>
+            </a:r>
+            <a:r>
+              <a:rPr lang="en-US" sz="1200" b="0" i="0" kern="1200" dirty="0" err="1">
+                <a:solidFill>
+                  <a:schemeClr val="tx1"/>
+                </a:solidFill>
+                <a:effectLst/>
+                <a:latin typeface="+mn-lt"/>
+                <a:ea typeface="+mn-ea"/>
+                <a:cs typeface="+mn-cs"/>
+              </a:rPr>
+              <a:t>akka.tcp</a:t>
+            </a:r>
+            <a:r>
+              <a:rPr lang="en-US" sz="1200" b="0" i="0" kern="1200" dirty="0">
+                <a:solidFill>
+                  <a:schemeClr val="tx1"/>
+                </a:solidFill>
+                <a:effectLst/>
+                <a:latin typeface="+mn-lt"/>
+                <a:ea typeface="+mn-ea"/>
+                <a:cs typeface="+mn-cs"/>
+              </a:rPr>
+              <a:t>:// or </a:t>
+            </a:r>
+            <a:r>
+              <a:rPr lang="en-US" sz="1200" b="0" i="0" kern="1200" dirty="0" err="1">
+                <a:solidFill>
+                  <a:schemeClr val="tx1"/>
+                </a:solidFill>
+                <a:effectLst/>
+                <a:latin typeface="+mn-lt"/>
+                <a:ea typeface="+mn-ea"/>
+                <a:cs typeface="+mn-cs"/>
+              </a:rPr>
+              <a:t>akka.udp</a:t>
+            </a:r>
+            <a:r>
+              <a:rPr lang="en-US" sz="1200" b="0" i="0" kern="1200" dirty="0">
+                <a:solidFill>
+                  <a:schemeClr val="tx1"/>
+                </a:solidFill>
+                <a:effectLst/>
+                <a:latin typeface="+mn-lt"/>
+                <a:ea typeface="+mn-ea"/>
+                <a:cs typeface="+mn-cs"/>
+              </a:rPr>
+              <a:t>:// to communicate between nodes.</a:t>
+            </a:r>
+          </a:p>
+          <a:p>
+            <a:r>
+              <a:rPr lang="en-US" sz="1200" b="1" i="0" kern="1200" dirty="0" err="1">
+                <a:solidFill>
+                  <a:schemeClr val="tx1"/>
+                </a:solidFill>
+                <a:effectLst/>
+                <a:latin typeface="+mn-lt"/>
+                <a:ea typeface="+mn-ea"/>
+                <a:cs typeface="+mn-cs"/>
+              </a:rPr>
+              <a:t>ActorSystem</a:t>
+            </a:r>
+            <a:r>
+              <a:rPr lang="en-US" sz="1200" b="0" i="0" kern="1200" dirty="0">
+                <a:solidFill>
+                  <a:schemeClr val="tx1"/>
+                </a:solidFill>
+                <a:effectLst/>
+                <a:latin typeface="+mn-lt"/>
+                <a:ea typeface="+mn-ea"/>
+                <a:cs typeface="+mn-cs"/>
+              </a:rPr>
+              <a:t> - every </a:t>
+            </a:r>
+            <a:r>
+              <a:rPr lang="en-US" sz="1200" b="0" i="0" kern="1200" dirty="0" err="1">
+                <a:solidFill>
+                  <a:schemeClr val="tx1"/>
+                </a:solidFill>
+                <a:effectLst/>
+                <a:latin typeface="+mn-lt"/>
+                <a:ea typeface="+mn-ea"/>
+                <a:cs typeface="+mn-cs"/>
+              </a:rPr>
+              <a:t>ActorSystem</a:t>
+            </a:r>
+            <a:r>
+              <a:rPr lang="en-US" sz="1200" b="0" i="0" kern="1200" dirty="0">
+                <a:solidFill>
+                  <a:schemeClr val="tx1"/>
+                </a:solidFill>
+                <a:effectLst/>
+                <a:latin typeface="+mn-lt"/>
+                <a:ea typeface="+mn-ea"/>
+                <a:cs typeface="+mn-cs"/>
+              </a:rPr>
+              <a:t> instance in Akka.NET has to be given a name upon startup, and that name can be shared by multiple processes or machines that are all participating in a distributed </a:t>
+            </a:r>
+            <a:r>
+              <a:rPr lang="en-US" sz="1200" b="0" i="0" kern="1200" dirty="0" err="1">
+                <a:solidFill>
+                  <a:schemeClr val="tx1"/>
+                </a:solidFill>
+                <a:effectLst/>
+                <a:latin typeface="+mn-lt"/>
+                <a:ea typeface="+mn-ea"/>
+                <a:cs typeface="+mn-cs"/>
+              </a:rPr>
+              <a:t>ActorSystem</a:t>
+            </a:r>
+            <a:r>
+              <a:rPr lang="en-US" sz="1200" b="0" i="0" kern="1200" dirty="0">
+                <a:solidFill>
+                  <a:schemeClr val="tx1"/>
+                </a:solidFill>
+                <a:effectLst/>
+                <a:latin typeface="+mn-lt"/>
+                <a:ea typeface="+mn-ea"/>
+                <a:cs typeface="+mn-cs"/>
+              </a:rPr>
+              <a:t>.</a:t>
+            </a:r>
+          </a:p>
+          <a:p>
+            <a:r>
+              <a:rPr lang="en-US" sz="1200" b="1" i="0" kern="1200" dirty="0">
+                <a:solidFill>
+                  <a:schemeClr val="tx1"/>
+                </a:solidFill>
+                <a:effectLst/>
+                <a:latin typeface="+mn-lt"/>
+                <a:ea typeface="+mn-ea"/>
+                <a:cs typeface="+mn-cs"/>
+              </a:rPr>
+              <a:t>Address</a:t>
+            </a:r>
+            <a:r>
+              <a:rPr lang="en-US" sz="1200" b="0" i="0" kern="1200" dirty="0">
+                <a:solidFill>
+                  <a:schemeClr val="tx1"/>
+                </a:solidFill>
+                <a:effectLst/>
+                <a:latin typeface="+mn-lt"/>
+                <a:ea typeface="+mn-ea"/>
+                <a:cs typeface="+mn-cs"/>
+              </a:rPr>
+              <a:t> - if you’re not using remoting, then the address portion of an </a:t>
+            </a:r>
+            <a:r>
+              <a:rPr lang="en-US" sz="1200" b="0" i="0" kern="1200" dirty="0" err="1">
+                <a:solidFill>
+                  <a:schemeClr val="tx1"/>
+                </a:solidFill>
+                <a:effectLst/>
+                <a:latin typeface="+mn-lt"/>
+                <a:ea typeface="+mn-ea"/>
+                <a:cs typeface="+mn-cs"/>
+              </a:rPr>
+              <a:t>ActorPath</a:t>
+            </a:r>
+            <a:r>
+              <a:rPr lang="en-US" sz="1200" b="0" i="0" kern="1200" dirty="0">
+                <a:solidFill>
+                  <a:schemeClr val="tx1"/>
+                </a:solidFill>
+                <a:effectLst/>
+                <a:latin typeface="+mn-lt"/>
+                <a:ea typeface="+mn-ea"/>
+                <a:cs typeface="+mn-cs"/>
+              </a:rPr>
+              <a:t> can be omitted. But this is used to convey specific IP address / domain name and port information used for remote communication between actor systems.</a:t>
+            </a:r>
+          </a:p>
+          <a:p>
+            <a:r>
+              <a:rPr lang="en-US" sz="1200" b="1" i="0" kern="1200" dirty="0">
+                <a:solidFill>
+                  <a:schemeClr val="tx1"/>
+                </a:solidFill>
+                <a:effectLst/>
+                <a:latin typeface="+mn-lt"/>
+                <a:ea typeface="+mn-ea"/>
+                <a:cs typeface="+mn-cs"/>
+              </a:rPr>
+              <a:t>Path</a:t>
+            </a:r>
+            <a:r>
+              <a:rPr lang="en-US" sz="1200" b="0" i="0" kern="1200" dirty="0">
+                <a:solidFill>
+                  <a:schemeClr val="tx1"/>
+                </a:solidFill>
+                <a:effectLst/>
+                <a:latin typeface="+mn-lt"/>
+                <a:ea typeface="+mn-ea"/>
+                <a:cs typeface="+mn-cs"/>
+              </a:rPr>
+              <a:t> - this is the path to a specific actor at an address. It’s structure just like a URL path for a website, with all user-defined actors stemming off of the /user/ root actor.</a:t>
+            </a:r>
+          </a:p>
+          <a:p>
+            <a:endParaRPr lang="en-US" sz="1200" b="0" i="0" kern="1200" dirty="0">
+              <a:solidFill>
+                <a:schemeClr val="tx1"/>
+              </a:solidFill>
+              <a:effectLst/>
+              <a:latin typeface="+mn-lt"/>
+              <a:ea typeface="+mn-ea"/>
+              <a:cs typeface="+mn-cs"/>
+            </a:endParaRPr>
+          </a:p>
+          <a:p>
+            <a:endParaRPr lang="en-US" sz="1200" b="0" i="0" kern="1200" dirty="0">
+              <a:solidFill>
+                <a:schemeClr val="tx1"/>
+              </a:solidFill>
+              <a:effectLst/>
+              <a:latin typeface="+mn-lt"/>
+              <a:ea typeface="+mn-ea"/>
+              <a:cs typeface="+mn-cs"/>
+            </a:endParaRPr>
+          </a:p>
+          <a:p>
+            <a:pPr marL="0" marR="0" lvl="0" indent="0" algn="l" defTabSz="914400" rtl="0" eaLnBrk="1" fontAlgn="auto" latinLnBrk="0" hangingPunct="1">
+              <a:lnSpc>
+                <a:spcPct val="100000"/>
+              </a:lnSpc>
+              <a:spcBef>
+                <a:spcPts val="0"/>
+              </a:spcBef>
+              <a:spcAft>
+                <a:spcPts val="0"/>
+              </a:spcAft>
+              <a:buClrTx/>
+              <a:buSzTx/>
+              <a:buFontTx/>
+              <a:buNone/>
+              <a:tabLst/>
+              <a:defRPr/>
+            </a:pPr>
+            <a:r>
+              <a:rPr lang="en-US" sz="1200" b="1" i="0" kern="1200" dirty="0">
+                <a:solidFill>
+                  <a:schemeClr val="tx1"/>
+                </a:solidFill>
+                <a:effectLst/>
+                <a:latin typeface="+mn-lt"/>
+                <a:ea typeface="+mn-ea"/>
+                <a:cs typeface="+mn-cs"/>
+              </a:rPr>
+              <a:t>All Messages Sent to An </a:t>
+            </a:r>
+            <a:r>
+              <a:rPr lang="en-US" sz="1200" b="1" i="0" kern="1200" dirty="0" err="1">
+                <a:solidFill>
+                  <a:schemeClr val="tx1"/>
+                </a:solidFill>
+                <a:effectLst/>
+                <a:latin typeface="+mn-lt"/>
+                <a:ea typeface="+mn-ea"/>
+                <a:cs typeface="+mn-cs"/>
+              </a:rPr>
+              <a:t>ActorReference</a:t>
+            </a:r>
+            <a:r>
+              <a:rPr lang="en-US" sz="1200" b="1" i="0" kern="1200" dirty="0">
+                <a:solidFill>
+                  <a:schemeClr val="tx1"/>
+                </a:solidFill>
+                <a:effectLst/>
+                <a:latin typeface="+mn-lt"/>
+                <a:ea typeface="+mn-ea"/>
+                <a:cs typeface="+mn-cs"/>
+              </a:rPr>
+              <a:t> Are Placed In A “Mailbox” That Belongs to the Actor.</a:t>
+            </a:r>
+          </a:p>
+          <a:p>
+            <a:endParaRPr lang="en-US" sz="1200" b="0" i="0" kern="1200" dirty="0">
+              <a:solidFill>
+                <a:schemeClr val="tx1"/>
+              </a:solidFill>
+              <a:effectLst/>
+              <a:latin typeface="+mn-lt"/>
+              <a:ea typeface="+mn-ea"/>
+              <a:cs typeface="+mn-cs"/>
+            </a:endParaRPr>
+          </a:p>
+          <a:p>
+            <a:endParaRPr lang="en-US" dirty="0"/>
+          </a:p>
+        </p:txBody>
+      </p:sp>
+      <p:sp>
+        <p:nvSpPr>
+          <p:cNvPr id="4" name="Slide Number Placeholder 3"/>
+          <p:cNvSpPr>
+            <a:spLocks noGrp="1"/>
+          </p:cNvSpPr>
+          <p:nvPr>
+            <p:ph type="sldNum" sz="quarter" idx="10"/>
+          </p:nvPr>
+        </p:nvSpPr>
+        <p:spPr/>
+        <p:txBody>
+          <a:bodyPr/>
+          <a:lstStyle/>
+          <a:p>
+            <a:fld id="{D5D2CE8B-9E07-4940-9C5B-C895185EF23C}" type="slidenum">
+              <a:rPr lang="en-US" smtClean="0"/>
+              <a:t>7</a:t>
+            </a:fld>
+            <a:endParaRPr lang="en-US"/>
+          </a:p>
+        </p:txBody>
+      </p:sp>
+    </p:spTree>
+    <p:extLst>
+      <p:ext uri="{BB962C8B-B14F-4D97-AF65-F5344CB8AC3E}">
+        <p14:creationId xmlns:p14="http://schemas.microsoft.com/office/powerpoint/2010/main" val="4121719285"/>
+      </p:ext>
+    </p:extLst>
+  </p:cSld>
+  <p:clrMapOvr>
+    <a:masterClrMapping/>
+  </p:clrMapOvr>
+</p:notes>
+</file>
+
+<file path=ppt/notesSlides/notesSlide5.xml><?xml version="1.0" encoding="utf-8"?>
+<p:notes xmlns:a="http://schemas.openxmlformats.org/drawingml/2006/main" xmlns:r="http://schemas.openxmlformats.org/officeDocument/2006/relationships" xmlns:p="http://schemas.openxmlformats.org/presentationml/2006/main">
+  <p:cSld>
+    <p:spTree>
+      <p:nvGrpSpPr>
+        <p:cNvPr id="1" name=""/>
+        <p:cNvGrpSpPr/>
+        <p:nvPr/>
+      </p:nvGrpSpPr>
+      <p:grpSpPr>
+        <a:xfrm>
+          <a:off x="0" y="0"/>
+          <a:ext cx="0" cy="0"/>
+          <a:chOff x="0" y="0"/>
+          <a:chExt cx="0" cy="0"/>
+        </a:xfrm>
+      </p:grpSpPr>
+      <p:sp>
+        <p:nvSpPr>
+          <p:cNvPr id="2" name="Slide Image Placeholder 1"/>
+          <p:cNvSpPr>
+            <a:spLocks noGrp="1" noRot="1" noChangeAspect="1"/>
+          </p:cNvSpPr>
+          <p:nvPr>
+            <p:ph type="sldImg"/>
+          </p:nvPr>
+        </p:nvSpPr>
+        <p:spPr/>
+      </p:sp>
+      <p:sp>
+        <p:nvSpPr>
+          <p:cNvPr id="3" name="Notes Placeholder 2"/>
+          <p:cNvSpPr>
+            <a:spLocks noGrp="1"/>
+          </p:cNvSpPr>
+          <p:nvPr>
+            <p:ph type="body" idx="1"/>
+          </p:nvPr>
+        </p:nvSpPr>
+        <p:spPr/>
+        <p:txBody>
+          <a:bodyPr/>
+          <a:lstStyle/>
+          <a:p>
+            <a:r>
+              <a:rPr lang="en-US" sz="1200" dirty="0">
+                <a:solidFill>
+                  <a:schemeClr val="bg1"/>
+                </a:solidFill>
+              </a:rPr>
+              <a:t>Before diving into how we can build an application, we will see some of the keywords which can are employed in the framework but also in the documentation.</a:t>
+            </a:r>
+          </a:p>
+          <a:p>
+            <a:endParaRPr lang="en-US" sz="1200" dirty="0">
+              <a:solidFill>
+                <a:schemeClr val="bg1"/>
+              </a:solidFill>
+            </a:endParaRPr>
+          </a:p>
+          <a:p>
+            <a:r>
+              <a:rPr lang="en-US" sz="1200" dirty="0">
+                <a:solidFill>
+                  <a:schemeClr val="bg1"/>
+                </a:solidFill>
+              </a:rPr>
+              <a:t>Grain</a:t>
+            </a:r>
+          </a:p>
+          <a:p>
+            <a:endParaRPr lang="en-US" sz="1200" dirty="0">
+              <a:solidFill>
+                <a:schemeClr val="bg1"/>
+              </a:solidFill>
+            </a:endParaRPr>
+          </a:p>
+          <a:p>
+            <a:r>
+              <a:rPr lang="en-US" sz="1200" dirty="0">
+                <a:solidFill>
+                  <a:schemeClr val="bg1"/>
+                </a:solidFill>
+              </a:rPr>
+              <a:t>Grains are the heart of the application, business logic, validation of business logic and storage are handled from within the grain. It is the actor containing the business logic. A grain can be either stateless or stateful and can also have its state persisted. We interact with grains in a asynchronous fashion, any call is asynchronous and return a Task. It is also possible to have the grain return a value back to the caller.</a:t>
+            </a:r>
+          </a:p>
+          <a:p>
+            <a:r>
+              <a:rPr lang="en-US" sz="1200" dirty="0">
+                <a:solidFill>
+                  <a:schemeClr val="bg1"/>
+                </a:solidFill>
+              </a:rPr>
+              <a:t>Concurrency is also handle by Orleans, every grain is ensure process request in a synchronous way. This makes thinking about the state within the grain much easier as there will never be concurrent threads modifying the grain state.</a:t>
+            </a:r>
+          </a:p>
+          <a:p>
+            <a:endParaRPr lang="en-US" sz="1200" dirty="0">
+              <a:solidFill>
+                <a:schemeClr val="bg1"/>
+              </a:solidFill>
+            </a:endParaRPr>
+          </a:p>
+          <a:p>
+            <a:r>
+              <a:rPr lang="en-US" sz="1200" dirty="0">
+                <a:solidFill>
+                  <a:schemeClr val="bg1"/>
+                </a:solidFill>
+              </a:rPr>
+              <a:t>Silo</a:t>
+            </a:r>
+          </a:p>
+          <a:p>
+            <a:endParaRPr lang="en-US" sz="1200" dirty="0">
+              <a:solidFill>
+                <a:schemeClr val="bg1"/>
+              </a:solidFill>
+            </a:endParaRPr>
+          </a:p>
+          <a:p>
+            <a:r>
+              <a:rPr lang="en-US" sz="1200" dirty="0">
+                <a:solidFill>
+                  <a:schemeClr val="bg1"/>
+                </a:solidFill>
+              </a:rPr>
+              <a:t>A silo is the process where a grain get executed. Multiple silos together form a cluster. In the most simplistic development, all silos share the same set of grain implementation.</a:t>
+            </a:r>
+          </a:p>
+          <a:p>
+            <a:r>
+              <a:rPr lang="en-US" sz="1200" dirty="0">
+                <a:solidFill>
+                  <a:schemeClr val="bg1"/>
+                </a:solidFill>
+              </a:rPr>
+              <a:t>When a client needs to get a grain, it will contact the silo through its gateway, then Orleans decides which silo will instantiate the grain. This is one of the properties of the virtual actor, we do not decide how silos are managed and where grains are instantiated, Orleans takes care of it for us. To get a grain, all we know is the cluster we wish to contact and where to find the gateways available (membership table).</a:t>
+            </a:r>
+          </a:p>
+          <a:p>
+            <a:endParaRPr lang="en-US" sz="1200" dirty="0">
+              <a:solidFill>
+                <a:schemeClr val="bg1"/>
+              </a:solidFill>
+            </a:endParaRPr>
+          </a:p>
+          <a:p>
+            <a:r>
+              <a:rPr lang="en-US" sz="1200" dirty="0">
+                <a:solidFill>
+                  <a:schemeClr val="bg1"/>
+                </a:solidFill>
+              </a:rPr>
+              <a:t>Cluster</a:t>
+            </a:r>
+          </a:p>
+          <a:p>
+            <a:endParaRPr lang="en-US" sz="1200" dirty="0">
+              <a:solidFill>
+                <a:schemeClr val="bg1"/>
+              </a:solidFill>
+            </a:endParaRPr>
+          </a:p>
+          <a:p>
+            <a:r>
+              <a:rPr lang="en-US" sz="1200" dirty="0">
+                <a:solidFill>
+                  <a:schemeClr val="bg1"/>
+                </a:solidFill>
+              </a:rPr>
+              <a:t>A cluster is composed by a set of silos. Within the cluster, the availability of the silos is maintained through via the membership table. A cluster is also identified by the deployment identifier. It can be seen as the unit accessible by the client. The cluster can be seen as the server too.</a:t>
+            </a:r>
+          </a:p>
+          <a:p>
+            <a:endParaRPr lang="en-US" sz="1200" dirty="0">
+              <a:solidFill>
+                <a:schemeClr val="bg1"/>
+              </a:solidFill>
+            </a:endParaRPr>
+          </a:p>
+          <a:p>
+            <a:r>
+              <a:rPr lang="en-US" sz="1200" dirty="0">
+                <a:solidFill>
+                  <a:schemeClr val="bg1"/>
+                </a:solidFill>
+              </a:rPr>
+              <a:t>Client</a:t>
+            </a:r>
+          </a:p>
+          <a:p>
+            <a:endParaRPr lang="en-US" sz="1200" dirty="0">
+              <a:solidFill>
+                <a:schemeClr val="bg1"/>
+              </a:solidFill>
+            </a:endParaRPr>
+          </a:p>
+          <a:p>
+            <a:r>
+              <a:rPr lang="en-US" sz="1200" dirty="0">
+                <a:solidFill>
+                  <a:schemeClr val="bg1"/>
+                </a:solidFill>
+              </a:rPr>
+              <a:t>A client is the caller needed the grain. The Orleans client is the service provided to talk to the cluster. It contains more in it like the message gateway which keeps track of alive/dead gateways. Usually the client is created within the client application needing to call grains, like an ASP.NET application.</a:t>
+            </a:r>
+          </a:p>
+          <a:p>
+            <a:endParaRPr lang="en-US" sz="1200" dirty="0">
+              <a:solidFill>
+                <a:schemeClr val="bg1"/>
+              </a:solidFill>
+            </a:endParaRPr>
+          </a:p>
+          <a:p>
+            <a:r>
+              <a:rPr lang="en-US" sz="1200" dirty="0">
+                <a:solidFill>
+                  <a:schemeClr val="bg1"/>
+                </a:solidFill>
+              </a:rPr>
+              <a:t>Liveness</a:t>
+            </a:r>
+          </a:p>
+          <a:p>
+            <a:endParaRPr lang="en-US" sz="1200" dirty="0">
+              <a:solidFill>
+                <a:schemeClr val="bg1"/>
+              </a:solidFill>
+            </a:endParaRPr>
+          </a:p>
+          <a:p>
+            <a:r>
+              <a:rPr lang="en-US" sz="1200" dirty="0">
+                <a:solidFill>
+                  <a:schemeClr val="bg1"/>
+                </a:solidFill>
+              </a:rPr>
+              <a:t>The liveness is what defines how do silos know about other silos joining the cluster or being alive/dead. In reliable environment, the liveness implemented through a membership table stored in a reliable structure such as </a:t>
+            </a:r>
+            <a:r>
+              <a:rPr lang="en-US" sz="1200" dirty="0" err="1">
+                <a:solidFill>
+                  <a:schemeClr val="bg1"/>
+                </a:solidFill>
+              </a:rPr>
+              <a:t>SQLserver</a:t>
+            </a:r>
+            <a:r>
+              <a:rPr lang="en-US" sz="1200" dirty="0">
+                <a:solidFill>
+                  <a:schemeClr val="bg1"/>
+                </a:solidFill>
+              </a:rPr>
+              <a:t> or </a:t>
+            </a:r>
+            <a:r>
+              <a:rPr lang="en-US" sz="1200" dirty="0" err="1">
+                <a:solidFill>
+                  <a:schemeClr val="bg1"/>
+                </a:solidFill>
+              </a:rPr>
+              <a:t>ZooKeeper</a:t>
+            </a:r>
+            <a:r>
+              <a:rPr lang="en-US" sz="1200" dirty="0">
+                <a:solidFill>
+                  <a:schemeClr val="bg1"/>
+                </a:solidFill>
+              </a:rPr>
+              <a:t>. But during development, the liveness is provided by a membership table stored in the state of a grain, inside the primary silo (which is also the seed node).</a:t>
+            </a:r>
+          </a:p>
+          <a:p>
+            <a:endParaRPr lang="en-US" sz="1200" dirty="0">
+              <a:solidFill>
+                <a:schemeClr val="bg1"/>
+              </a:solidFill>
+            </a:endParaRPr>
+          </a:p>
+          <a:p>
+            <a:endParaRPr lang="en-US" dirty="0"/>
+          </a:p>
+        </p:txBody>
+      </p:sp>
+      <p:sp>
+        <p:nvSpPr>
+          <p:cNvPr id="4" name="Slide Number Placeholder 3"/>
+          <p:cNvSpPr>
+            <a:spLocks noGrp="1"/>
+          </p:cNvSpPr>
+          <p:nvPr>
+            <p:ph type="sldNum" sz="quarter" idx="5"/>
+          </p:nvPr>
+        </p:nvSpPr>
+        <p:spPr/>
+        <p:txBody>
+          <a:bodyPr/>
+          <a:lstStyle/>
+          <a:p>
+            <a:fld id="{D5D2CE8B-9E07-4940-9C5B-C895185EF23C}" type="slidenum">
+              <a:rPr lang="en-US" smtClean="0"/>
+              <a:t>8</a:t>
+            </a:fld>
+            <a:endParaRPr lang="en-US"/>
+          </a:p>
+        </p:txBody>
+      </p:sp>
+    </p:spTree>
+    <p:extLst>
+      <p:ext uri="{BB962C8B-B14F-4D97-AF65-F5344CB8AC3E}">
+        <p14:creationId xmlns:p14="http://schemas.microsoft.com/office/powerpoint/2010/main" val="1317866345"/>
+      </p:ext>
+    </p:extLst>
+  </p:cSld>
+  <p:clrMapOvr>
+    <a:masterClrMapping/>
+  </p:clrMapOvr>
+</p:notes>
+</file>
+
+<file path=ppt/notesSlides/notesSlide6.xml><?xml version="1.0" encoding="utf-8"?>
+<p:notes xmlns:a="http://schemas.openxmlformats.org/drawingml/2006/main" xmlns:r="http://schemas.openxmlformats.org/officeDocument/2006/relationships" xmlns:p="http://schemas.openxmlformats.org/presentationml/2006/main">
+  <p:cSld>
+    <p:spTree>
+      <p:nvGrpSpPr>
+        <p:cNvPr id="1" name=""/>
+        <p:cNvGrpSpPr/>
+        <p:nvPr/>
+      </p:nvGrpSpPr>
+      <p:grpSpPr>
+        <a:xfrm>
+          <a:off x="0" y="0"/>
+          <a:ext cx="0" cy="0"/>
+          <a:chOff x="0" y="0"/>
+          <a:chExt cx="0" cy="0"/>
+        </a:xfrm>
+      </p:grpSpPr>
+      <p:sp>
+        <p:nvSpPr>
+          <p:cNvPr id="2" name="Slide Image Placeholder 1"/>
+          <p:cNvSpPr>
+            <a:spLocks noGrp="1" noRot="1" noChangeAspect="1"/>
+          </p:cNvSpPr>
+          <p:nvPr>
+            <p:ph type="sldImg"/>
+          </p:nvPr>
+        </p:nvSpPr>
+        <p:spPr/>
+      </p:sp>
+      <p:sp>
+        <p:nvSpPr>
+          <p:cNvPr id="3" name="Notes Placeholder 2"/>
+          <p:cNvSpPr>
+            <a:spLocks noGrp="1"/>
+          </p:cNvSpPr>
+          <p:nvPr>
+            <p:ph type="body" idx="1"/>
+          </p:nvPr>
+        </p:nvSpPr>
+        <p:spPr/>
+        <p:txBody>
+          <a:bodyPr/>
+          <a:lstStyle/>
+          <a:p>
+            <a:r>
+              <a:rPr lang="en-US" sz="1200" b="0" i="0" kern="1200" dirty="0">
+                <a:solidFill>
+                  <a:schemeClr val="tx1"/>
+                </a:solidFill>
+                <a:effectLst/>
+                <a:latin typeface="+mn-lt"/>
+                <a:ea typeface="+mn-ea"/>
+                <a:cs typeface="+mn-cs"/>
+              </a:rPr>
+              <a:t>The most interesting aspect in this section is the difference in primary focus between the two projects:</a:t>
+            </a:r>
+          </a:p>
+          <a:p>
+            <a:endParaRPr lang="en-US" sz="1200" b="0" i="0" kern="1200" dirty="0">
+              <a:solidFill>
+                <a:schemeClr val="tx1"/>
+              </a:solidFill>
+              <a:effectLst/>
+              <a:latin typeface="+mn-lt"/>
+              <a:ea typeface="+mn-ea"/>
+              <a:cs typeface="+mn-cs"/>
+            </a:endParaRPr>
+          </a:p>
+          <a:p>
+            <a:r>
+              <a:rPr lang="en-US" sz="1200" b="0" i="0" kern="1200" dirty="0">
+                <a:solidFill>
+                  <a:schemeClr val="tx1"/>
+                </a:solidFill>
+                <a:effectLst/>
+                <a:latin typeface="+mn-lt"/>
+                <a:ea typeface="+mn-ea"/>
+                <a:cs typeface="+mn-cs"/>
+              </a:rPr>
+              <a:t>	The primary focus of Orleans is to simplify distributed computing and allow non-experts to write efficient, scalable and reliable distributed services.</a:t>
+            </a:r>
+          </a:p>
+          <a:p>
+            <a:endParaRPr lang="en-US" sz="1200" b="0" i="0" kern="1200" dirty="0">
+              <a:solidFill>
+                <a:schemeClr val="tx1"/>
+              </a:solidFill>
+              <a:effectLst/>
+              <a:latin typeface="+mn-lt"/>
+              <a:ea typeface="+mn-ea"/>
+              <a:cs typeface="+mn-cs"/>
+            </a:endParaRPr>
+          </a:p>
+          <a:p>
+            <a:r>
+              <a:rPr lang="en-US" sz="1200" b="0" i="0" kern="1200" dirty="0">
+                <a:solidFill>
+                  <a:schemeClr val="tx1"/>
+                </a:solidFill>
+                <a:effectLst/>
+                <a:latin typeface="+mn-lt"/>
+                <a:ea typeface="+mn-ea"/>
+                <a:cs typeface="+mn-cs"/>
+              </a:rPr>
+              <a:t>	</a:t>
+            </a:r>
+            <a:r>
+              <a:rPr lang="en-US" sz="1200" b="0" i="0" kern="1200" dirty="0" err="1">
+                <a:solidFill>
+                  <a:schemeClr val="tx1"/>
+                </a:solidFill>
+                <a:effectLst/>
+                <a:latin typeface="+mn-lt"/>
+                <a:ea typeface="+mn-ea"/>
+                <a:cs typeface="+mn-cs"/>
+              </a:rPr>
+              <a:t>Akka</a:t>
+            </a:r>
+            <a:r>
+              <a:rPr lang="en-US" sz="1200" b="0" i="0" kern="1200" dirty="0">
+                <a:solidFill>
+                  <a:schemeClr val="tx1"/>
+                </a:solidFill>
+                <a:effectLst/>
+                <a:latin typeface="+mn-lt"/>
+                <a:ea typeface="+mn-ea"/>
+                <a:cs typeface="+mn-cs"/>
+              </a:rPr>
+              <a:t> is a toolkit for building distributed systems, offering the full power but also exposing the inherent complexity of this domain.</a:t>
+            </a:r>
+          </a:p>
+          <a:p>
+            <a:endParaRPr lang="en-US" sz="1200" b="0" i="0" kern="1200" dirty="0">
+              <a:solidFill>
+                <a:schemeClr val="tx1"/>
+              </a:solidFill>
+              <a:effectLst/>
+              <a:latin typeface="+mn-lt"/>
+              <a:ea typeface="+mn-ea"/>
+              <a:cs typeface="+mn-cs"/>
+            </a:endParaRPr>
+          </a:p>
+          <a:p>
+            <a:r>
+              <a:rPr lang="en-US" sz="1200" b="0" i="0" kern="1200" dirty="0">
+                <a:solidFill>
+                  <a:schemeClr val="tx1"/>
+                </a:solidFill>
+                <a:effectLst/>
+                <a:latin typeface="+mn-lt"/>
+                <a:ea typeface="+mn-ea"/>
+                <a:cs typeface="+mn-cs"/>
+              </a:rPr>
+              <a:t>Both projects intend to be complete solutions, meaning that Orleans’ second priority is to allow experienced users to control the platform in more detail and adapt it to a wide range of use-cases, while </a:t>
+            </a:r>
+            <a:r>
+              <a:rPr lang="en-US" sz="1200" b="0" i="0" kern="1200" dirty="0" err="1">
+                <a:solidFill>
+                  <a:schemeClr val="tx1"/>
+                </a:solidFill>
+                <a:effectLst/>
+                <a:latin typeface="+mn-lt"/>
+                <a:ea typeface="+mn-ea"/>
+                <a:cs typeface="+mn-cs"/>
+              </a:rPr>
+              <a:t>Akka</a:t>
+            </a:r>
+            <a:r>
+              <a:rPr lang="en-US" sz="1200" b="0" i="0" kern="1200" dirty="0">
+                <a:solidFill>
+                  <a:schemeClr val="tx1"/>
+                </a:solidFill>
+                <a:effectLst/>
+                <a:latin typeface="+mn-lt"/>
+                <a:ea typeface="+mn-ea"/>
+                <a:cs typeface="+mn-cs"/>
+              </a:rPr>
+              <a:t> also raises the level of abstraction and offers simplified but very useful abstraction.</a:t>
+            </a:r>
+          </a:p>
+          <a:p>
+            <a:endParaRPr lang="en-US" sz="1200" b="0" i="0" kern="1200" dirty="0">
+              <a:solidFill>
+                <a:schemeClr val="tx1"/>
+              </a:solidFill>
+              <a:effectLst/>
+              <a:latin typeface="+mn-lt"/>
+              <a:ea typeface="+mn-ea"/>
+              <a:cs typeface="+mn-cs"/>
+            </a:endParaRPr>
+          </a:p>
+          <a:p>
+            <a:r>
+              <a:rPr lang="en-US" sz="1200" b="0" i="0" kern="1200" dirty="0">
+                <a:solidFill>
+                  <a:schemeClr val="tx1"/>
+                </a:solidFill>
+                <a:effectLst/>
+                <a:latin typeface="+mn-lt"/>
+                <a:ea typeface="+mn-ea"/>
+                <a:cs typeface="+mn-cs"/>
+              </a:rPr>
+              <a:t>Another difference is that of design methodology:</a:t>
+            </a:r>
+          </a:p>
+          <a:p>
+            <a:endParaRPr lang="en-US" sz="1200" b="0" i="0" kern="1200" dirty="0">
+              <a:solidFill>
+                <a:schemeClr val="tx1"/>
+              </a:solidFill>
+              <a:effectLst/>
+              <a:latin typeface="+mn-lt"/>
+              <a:ea typeface="+mn-ea"/>
+              <a:cs typeface="+mn-cs"/>
+            </a:endParaRPr>
+          </a:p>
+          <a:p>
+            <a:r>
+              <a:rPr lang="en-US" sz="1200" b="0" i="0" kern="1200" dirty="0">
+                <a:solidFill>
+                  <a:schemeClr val="tx1"/>
+                </a:solidFill>
+                <a:effectLst/>
+                <a:latin typeface="+mn-lt"/>
+                <a:ea typeface="+mn-ea"/>
+                <a:cs typeface="+mn-cs"/>
+              </a:rPr>
+              <a:t>	The guiding question for Orleans is “what is the default behavior that is most natural and easy for non-experts?” The second question is then how the expert can make their own decision.</a:t>
+            </a:r>
+          </a:p>
+          <a:p>
+            <a:endParaRPr lang="en-US" sz="1200" b="0" i="0" kern="1200" dirty="0">
+              <a:solidFill>
+                <a:schemeClr val="tx1"/>
+              </a:solidFill>
+              <a:effectLst/>
+              <a:latin typeface="+mn-lt"/>
+              <a:ea typeface="+mn-ea"/>
+              <a:cs typeface="+mn-cs"/>
+            </a:endParaRPr>
+          </a:p>
+          <a:p>
+            <a:r>
+              <a:rPr lang="en-US" sz="1200" b="0" i="0" kern="1200" dirty="0">
+                <a:solidFill>
+                  <a:schemeClr val="tx1"/>
+                </a:solidFill>
+                <a:effectLst/>
+                <a:latin typeface="+mn-lt"/>
+                <a:ea typeface="+mn-ea"/>
+                <a:cs typeface="+mn-cs"/>
+              </a:rPr>
+              <a:t>	</a:t>
+            </a:r>
+            <a:r>
+              <a:rPr lang="en-US" sz="1200" b="0" i="0" kern="1200" dirty="0" err="1">
+                <a:solidFill>
+                  <a:schemeClr val="tx1"/>
+                </a:solidFill>
+                <a:effectLst/>
+                <a:latin typeface="+mn-lt"/>
+                <a:ea typeface="+mn-ea"/>
+                <a:cs typeface="+mn-cs"/>
+              </a:rPr>
+              <a:t>Akka’s</a:t>
+            </a:r>
+            <a:r>
+              <a:rPr lang="en-US" sz="1200" b="0" i="0" kern="1200" dirty="0">
+                <a:solidFill>
+                  <a:schemeClr val="tx1"/>
+                </a:solidFill>
+                <a:effectLst/>
+                <a:latin typeface="+mn-lt"/>
+                <a:ea typeface="+mn-ea"/>
+                <a:cs typeface="+mn-cs"/>
+              </a:rPr>
+              <a:t> guiding question is “what is the minimal abstraction that we can provide without compromises?” This means that “good default” for us is not driven by what users might expect, but what we think users will find most useful for reasoning about their program once they have understood the abstraction—familiarity is not a goal in itself.</a:t>
+            </a:r>
+          </a:p>
+          <a:p>
+            <a:endParaRPr lang="en-US" dirty="0">
+              <a:hlinkClick r:id="rId3"/>
+            </a:endParaRPr>
+          </a:p>
+          <a:p>
+            <a:endParaRPr lang="en-US" dirty="0">
+              <a:hlinkClick r:id="rId3"/>
+            </a:endParaRPr>
+          </a:p>
+          <a:p>
+            <a:r>
+              <a:rPr lang="en-US" dirty="0">
+                <a:hlinkClick r:id="rId3"/>
+              </a:rPr>
+              <a:t>https://github.com/akka/akka-meta/blob/master/ComparisonWithOrleans.md</a:t>
+            </a:r>
+            <a:endParaRPr lang="en-US" dirty="0"/>
+          </a:p>
+        </p:txBody>
+      </p:sp>
+      <p:sp>
+        <p:nvSpPr>
+          <p:cNvPr id="4" name="Slide Number Placeholder 3"/>
+          <p:cNvSpPr>
+            <a:spLocks noGrp="1"/>
+          </p:cNvSpPr>
+          <p:nvPr>
+            <p:ph type="sldNum" sz="quarter" idx="10"/>
+          </p:nvPr>
+        </p:nvSpPr>
+        <p:spPr/>
+        <p:txBody>
+          <a:bodyPr/>
+          <a:lstStyle/>
+          <a:p>
+            <a:fld id="{D5D2CE8B-9E07-4940-9C5B-C895185EF23C}" type="slidenum">
+              <a:rPr lang="en-US" smtClean="0"/>
+              <a:t>9</a:t>
+            </a:fld>
+            <a:endParaRPr lang="en-US"/>
+          </a:p>
+        </p:txBody>
+      </p:sp>
+    </p:spTree>
+    <p:extLst>
+      <p:ext uri="{BB962C8B-B14F-4D97-AF65-F5344CB8AC3E}">
+        <p14:creationId xmlns:p14="http://schemas.microsoft.com/office/powerpoint/2010/main" val="1532184296"/>
+      </p:ext>
+    </p:extLst>
+  </p:cSld>
+  <p:clrMapOvr>
+    <a:masterClrMapping/>
+  </p:clrMapOvr>
+</p:notes>
+</file>
+
 <file path=ppt/slideLayouts/slideLayout1.xml><?xml version="1.0" encoding="utf-8"?>
 <p:sldLayout xmlns:a="http://schemas.openxmlformats.org/drawingml/2006/main" xmlns:r="http://schemas.openxmlformats.org/officeDocument/2006/relationships" xmlns:p="http://schemas.openxmlformats.org/presentationml/2006/main" type="title" preserve="1">
   <p:cSld name="Title Slide">
@@ -269,7 +3127,7 @@
           <a:p>
             <a:fld id="{8C97A27F-45FD-4336-85A6-F38ED1EC0AF2}" type="datetimeFigureOut">
               <a:rPr lang="en-US" smtClean="0"/>
-              <a:t>4/22/2020</a:t>
+              <a:t>4/29/2020</a:t>
             </a:fld>
             <a:endParaRPr lang="en-US"/>
           </a:p>
@@ -467,7 +3325,7 @@
           <a:p>
             <a:fld id="{8C97A27F-45FD-4336-85A6-F38ED1EC0AF2}" type="datetimeFigureOut">
               <a:rPr lang="en-US" smtClean="0"/>
-              <a:t>4/22/2020</a:t>
+              <a:t>4/29/2020</a:t>
             </a:fld>
             <a:endParaRPr lang="en-US"/>
           </a:p>
@@ -675,7 +3533,7 @@
           <a:p>
             <a:fld id="{8C97A27F-45FD-4336-85A6-F38ED1EC0AF2}" type="datetimeFigureOut">
               <a:rPr lang="en-US" smtClean="0"/>
-              <a:t>4/22/2020</a:t>
+              <a:t>4/29/2020</a:t>
             </a:fld>
             <a:endParaRPr lang="en-US"/>
           </a:p>
@@ -873,7 +3731,7 @@
           <a:p>
             <a:fld id="{8C97A27F-45FD-4336-85A6-F38ED1EC0AF2}" type="datetimeFigureOut">
               <a:rPr lang="en-US" smtClean="0"/>
-              <a:t>4/22/2020</a:t>
+              <a:t>4/29/2020</a:t>
             </a:fld>
             <a:endParaRPr lang="en-US"/>
           </a:p>
@@ -1148,7 +4006,7 @@
           <a:p>
             <a:fld id="{8C97A27F-45FD-4336-85A6-F38ED1EC0AF2}" type="datetimeFigureOut">
               <a:rPr lang="en-US" smtClean="0"/>
-              <a:t>4/22/2020</a:t>
+              <a:t>4/29/2020</a:t>
             </a:fld>
             <a:endParaRPr lang="en-US"/>
           </a:p>
@@ -1413,7 +4271,7 @@
           <a:p>
             <a:fld id="{8C97A27F-45FD-4336-85A6-F38ED1EC0AF2}" type="datetimeFigureOut">
               <a:rPr lang="en-US" smtClean="0"/>
-              <a:t>4/22/2020</a:t>
+              <a:t>4/29/2020</a:t>
             </a:fld>
             <a:endParaRPr lang="en-US"/>
           </a:p>
@@ -1825,7 +4683,7 @@
           <a:p>
             <a:fld id="{8C97A27F-45FD-4336-85A6-F38ED1EC0AF2}" type="datetimeFigureOut">
               <a:rPr lang="en-US" smtClean="0"/>
-              <a:t>4/22/2020</a:t>
+              <a:t>4/29/2020</a:t>
             </a:fld>
             <a:endParaRPr lang="en-US"/>
           </a:p>
@@ -1966,7 +4824,7 @@
           <a:p>
             <a:fld id="{8C97A27F-45FD-4336-85A6-F38ED1EC0AF2}" type="datetimeFigureOut">
               <a:rPr lang="en-US" smtClean="0"/>
-              <a:t>4/22/2020</a:t>
+              <a:t>4/29/2020</a:t>
             </a:fld>
             <a:endParaRPr lang="en-US"/>
           </a:p>
@@ -2079,7 +4937,7 @@
           <a:p>
             <a:fld id="{8C97A27F-45FD-4336-85A6-F38ED1EC0AF2}" type="datetimeFigureOut">
               <a:rPr lang="en-US" smtClean="0"/>
-              <a:t>4/22/2020</a:t>
+              <a:t>4/29/2020</a:t>
             </a:fld>
             <a:endParaRPr lang="en-US"/>
           </a:p>
@@ -2390,7 +5248,7 @@
           <a:p>
             <a:fld id="{8C97A27F-45FD-4336-85A6-F38ED1EC0AF2}" type="datetimeFigureOut">
               <a:rPr lang="en-US" smtClean="0"/>
-              <a:t>4/22/2020</a:t>
+              <a:t>4/29/2020</a:t>
             </a:fld>
             <a:endParaRPr lang="en-US"/>
           </a:p>
@@ -2678,7 +5536,7 @@
           <a:p>
             <a:fld id="{8C97A27F-45FD-4336-85A6-F38ED1EC0AF2}" type="datetimeFigureOut">
               <a:rPr lang="en-US" smtClean="0"/>
-              <a:t>4/22/2020</a:t>
+              <a:t>4/29/2020</a:t>
             </a:fld>
             <a:endParaRPr lang="en-US"/>
           </a:p>
@@ -2919,7 +5777,7 @@
           <a:p>
             <a:fld id="{8C97A27F-45FD-4336-85A6-F38ED1EC0AF2}" type="datetimeFigureOut">
               <a:rPr lang="en-US" smtClean="0"/>
-              <a:t>4/22/2020</a:t>
+              <a:t>4/29/2020</a:t>
             </a:fld>
             <a:endParaRPr lang="en-US"/>
           </a:p>
@@ -3344,12 +6202,12 @@
           <a:chExt cx="0" cy="0"/>
         </a:xfrm>
       </p:grpSpPr>
-      <p:sp useBgFill="1">
-        <p:nvSpPr>
-          <p:cNvPr id="8" name="Rectangle 7">
-            <a:extLst>
-              <a:ext uri="{FF2B5EF4-FFF2-40B4-BE49-F238E27FC236}">
-                <a16:creationId xmlns:a16="http://schemas.microsoft.com/office/drawing/2014/main" id="{FFD48BC7-DC40-47DE-87EE-9F4B6ECB9ABB}"/>
+      <p:sp>
+        <p:nvSpPr>
+          <p:cNvPr id="28" name="Rectangle 27">
+            <a:extLst>
+              <a:ext uri="{FF2B5EF4-FFF2-40B4-BE49-F238E27FC236}">
+                <a16:creationId xmlns:a16="http://schemas.microsoft.com/office/drawing/2014/main" id="{2A8AA5BC-4F7A-4226-8F99-6D824B226A97}"/>
               </a:ext>
               <a:ext uri="{C183D7F6-B498-43B3-948B-1728B52AA6E4}">
                 <adec:decorative xmlns:adec="http://schemas.microsoft.com/office/drawing/2017/decorative" val="1"/>
@@ -3369,535 +6227,14 @@
         </p:nvSpPr>
         <p:spPr>
           <a:xfrm>
-            <a:off x="0" y="0"/>
-            <a:ext cx="12192000" cy="6858000"/>
-          </a:xfrm>
-          <a:prstGeom prst="rect">
-            <a:avLst/>
-          </a:prstGeom>
-          <a:ln>
-            <a:noFill/>
-          </a:ln>
-        </p:spPr>
-        <p:style>
-          <a:lnRef idx="2">
-            <a:schemeClr val="accent1">
-              <a:shade val="50000"/>
-            </a:schemeClr>
-          </a:lnRef>
-          <a:fillRef idx="1">
-            <a:schemeClr val="accent1"/>
-          </a:fillRef>
-          <a:effectRef idx="0">
-            <a:schemeClr val="accent1"/>
-          </a:effectRef>
-          <a:fontRef idx="minor">
-            <a:schemeClr val="lt1"/>
-          </a:fontRef>
-        </p:style>
-        <p:txBody>
-          <a:bodyPr rtlCol="0" anchor="ctr"/>
-          <a:lstStyle/>
-          <a:p>
-            <a:pPr algn="ctr"/>
-            <a:endParaRPr lang="en-US"/>
-          </a:p>
-        </p:txBody>
-      </p:sp>
-      <p:sp useBgFill="1">
-        <p:nvSpPr>
-          <p:cNvPr id="10" name="Freeform: Shape 9">
-            <a:extLst>
-              <a:ext uri="{FF2B5EF4-FFF2-40B4-BE49-F238E27FC236}">
-                <a16:creationId xmlns:a16="http://schemas.microsoft.com/office/drawing/2014/main" id="{E502BBC7-2C76-46F3-BC24-5985BC13DB88}"/>
-              </a:ext>
-              <a:ext uri="{C183D7F6-B498-43B3-948B-1728B52AA6E4}">
-                <adec:decorative xmlns:adec="http://schemas.microsoft.com/office/drawing/2017/decorative" val="1"/>
-              </a:ext>
-            </a:extLst>
-          </p:cNvPr>
-          <p:cNvSpPr>
-            <a:spLocks noGrp="1" noRot="1" noChangeAspect="1" noMove="1" noResize="1" noEditPoints="1" noAdjustHandles="1" noChangeArrowheads="1" noChangeShapeType="1" noTextEdit="1"/>
-          </p:cNvSpPr>
-          <p:nvPr>
-            <p:extLst>
-              <p:ext uri="{386F3935-93C4-4BCD-93E2-E3B085C9AB24}">
-                <p16:designElem xmlns:p16="http://schemas.microsoft.com/office/powerpoint/2015/main" val="1"/>
-              </p:ext>
-            </p:extLst>
-          </p:nvPr>
-        </p:nvSpPr>
-        <p:spPr>
-          <a:xfrm>
-            <a:off x="1114425" y="0"/>
-            <a:ext cx="9963150" cy="6858000"/>
-          </a:xfrm>
-          <a:custGeom>
-            <a:avLst/>
-            <a:gdLst>
-              <a:gd name="connsiteX0" fmla="*/ 1595771 w 9963150"/>
-              <a:gd name="connsiteY0" fmla="*/ 0 h 6858000"/>
-              <a:gd name="connsiteX1" fmla="*/ 8367379 w 9963150"/>
-              <a:gd name="connsiteY1" fmla="*/ 0 h 6858000"/>
-              <a:gd name="connsiteX2" fmla="*/ 8504080 w 9963150"/>
-              <a:gd name="connsiteY2" fmla="*/ 130333 h 6858000"/>
-              <a:gd name="connsiteX3" fmla="*/ 9963150 w 9963150"/>
-              <a:gd name="connsiteY3" fmla="*/ 3652838 h 6858000"/>
-              <a:gd name="connsiteX4" fmla="*/ 8825600 w 9963150"/>
-              <a:gd name="connsiteY4" fmla="*/ 6821583 h 6858000"/>
-              <a:gd name="connsiteX5" fmla="*/ 8794055 w 9963150"/>
-              <a:gd name="connsiteY5" fmla="*/ 6858000 h 6858000"/>
-              <a:gd name="connsiteX6" fmla="*/ 1169096 w 9963150"/>
-              <a:gd name="connsiteY6" fmla="*/ 6858000 h 6858000"/>
-              <a:gd name="connsiteX7" fmla="*/ 1137550 w 9963150"/>
-              <a:gd name="connsiteY7" fmla="*/ 6821583 h 6858000"/>
-              <a:gd name="connsiteX8" fmla="*/ 0 w 9963150"/>
-              <a:gd name="connsiteY8" fmla="*/ 3652838 h 6858000"/>
-              <a:gd name="connsiteX9" fmla="*/ 1459070 w 9963150"/>
-              <a:gd name="connsiteY9" fmla="*/ 130333 h 6858000"/>
-            </a:gdLst>
-            <a:ahLst/>
-            <a:cxnLst>
-              <a:cxn ang="0">
-                <a:pos x="connsiteX0" y="connsiteY0"/>
-              </a:cxn>
-              <a:cxn ang="0">
-                <a:pos x="connsiteX1" y="connsiteY1"/>
-              </a:cxn>
-              <a:cxn ang="0">
-                <a:pos x="connsiteX2" y="connsiteY2"/>
-              </a:cxn>
-              <a:cxn ang="0">
-                <a:pos x="connsiteX3" y="connsiteY3"/>
-              </a:cxn>
-              <a:cxn ang="0">
-                <a:pos x="connsiteX4" y="connsiteY4"/>
-              </a:cxn>
-              <a:cxn ang="0">
-                <a:pos x="connsiteX5" y="connsiteY5"/>
-              </a:cxn>
-              <a:cxn ang="0">
-                <a:pos x="connsiteX6" y="connsiteY6"/>
-              </a:cxn>
-              <a:cxn ang="0">
-                <a:pos x="connsiteX7" y="connsiteY7"/>
-              </a:cxn>
-              <a:cxn ang="0">
-                <a:pos x="connsiteX8" y="connsiteY8"/>
-              </a:cxn>
-              <a:cxn ang="0">
-                <a:pos x="connsiteX9" y="connsiteY9"/>
-              </a:cxn>
-            </a:cxnLst>
-            <a:rect l="l" t="t" r="r" b="b"/>
-            <a:pathLst>
-              <a:path w="9963150" h="6858000">
-                <a:moveTo>
-                  <a:pt x="1595771" y="0"/>
-                </a:moveTo>
-                <a:lnTo>
-                  <a:pt x="8367379" y="0"/>
-                </a:lnTo>
-                <a:lnTo>
-                  <a:pt x="8504080" y="130333"/>
-                </a:lnTo>
-                <a:cubicBezTo>
-                  <a:pt x="9405568" y="1031820"/>
-                  <a:pt x="9963150" y="2277214"/>
-                  <a:pt x="9963150" y="3652838"/>
-                </a:cubicBezTo>
-                <a:cubicBezTo>
-                  <a:pt x="9963150" y="4856509"/>
-                  <a:pt x="9536251" y="5960473"/>
-                  <a:pt x="8825600" y="6821583"/>
-                </a:cubicBezTo>
-                <a:lnTo>
-                  <a:pt x="8794055" y="6858000"/>
-                </a:lnTo>
-                <a:lnTo>
-                  <a:pt x="1169096" y="6858000"/>
-                </a:lnTo>
-                <a:lnTo>
-                  <a:pt x="1137550" y="6821583"/>
-                </a:lnTo>
-                <a:cubicBezTo>
-                  <a:pt x="426899" y="5960473"/>
-                  <a:pt x="0" y="4856509"/>
-                  <a:pt x="0" y="3652838"/>
-                </a:cubicBezTo>
-                <a:cubicBezTo>
-                  <a:pt x="0" y="2277214"/>
-                  <a:pt x="557582" y="1031820"/>
-                  <a:pt x="1459070" y="130333"/>
-                </a:cubicBezTo>
-                <a:close/>
-              </a:path>
-            </a:pathLst>
-          </a:custGeom>
-          <a:ln w="9525">
-            <a:solidFill>
-              <a:srgbClr val="EFEFEF"/>
-            </a:solidFill>
-          </a:ln>
-          <a:effectLst>
-            <a:outerShdw blurRad="139700" sx="102000" sy="102000" algn="ctr" rotWithShape="0">
-              <a:schemeClr val="bg1">
-                <a:lumMod val="85000"/>
-                <a:alpha val="38000"/>
-              </a:schemeClr>
-            </a:outerShdw>
-          </a:effectLst>
-        </p:spPr>
-        <p:style>
-          <a:lnRef idx="2">
-            <a:schemeClr val="accent1">
-              <a:shade val="50000"/>
-            </a:schemeClr>
-          </a:lnRef>
-          <a:fillRef idx="1">
-            <a:schemeClr val="accent1"/>
-          </a:fillRef>
-          <a:effectRef idx="0">
-            <a:schemeClr val="accent1"/>
-          </a:effectRef>
-          <a:fontRef idx="minor">
-            <a:schemeClr val="lt1"/>
-          </a:fontRef>
-        </p:style>
-        <p:txBody>
-          <a:bodyPr wrap="square" rtlCol="0" anchor="ctr">
-            <a:noAutofit/>
-          </a:bodyPr>
-          <a:lstStyle/>
-          <a:p>
-            <a:pPr marL="0" marR="0" lvl="0" indent="0" algn="ctr" defTabSz="914400" rtl="0" eaLnBrk="1" fontAlgn="auto" latinLnBrk="0" hangingPunct="1">
-              <a:lnSpc>
-                <a:spcPct val="100000"/>
-              </a:lnSpc>
-              <a:spcBef>
-                <a:spcPts val="0"/>
-              </a:spcBef>
-              <a:spcAft>
-                <a:spcPts val="0"/>
-              </a:spcAft>
-              <a:buClrTx/>
-              <a:buSzTx/>
-              <a:buFontTx/>
-              <a:buNone/>
-              <a:tabLst/>
-              <a:defRPr/>
-            </a:pPr>
-            <a:endParaRPr kumimoji="0" lang="en-US" sz="1800" b="0" i="0" u="none" strike="noStrike" kern="1200" cap="none" spc="0" normalizeH="0" baseline="0" noProof="0">
-              <a:ln>
-                <a:noFill/>
-              </a:ln>
-              <a:solidFill>
-                <a:prstClr val="white"/>
-              </a:solidFill>
-              <a:effectLst/>
-              <a:uLnTx/>
-              <a:uFillTx/>
-              <a:latin typeface="Calibri" panose="020F0502020204030204"/>
-              <a:ea typeface="+mn-ea"/>
-              <a:cs typeface="+mn-cs"/>
-            </a:endParaRPr>
-          </a:p>
-        </p:txBody>
-      </p:sp>
-      <p:sp useBgFill="1">
-        <p:nvSpPr>
-          <p:cNvPr id="12" name="Freeform: Shape 11">
-            <a:extLst>
-              <a:ext uri="{FF2B5EF4-FFF2-40B4-BE49-F238E27FC236}">
-                <a16:creationId xmlns:a16="http://schemas.microsoft.com/office/drawing/2014/main" id="{C7F28D52-2A5F-4D23-81AE-7CB8B591C7AF}"/>
-              </a:ext>
-              <a:ext uri="{C183D7F6-B498-43B3-948B-1728B52AA6E4}">
-                <adec:decorative xmlns:adec="http://schemas.microsoft.com/office/drawing/2017/decorative" val="1"/>
-              </a:ext>
-            </a:extLst>
-          </p:cNvPr>
-          <p:cNvSpPr>
-            <a:spLocks noGrp="1" noRot="1" noChangeAspect="1" noMove="1" noResize="1" noEditPoints="1" noAdjustHandles="1" noChangeArrowheads="1" noChangeShapeType="1" noTextEdit="1"/>
-          </p:cNvSpPr>
-          <p:nvPr>
-            <p:extLst>
-              <p:ext uri="{386F3935-93C4-4BCD-93E2-E3B085C9AB24}">
-                <p16:designElem xmlns:p16="http://schemas.microsoft.com/office/powerpoint/2015/main" val="1"/>
-              </p:ext>
-            </p:extLst>
-          </p:nvPr>
-        </p:nvSpPr>
-        <p:spPr>
-          <a:xfrm>
-            <a:off x="1121664" y="0"/>
-            <a:ext cx="9948672" cy="6858000"/>
-          </a:xfrm>
-          <a:custGeom>
-            <a:avLst/>
-            <a:gdLst>
-              <a:gd name="connsiteX0" fmla="*/ 1595771 w 9963150"/>
-              <a:gd name="connsiteY0" fmla="*/ 0 h 6858000"/>
-              <a:gd name="connsiteX1" fmla="*/ 8367379 w 9963150"/>
-              <a:gd name="connsiteY1" fmla="*/ 0 h 6858000"/>
-              <a:gd name="connsiteX2" fmla="*/ 8504080 w 9963150"/>
-              <a:gd name="connsiteY2" fmla="*/ 130333 h 6858000"/>
-              <a:gd name="connsiteX3" fmla="*/ 9963150 w 9963150"/>
-              <a:gd name="connsiteY3" fmla="*/ 3652838 h 6858000"/>
-              <a:gd name="connsiteX4" fmla="*/ 8825600 w 9963150"/>
-              <a:gd name="connsiteY4" fmla="*/ 6821583 h 6858000"/>
-              <a:gd name="connsiteX5" fmla="*/ 8794055 w 9963150"/>
-              <a:gd name="connsiteY5" fmla="*/ 6858000 h 6858000"/>
-              <a:gd name="connsiteX6" fmla="*/ 1169096 w 9963150"/>
-              <a:gd name="connsiteY6" fmla="*/ 6858000 h 6858000"/>
-              <a:gd name="connsiteX7" fmla="*/ 1137550 w 9963150"/>
-              <a:gd name="connsiteY7" fmla="*/ 6821583 h 6858000"/>
-              <a:gd name="connsiteX8" fmla="*/ 0 w 9963150"/>
-              <a:gd name="connsiteY8" fmla="*/ 3652838 h 6858000"/>
-              <a:gd name="connsiteX9" fmla="*/ 1459070 w 9963150"/>
-              <a:gd name="connsiteY9" fmla="*/ 130333 h 6858000"/>
-            </a:gdLst>
-            <a:ahLst/>
-            <a:cxnLst>
-              <a:cxn ang="0">
-                <a:pos x="connsiteX0" y="connsiteY0"/>
-              </a:cxn>
-              <a:cxn ang="0">
-                <a:pos x="connsiteX1" y="connsiteY1"/>
-              </a:cxn>
-              <a:cxn ang="0">
-                <a:pos x="connsiteX2" y="connsiteY2"/>
-              </a:cxn>
-              <a:cxn ang="0">
-                <a:pos x="connsiteX3" y="connsiteY3"/>
-              </a:cxn>
-              <a:cxn ang="0">
-                <a:pos x="connsiteX4" y="connsiteY4"/>
-              </a:cxn>
-              <a:cxn ang="0">
-                <a:pos x="connsiteX5" y="connsiteY5"/>
-              </a:cxn>
-              <a:cxn ang="0">
-                <a:pos x="connsiteX6" y="connsiteY6"/>
-              </a:cxn>
-              <a:cxn ang="0">
-                <a:pos x="connsiteX7" y="connsiteY7"/>
-              </a:cxn>
-              <a:cxn ang="0">
-                <a:pos x="connsiteX8" y="connsiteY8"/>
-              </a:cxn>
-              <a:cxn ang="0">
-                <a:pos x="connsiteX9" y="connsiteY9"/>
-              </a:cxn>
-            </a:cxnLst>
-            <a:rect l="l" t="t" r="r" b="b"/>
-            <a:pathLst>
-              <a:path w="9963150" h="6858000">
-                <a:moveTo>
-                  <a:pt x="1595771" y="0"/>
-                </a:moveTo>
-                <a:lnTo>
-                  <a:pt x="8367379" y="0"/>
-                </a:lnTo>
-                <a:lnTo>
-                  <a:pt x="8504080" y="130333"/>
-                </a:lnTo>
-                <a:cubicBezTo>
-                  <a:pt x="9405568" y="1031820"/>
-                  <a:pt x="9963150" y="2277214"/>
-                  <a:pt x="9963150" y="3652838"/>
-                </a:cubicBezTo>
-                <a:cubicBezTo>
-                  <a:pt x="9963150" y="4856509"/>
-                  <a:pt x="9536251" y="5960473"/>
-                  <a:pt x="8825600" y="6821583"/>
-                </a:cubicBezTo>
-                <a:lnTo>
-                  <a:pt x="8794055" y="6858000"/>
-                </a:lnTo>
-                <a:lnTo>
-                  <a:pt x="1169096" y="6858000"/>
-                </a:lnTo>
-                <a:lnTo>
-                  <a:pt x="1137550" y="6821583"/>
-                </a:lnTo>
-                <a:cubicBezTo>
-                  <a:pt x="426899" y="5960473"/>
-                  <a:pt x="0" y="4856509"/>
-                  <a:pt x="0" y="3652838"/>
-                </a:cubicBezTo>
-                <a:cubicBezTo>
-                  <a:pt x="0" y="2277214"/>
-                  <a:pt x="557582" y="1031820"/>
-                  <a:pt x="1459070" y="130333"/>
-                </a:cubicBezTo>
-                <a:close/>
-              </a:path>
-            </a:pathLst>
-          </a:custGeom>
-          <a:ln w="9525">
-            <a:noFill/>
-          </a:ln>
-          <a:effectLst/>
-        </p:spPr>
-        <p:style>
-          <a:lnRef idx="2">
-            <a:schemeClr val="accent1">
-              <a:shade val="50000"/>
-            </a:schemeClr>
-          </a:lnRef>
-          <a:fillRef idx="1">
-            <a:schemeClr val="accent1"/>
-          </a:fillRef>
-          <a:effectRef idx="0">
-            <a:schemeClr val="accent1"/>
-          </a:effectRef>
-          <a:fontRef idx="minor">
-            <a:schemeClr val="lt1"/>
-          </a:fontRef>
-        </p:style>
-        <p:txBody>
-          <a:bodyPr wrap="square" rtlCol="0" anchor="ctr">
-            <a:noAutofit/>
-          </a:bodyPr>
-          <a:lstStyle/>
-          <a:p>
-            <a:pPr marL="0" marR="0" lvl="0" indent="0" algn="ctr" defTabSz="914400" rtl="0" eaLnBrk="1" fontAlgn="auto" latinLnBrk="0" hangingPunct="1">
-              <a:lnSpc>
-                <a:spcPct val="100000"/>
-              </a:lnSpc>
-              <a:spcBef>
-                <a:spcPts val="0"/>
-              </a:spcBef>
-              <a:spcAft>
-                <a:spcPts val="0"/>
-              </a:spcAft>
-              <a:buClrTx/>
-              <a:buSzTx/>
-              <a:buFontTx/>
-              <a:buNone/>
-              <a:tabLst/>
-              <a:defRPr/>
-            </a:pPr>
-            <a:endParaRPr kumimoji="0" lang="en-US" sz="1800" b="0" i="0" u="none" strike="noStrike" kern="1200" cap="none" spc="0" normalizeH="0" baseline="0" noProof="0">
-              <a:ln>
-                <a:noFill/>
-              </a:ln>
-              <a:solidFill>
-                <a:prstClr val="white"/>
-              </a:solidFill>
-              <a:effectLst/>
-              <a:uLnTx/>
-              <a:uFillTx/>
-              <a:latin typeface="Calibri" panose="020F0502020204030204"/>
-              <a:ea typeface="+mn-ea"/>
-              <a:cs typeface="+mn-cs"/>
-            </a:endParaRPr>
-          </a:p>
-        </p:txBody>
-      </p:sp>
-      <p:sp>
-        <p:nvSpPr>
-          <p:cNvPr id="2" name="Title 1">
-            <a:extLst>
-              <a:ext uri="{FF2B5EF4-FFF2-40B4-BE49-F238E27FC236}">
-                <a16:creationId xmlns:a16="http://schemas.microsoft.com/office/drawing/2014/main" id="{854B8F31-8338-441A-A26E-A876B42A9EE0}"/>
-              </a:ext>
-            </a:extLst>
-          </p:cNvPr>
-          <p:cNvSpPr>
-            <a:spLocks noGrp="1"/>
-          </p:cNvSpPr>
-          <p:nvPr>
-            <p:ph type="ctrTitle"/>
-          </p:nvPr>
-        </p:nvSpPr>
-        <p:spPr>
-          <a:xfrm>
-            <a:off x="1524003" y="1999615"/>
-            <a:ext cx="9144000" cy="2764028"/>
-          </a:xfrm>
-        </p:spPr>
-        <p:txBody>
-          <a:bodyPr anchor="ctr">
-            <a:normAutofit/>
-          </a:bodyPr>
-          <a:lstStyle/>
-          <a:p>
-            <a:r>
-              <a:rPr lang="en-US" sz="6100"/>
-              <a:t>Developing APIs using the Actor Model in ASP.NET Core</a:t>
-            </a:r>
-          </a:p>
-        </p:txBody>
-      </p:sp>
-      <p:sp>
-        <p:nvSpPr>
-          <p:cNvPr id="3" name="Subtitle 2">
-            <a:extLst>
-              <a:ext uri="{FF2B5EF4-FFF2-40B4-BE49-F238E27FC236}">
-                <a16:creationId xmlns:a16="http://schemas.microsoft.com/office/drawing/2014/main" id="{4CF26E9C-56FB-40B0-A5F9-37BF40B85D90}"/>
-              </a:ext>
-            </a:extLst>
-          </p:cNvPr>
-          <p:cNvSpPr>
-            <a:spLocks noGrp="1"/>
-          </p:cNvSpPr>
-          <p:nvPr>
-            <p:ph type="subTitle" idx="1"/>
-          </p:nvPr>
-        </p:nvSpPr>
-        <p:spPr>
-          <a:xfrm>
-            <a:off x="1966912" y="5645150"/>
-            <a:ext cx="8258176" cy="631825"/>
-          </a:xfrm>
-        </p:spPr>
-        <p:txBody>
-          <a:bodyPr anchor="ctr">
-            <a:normAutofit/>
-          </a:bodyPr>
-          <a:lstStyle/>
-          <a:p>
-            <a:r>
-              <a:rPr lang="en-US" sz="2800"/>
-              <a:t>Mike Gritz</a:t>
-            </a:r>
-          </a:p>
-        </p:txBody>
-      </p:sp>
-      <p:sp>
-        <p:nvSpPr>
-          <p:cNvPr id="14" name="Rectangle 13">
-            <a:extLst>
-              <a:ext uri="{FF2B5EF4-FFF2-40B4-BE49-F238E27FC236}">
-                <a16:creationId xmlns:a16="http://schemas.microsoft.com/office/drawing/2014/main" id="{3629484E-3792-4B3D-89AD-7C8A1ED0E0D4}"/>
-              </a:ext>
-              <a:ext uri="{C183D7F6-B498-43B3-948B-1728B52AA6E4}">
-                <adec:decorative xmlns:adec="http://schemas.microsoft.com/office/drawing/2017/decorative" val="1"/>
-              </a:ext>
-            </a:extLst>
-          </p:cNvPr>
-          <p:cNvSpPr>
-            <a:spLocks noGrp="1" noRot="1" noChangeAspect="1" noMove="1" noResize="1" noEditPoints="1" noAdjustHandles="1" noChangeArrowheads="1" noChangeShapeType="1" noTextEdit="1"/>
-          </p:cNvSpPr>
-          <p:nvPr>
-            <p:extLst>
-              <p:ext uri="{386F3935-93C4-4BCD-93E2-E3B085C9AB24}">
-                <p16:designElem xmlns:p16="http://schemas.microsoft.com/office/powerpoint/2015/main" val="1"/>
-              </p:ext>
-            </p:extLst>
-          </p:nvPr>
-        </p:nvSpPr>
-        <p:spPr>
-          <a:xfrm>
-            <a:off x="3718560" y="5524786"/>
-            <a:ext cx="4754880" cy="27432"/>
+            <a:off x="0" y="-3324"/>
+            <a:ext cx="12192000" cy="6861324"/>
           </a:xfrm>
           <a:prstGeom prst="rect">
             <a:avLst/>
           </a:prstGeom>
           <a:solidFill>
-            <a:schemeClr val="accent2"/>
+            <a:schemeClr val="bg1"/>
           </a:solidFill>
           <a:ln>
             <a:noFill/>
@@ -3940,7 +6277,7 @@
               <a:tabLst/>
               <a:defRPr/>
             </a:pPr>
-            <a:endParaRPr kumimoji="0" lang="en-US" sz="1800" b="0" i="0" u="none" strike="noStrike" kern="1200" cap="none" spc="0" normalizeH="0" baseline="0" noProof="0">
+            <a:endParaRPr kumimoji="0" lang="en-US" sz="1800" b="0" i="0" u="none" strike="noStrike" kern="1200" cap="none" spc="0" normalizeH="0" baseline="0" noProof="0" dirty="0">
               <a:ln>
                 <a:noFill/>
               </a:ln>
@@ -3957,6 +6294,317 @@
           </a:p>
         </p:txBody>
       </p:sp>
+      <p:cxnSp>
+        <p:nvCxnSpPr>
+          <p:cNvPr id="30" name="Straight Connector 29">
+            <a:extLst>
+              <a:ext uri="{FF2B5EF4-FFF2-40B4-BE49-F238E27FC236}">
+                <a16:creationId xmlns:a16="http://schemas.microsoft.com/office/drawing/2014/main" id="{911DBBF1-3229-4BD9-B3D1-B4CA571E7431}"/>
+              </a:ext>
+              <a:ext uri="{C183D7F6-B498-43B3-948B-1728B52AA6E4}">
+                <adec:decorative xmlns:adec="http://schemas.microsoft.com/office/drawing/2017/decorative" val="1"/>
+              </a:ext>
+            </a:extLst>
+          </p:cNvPr>
+          <p:cNvCxnSpPr>
+            <a:cxnSpLocks noGrp="1" noRot="1" noChangeAspect="1" noMove="1" noResize="1" noEditPoints="1" noAdjustHandles="1" noChangeArrowheads="1" noChangeShapeType="1"/>
+          </p:cNvCxnSpPr>
+          <p:nvPr>
+            <p:extLst>
+              <p:ext uri="{386F3935-93C4-4BCD-93E2-E3B085C9AB24}">
+                <p16:designElem xmlns:p16="http://schemas.microsoft.com/office/powerpoint/2015/main" val="1"/>
+              </p:ext>
+            </p:extLst>
+          </p:nvPr>
+        </p:nvCxnSpPr>
+        <p:spPr bwMode="white">
+          <a:xfrm>
+            <a:off x="0" y="843625"/>
+            <a:ext cx="12188824" cy="0"/>
+          </a:xfrm>
+          <a:prstGeom prst="line">
+            <a:avLst/>
+          </a:prstGeom>
+          <a:ln w="50800">
+            <a:solidFill>
+              <a:schemeClr val="tx1">
+                <a:lumMod val="75000"/>
+                <a:lumOff val="25000"/>
+              </a:schemeClr>
+            </a:solidFill>
+          </a:ln>
+        </p:spPr>
+        <p:style>
+          <a:lnRef idx="1">
+            <a:schemeClr val="accent1"/>
+          </a:lnRef>
+          <a:fillRef idx="0">
+            <a:schemeClr val="accent1"/>
+          </a:fillRef>
+          <a:effectRef idx="0">
+            <a:schemeClr val="accent1"/>
+          </a:effectRef>
+          <a:fontRef idx="minor">
+            <a:schemeClr val="tx1"/>
+          </a:fontRef>
+        </p:style>
+      </p:cxnSp>
+      <p:sp>
+        <p:nvSpPr>
+          <p:cNvPr id="32" name="Rectangle 31">
+            <a:extLst>
+              <a:ext uri="{FF2B5EF4-FFF2-40B4-BE49-F238E27FC236}">
+                <a16:creationId xmlns:a16="http://schemas.microsoft.com/office/drawing/2014/main" id="{5BC87C3E-1040-4EE4-9BDB-9537F7A1B335}"/>
+              </a:ext>
+              <a:ext uri="{C183D7F6-B498-43B3-948B-1728B52AA6E4}">
+                <adec:decorative xmlns:adec="http://schemas.microsoft.com/office/drawing/2017/decorative" val="1"/>
+              </a:ext>
+            </a:extLst>
+          </p:cNvPr>
+          <p:cNvSpPr>
+            <a:spLocks noGrp="1" noRot="1" noChangeAspect="1" noMove="1" noResize="1" noEditPoints="1" noAdjustHandles="1" noChangeArrowheads="1" noChangeShapeType="1" noTextEdit="1"/>
+          </p:cNvSpPr>
+          <p:nvPr>
+            <p:extLst>
+              <p:ext uri="{386F3935-93C4-4BCD-93E2-E3B085C9AB24}">
+                <p16:designElem xmlns:p16="http://schemas.microsoft.com/office/powerpoint/2015/main" val="1"/>
+              </p:ext>
+            </p:extLst>
+          </p:nvPr>
+        </p:nvSpPr>
+        <p:spPr>
+          <a:xfrm>
+            <a:off x="0" y="968282"/>
+            <a:ext cx="12192000" cy="4946904"/>
+          </a:xfrm>
+          <a:prstGeom prst="rect">
+            <a:avLst/>
+          </a:prstGeom>
+          <a:solidFill>
+            <a:schemeClr val="tx1">
+              <a:lumMod val="75000"/>
+              <a:lumOff val="25000"/>
+            </a:schemeClr>
+          </a:solidFill>
+          <a:ln>
+            <a:noFill/>
+          </a:ln>
+        </p:spPr>
+        <p:style>
+          <a:lnRef idx="2">
+            <a:schemeClr val="accent1">
+              <a:shade val="50000"/>
+            </a:schemeClr>
+          </a:lnRef>
+          <a:fillRef idx="1">
+            <a:schemeClr val="accent1"/>
+          </a:fillRef>
+          <a:effectRef idx="0">
+            <a:schemeClr val="accent1"/>
+          </a:effectRef>
+          <a:fontRef idx="minor">
+            <a:schemeClr val="lt1"/>
+          </a:fontRef>
+        </p:style>
+        <p:txBody>
+          <a:bodyPr rtlCol="0" anchor="ctr"/>
+          <a:lstStyle/>
+          <a:p>
+            <a:pPr algn="ctr"/>
+            <a:endParaRPr lang="en-US"/>
+          </a:p>
+        </p:txBody>
+      </p:sp>
+      <p:sp>
+        <p:nvSpPr>
+          <p:cNvPr id="2" name="Title 1">
+            <a:extLst>
+              <a:ext uri="{FF2B5EF4-FFF2-40B4-BE49-F238E27FC236}">
+                <a16:creationId xmlns:a16="http://schemas.microsoft.com/office/drawing/2014/main" id="{854B8F31-8338-441A-A26E-A876B42A9EE0}"/>
+              </a:ext>
+            </a:extLst>
+          </p:cNvPr>
+          <p:cNvSpPr>
+            <a:spLocks noGrp="1"/>
+          </p:cNvSpPr>
+          <p:nvPr>
+            <p:ph type="ctrTitle"/>
+          </p:nvPr>
+        </p:nvSpPr>
+        <p:spPr>
+          <a:xfrm>
+            <a:off x="795338" y="1566473"/>
+            <a:ext cx="10601325" cy="2166723"/>
+          </a:xfrm>
+        </p:spPr>
+        <p:txBody>
+          <a:bodyPr>
+            <a:normAutofit/>
+          </a:bodyPr>
+          <a:lstStyle/>
+          <a:p>
+            <a:r>
+              <a:rPr lang="en-US" sz="6600">
+                <a:solidFill>
+                  <a:schemeClr val="bg1"/>
+                </a:solidFill>
+              </a:rPr>
+              <a:t>Developing APIs using the Actor Model in ASP.NET Core</a:t>
+            </a:r>
+          </a:p>
+        </p:txBody>
+      </p:sp>
+      <p:sp>
+        <p:nvSpPr>
+          <p:cNvPr id="3" name="Subtitle 2">
+            <a:extLst>
+              <a:ext uri="{FF2B5EF4-FFF2-40B4-BE49-F238E27FC236}">
+                <a16:creationId xmlns:a16="http://schemas.microsoft.com/office/drawing/2014/main" id="{4CF26E9C-56FB-40B0-A5F9-37BF40B85D90}"/>
+              </a:ext>
+            </a:extLst>
+          </p:cNvPr>
+          <p:cNvSpPr>
+            <a:spLocks noGrp="1"/>
+          </p:cNvSpPr>
+          <p:nvPr>
+            <p:ph type="subTitle" idx="1"/>
+          </p:nvPr>
+        </p:nvSpPr>
+        <p:spPr>
+          <a:xfrm>
+            <a:off x="795338" y="4092320"/>
+            <a:ext cx="10601325" cy="1144884"/>
+          </a:xfrm>
+        </p:spPr>
+        <p:txBody>
+          <a:bodyPr>
+            <a:normAutofit/>
+          </a:bodyPr>
+          <a:lstStyle/>
+          <a:p>
+            <a:r>
+              <a:rPr lang="en-US">
+                <a:solidFill>
+                  <a:schemeClr val="accent1">
+                    <a:lumMod val="60000"/>
+                    <a:lumOff val="40000"/>
+                  </a:schemeClr>
+                </a:solidFill>
+              </a:rPr>
+              <a:t>Mike Gritz</a:t>
+            </a:r>
+          </a:p>
+        </p:txBody>
+      </p:sp>
+      <p:cxnSp>
+        <p:nvCxnSpPr>
+          <p:cNvPr id="34" name="Straight Connector 33">
+            <a:extLst>
+              <a:ext uri="{FF2B5EF4-FFF2-40B4-BE49-F238E27FC236}">
+                <a16:creationId xmlns:a16="http://schemas.microsoft.com/office/drawing/2014/main" id="{42CDBECE-872A-4C73-9DC1-BB4E805E2CF5}"/>
+              </a:ext>
+              <a:ext uri="{C183D7F6-B498-43B3-948B-1728B52AA6E4}">
+                <adec:decorative xmlns:adec="http://schemas.microsoft.com/office/drawing/2017/decorative" val="1"/>
+              </a:ext>
+            </a:extLst>
+          </p:cNvPr>
+          <p:cNvCxnSpPr>
+            <a:cxnSpLocks noGrp="1" noRot="1" noChangeAspect="1" noMove="1" noResize="1" noEditPoints="1" noAdjustHandles="1" noChangeArrowheads="1" noChangeShapeType="1"/>
+          </p:cNvCxnSpPr>
+          <p:nvPr>
+            <p:extLst>
+              <p:ext uri="{386F3935-93C4-4BCD-93E2-E3B085C9AB24}">
+                <p16:designElem xmlns:p16="http://schemas.microsoft.com/office/powerpoint/2015/main" val="1"/>
+              </p:ext>
+            </p:extLst>
+          </p:nvPr>
+        </p:nvCxnSpPr>
+        <p:spPr>
+          <a:xfrm>
+            <a:off x="4724400" y="3894594"/>
+            <a:ext cx="2743200" cy="0"/>
+          </a:xfrm>
+          <a:prstGeom prst="line">
+            <a:avLst/>
+          </a:prstGeom>
+          <a:ln w="19050">
+            <a:solidFill>
+              <a:schemeClr val="bg1">
+                <a:alpha val="75000"/>
+              </a:schemeClr>
+            </a:solidFill>
+          </a:ln>
+        </p:spPr>
+        <p:style>
+          <a:lnRef idx="1">
+            <a:schemeClr val="accent1"/>
+          </a:lnRef>
+          <a:fillRef idx="0">
+            <a:schemeClr val="accent1"/>
+          </a:fillRef>
+          <a:effectRef idx="0">
+            <a:schemeClr val="accent1"/>
+          </a:effectRef>
+          <a:fontRef idx="minor">
+            <a:schemeClr val="tx1"/>
+          </a:fontRef>
+        </p:style>
+      </p:cxnSp>
+      <p:cxnSp>
+        <p:nvCxnSpPr>
+          <p:cNvPr id="36" name="Straight Connector 35">
+            <a:extLst>
+              <a:ext uri="{FF2B5EF4-FFF2-40B4-BE49-F238E27FC236}">
+                <a16:creationId xmlns:a16="http://schemas.microsoft.com/office/drawing/2014/main" id="{F5CD5A0B-CDD7-427C-AA42-2EECFDFA1811}"/>
+              </a:ext>
+              <a:ext uri="{C183D7F6-B498-43B3-948B-1728B52AA6E4}">
+                <adec:decorative xmlns:adec="http://schemas.microsoft.com/office/drawing/2017/decorative" val="1"/>
+              </a:ext>
+            </a:extLst>
+          </p:cNvPr>
+          <p:cNvCxnSpPr>
+            <a:cxnSpLocks noGrp="1" noRot="1" noChangeAspect="1" noMove="1" noResize="1" noEditPoints="1" noAdjustHandles="1" noChangeArrowheads="1" noChangeShapeType="1"/>
+          </p:cNvCxnSpPr>
+          <p:nvPr>
+            <p:extLst>
+              <p:ext uri="{386F3935-93C4-4BCD-93E2-E3B085C9AB24}">
+                <p16:designElem xmlns:p16="http://schemas.microsoft.com/office/powerpoint/2015/main" val="1"/>
+              </p:ext>
+            </p:extLst>
+          </p:nvPr>
+        </p:nvCxnSpPr>
+        <p:spPr bwMode="white">
+          <a:xfrm>
+            <a:off x="0" y="6028863"/>
+            <a:ext cx="12188824" cy="0"/>
+          </a:xfrm>
+          <a:prstGeom prst="line">
+            <a:avLst/>
+          </a:prstGeom>
+          <a:ln w="50800">
+            <a:solidFill>
+              <a:schemeClr val="tx1">
+                <a:lumMod val="75000"/>
+                <a:lumOff val="25000"/>
+              </a:schemeClr>
+            </a:solidFill>
+          </a:ln>
+        </p:spPr>
+        <p:style>
+          <a:lnRef idx="1">
+            <a:schemeClr val="accent1"/>
+          </a:lnRef>
+          <a:fillRef idx="0">
+            <a:schemeClr val="accent1"/>
+          </a:fillRef>
+          <a:effectRef idx="0">
+            <a:schemeClr val="accent1"/>
+          </a:effectRef>
+          <a:fontRef idx="minor">
+            <a:schemeClr val="tx1"/>
+          </a:fontRef>
+        </p:style>
+      </p:cxnSp>
     </p:spTree>
     <p:extLst>
       <p:ext uri="{BB962C8B-B14F-4D97-AF65-F5344CB8AC3E}">
@@ -3965,109 +6613,12 @@
     </p:extLst>
   </p:cSld>
   <p:clrMapOvr>
-    <a:masterClrMapping/>
+    <a:overrideClrMapping bg1="lt1" tx1="dk1" bg2="lt2" tx2="dk2" accent1="accent1" accent2="accent2" accent3="accent3" accent4="accent4" accent5="accent5" accent6="accent6" hlink="hlink" folHlink="folHlink"/>
   </p:clrMapOvr>
 </p:sld>
 </file>
 
 <file path=ppt/slides/slide10.xml><?xml version="1.0" encoding="utf-8"?>
-<p:sld xmlns:a="http://schemas.openxmlformats.org/drawingml/2006/main" xmlns:r="http://schemas.openxmlformats.org/officeDocument/2006/relationships" xmlns:p="http://schemas.openxmlformats.org/presentationml/2006/main">
-  <p:cSld>
-    <p:spTree>
-      <p:nvGrpSpPr>
-        <p:cNvPr id="1" name=""/>
-        <p:cNvGrpSpPr/>
-        <p:nvPr/>
-      </p:nvGrpSpPr>
-      <p:grpSpPr>
-        <a:xfrm>
-          <a:off x="0" y="0"/>
-          <a:ext cx="0" cy="0"/>
-          <a:chOff x="0" y="0"/>
-          <a:chExt cx="0" cy="0"/>
-        </a:xfrm>
-      </p:grpSpPr>
-      <p:sp>
-        <p:nvSpPr>
-          <p:cNvPr id="2" name="Title 1">
-            <a:extLst>
-              <a:ext uri="{FF2B5EF4-FFF2-40B4-BE49-F238E27FC236}">
-                <a16:creationId xmlns:a16="http://schemas.microsoft.com/office/drawing/2014/main" id="{1A324127-F3A0-40CC-B852-6BD29999703A}"/>
-              </a:ext>
-            </a:extLst>
-          </p:cNvPr>
-          <p:cNvSpPr>
-            <a:spLocks noGrp="1"/>
-          </p:cNvSpPr>
-          <p:nvPr>
-            <p:ph type="title"/>
-          </p:nvPr>
-        </p:nvSpPr>
-        <p:spPr>
-          <a:xfrm>
-            <a:off x="1115568" y="548640"/>
-            <a:ext cx="10168128" cy="1179576"/>
-          </a:xfrm>
-        </p:spPr>
-        <p:txBody>
-          <a:bodyPr>
-            <a:normAutofit/>
-          </a:bodyPr>
-          <a:lstStyle/>
-          <a:p>
-            <a:r>
-              <a:rPr lang="en-US" sz="4000" dirty="0"/>
-              <a:t>Demo</a:t>
-            </a:r>
-          </a:p>
-        </p:txBody>
-      </p:sp>
-      <p:sp>
-        <p:nvSpPr>
-          <p:cNvPr id="3" name="Content Placeholder 2">
-            <a:extLst>
-              <a:ext uri="{FF2B5EF4-FFF2-40B4-BE49-F238E27FC236}">
-                <a16:creationId xmlns:a16="http://schemas.microsoft.com/office/drawing/2014/main" id="{B56D590A-7742-4D27-A18D-B94300EAA8B0}"/>
-              </a:ext>
-            </a:extLst>
-          </p:cNvPr>
-          <p:cNvSpPr>
-            <a:spLocks noGrp="1"/>
-          </p:cNvSpPr>
-          <p:nvPr>
-            <p:ph idx="1"/>
-          </p:nvPr>
-        </p:nvSpPr>
-        <p:spPr>
-          <a:xfrm>
-            <a:off x="1115568" y="2481943"/>
-            <a:ext cx="10168128" cy="3695020"/>
-          </a:xfrm>
-        </p:spPr>
-        <p:txBody>
-          <a:bodyPr>
-            <a:normAutofit/>
-          </a:bodyPr>
-          <a:lstStyle/>
-          <a:p>
-            <a:endParaRPr lang="en-US" sz="2200" dirty="0"/>
-          </a:p>
-        </p:txBody>
-      </p:sp>
-    </p:spTree>
-    <p:extLst>
-      <p:ext uri="{BB962C8B-B14F-4D97-AF65-F5344CB8AC3E}">
-        <p14:creationId xmlns:p14="http://schemas.microsoft.com/office/powerpoint/2010/main" val="2599812579"/>
-      </p:ext>
-    </p:extLst>
-  </p:cSld>
-  <p:clrMapOvr>
-    <a:masterClrMapping/>
-  </p:clrMapOvr>
-</p:sld>
-</file>
-
-<file path=ppt/slides/slide11.xml><?xml version="1.0" encoding="utf-8"?>
 <p:sld xmlns:a="http://schemas.openxmlformats.org/drawingml/2006/main" xmlns:r="http://schemas.openxmlformats.org/officeDocument/2006/relationships" xmlns:p="http://schemas.openxmlformats.org/presentationml/2006/main">
   <p:cSld>
     <p:bg>
@@ -4092,12 +6643,12 @@
           <a:chExt cx="0" cy="0"/>
         </a:xfrm>
       </p:grpSpPr>
-      <p:sp useBgFill="1">
-        <p:nvSpPr>
-          <p:cNvPr id="7" name="Rectangle 6">
-            <a:extLst>
-              <a:ext uri="{FF2B5EF4-FFF2-40B4-BE49-F238E27FC236}">
-                <a16:creationId xmlns:a16="http://schemas.microsoft.com/office/drawing/2014/main" id="{FFD48BC7-DC40-47DE-87EE-9F4B6ECB9ABB}"/>
+      <p:sp>
+        <p:nvSpPr>
+          <p:cNvPr id="8" name="Rectangle 7">
+            <a:extLst>
+              <a:ext uri="{FF2B5EF4-FFF2-40B4-BE49-F238E27FC236}">
+                <a16:creationId xmlns:a16="http://schemas.microsoft.com/office/drawing/2014/main" id="{F98ED85F-DCEE-4B50-802E-71A6E3E12B04}"/>
               </a:ext>
               <a:ext uri="{C183D7F6-B498-43B3-948B-1728B52AA6E4}">
                 <adec:decorative xmlns:adec="http://schemas.microsoft.com/office/drawing/2017/decorative" val="1"/>
@@ -4115,16 +6666,27 @@
             </p:extLst>
           </p:nvPr>
         </p:nvSpPr>
-        <p:spPr>
+        <p:spPr bwMode="ltGray">
           <a:xfrm>
-            <a:off x="0" y="0"/>
-            <a:ext cx="12192000" cy="6858000"/>
+            <a:off x="321564" y="320040"/>
+            <a:ext cx="11548872" cy="6217920"/>
           </a:xfrm>
           <a:prstGeom prst="rect">
             <a:avLst/>
           </a:prstGeom>
-          <a:ln>
-            <a:noFill/>
+          <a:solidFill>
+            <a:schemeClr val="tx1">
+              <a:lumMod val="75000"/>
+              <a:lumOff val="25000"/>
+            </a:schemeClr>
+          </a:solidFill>
+          <a:ln w="127000" cap="sq" cmpd="thinThick">
+            <a:solidFill>
+              <a:schemeClr val="tx1">
+                <a:lumMod val="75000"/>
+                <a:lumOff val="25000"/>
+              </a:schemeClr>
+            </a:solidFill>
           </a:ln>
         </p:spPr>
         <p:style>
@@ -4152,21 +6714,60 @@
           </a:p>
         </p:txBody>
       </p:sp>
-      <p:sp useBgFill="1">
-        <p:nvSpPr>
-          <p:cNvPr id="9" name="Freeform: Shape 8">
-            <a:extLst>
-              <a:ext uri="{FF2B5EF4-FFF2-40B4-BE49-F238E27FC236}">
-                <a16:creationId xmlns:a16="http://schemas.microsoft.com/office/drawing/2014/main" id="{E502BBC7-2C76-46F3-BC24-5985BC13DB88}"/>
+      <p:sp>
+        <p:nvSpPr>
+          <p:cNvPr id="2" name="Title 1">
+            <a:extLst>
+              <a:ext uri="{FF2B5EF4-FFF2-40B4-BE49-F238E27FC236}">
+                <a16:creationId xmlns:a16="http://schemas.microsoft.com/office/drawing/2014/main" id="{1A324127-F3A0-40CC-B852-6BD29999703A}"/>
+              </a:ext>
+            </a:extLst>
+          </p:cNvPr>
+          <p:cNvSpPr>
+            <a:spLocks noGrp="1"/>
+          </p:cNvSpPr>
+          <p:nvPr>
+            <p:ph type="title"/>
+          </p:nvPr>
+        </p:nvSpPr>
+        <p:spPr>
+          <a:xfrm>
+            <a:off x="838200" y="631825"/>
+            <a:ext cx="10515600" cy="1325563"/>
+          </a:xfrm>
+        </p:spPr>
+        <p:txBody>
+          <a:bodyPr>
+            <a:normAutofit/>
+          </a:bodyPr>
+          <a:lstStyle/>
+          <a:p>
+            <a:r>
+              <a:rPr lang="en-US">
+                <a:solidFill>
+                  <a:schemeClr val="bg1"/>
+                </a:solidFill>
+              </a:rPr>
+              <a:t>Demo</a:t>
+            </a:r>
+          </a:p>
+        </p:txBody>
+      </p:sp>
+      <p:cxnSp>
+        <p:nvCxnSpPr>
+          <p:cNvPr id="10" name="Straight Connector 9">
+            <a:extLst>
+              <a:ext uri="{FF2B5EF4-FFF2-40B4-BE49-F238E27FC236}">
+                <a16:creationId xmlns:a16="http://schemas.microsoft.com/office/drawing/2014/main" id="{E8E35B83-1EC3-4F87-9D54-D863463351B9}"/>
               </a:ext>
               <a:ext uri="{C183D7F6-B498-43B3-948B-1728B52AA6E4}">
                 <adec:decorative xmlns:adec="http://schemas.microsoft.com/office/drawing/2017/decorative" val="1"/>
               </a:ext>
             </a:extLst>
           </p:cNvPr>
-          <p:cNvSpPr>
-            <a:spLocks noGrp="1" noRot="1" noChangeAspect="1" noMove="1" noResize="1" noEditPoints="1" noAdjustHandles="1" noChangeArrowheads="1" noChangeShapeType="1" noTextEdit="1"/>
-          </p:cNvSpPr>
+          <p:cNvCxnSpPr>
+            <a:cxnSpLocks noGrp="1" noRot="1" noChangeAspect="1" noMove="1" noResize="1" noEditPoints="1" noAdjustHandles="1" noChangeArrowheads="1" noChangeShapeType="1"/>
+          </p:cNvCxnSpPr>
           <p:nvPr>
             <p:extLst>
               <p:ext uri="{386F3935-93C4-4BCD-93E2-E3B085C9AB24}">
@@ -4174,190 +6775,143 @@
               </p:ext>
             </p:extLst>
           </p:nvPr>
-        </p:nvSpPr>
+        </p:nvCxnSpPr>
         <p:spPr>
           <a:xfrm>
-            <a:off x="1114425" y="0"/>
-            <a:ext cx="9963150" cy="6858000"/>
+            <a:off x="897636" y="1957388"/>
+            <a:ext cx="10396728" cy="0"/>
           </a:xfrm>
-          <a:custGeom>
+          <a:prstGeom prst="line">
             <a:avLst/>
-            <a:gdLst>
-              <a:gd name="connsiteX0" fmla="*/ 1595771 w 9963150"/>
-              <a:gd name="connsiteY0" fmla="*/ 0 h 6858000"/>
-              <a:gd name="connsiteX1" fmla="*/ 8367379 w 9963150"/>
-              <a:gd name="connsiteY1" fmla="*/ 0 h 6858000"/>
-              <a:gd name="connsiteX2" fmla="*/ 8504080 w 9963150"/>
-              <a:gd name="connsiteY2" fmla="*/ 130333 h 6858000"/>
-              <a:gd name="connsiteX3" fmla="*/ 9963150 w 9963150"/>
-              <a:gd name="connsiteY3" fmla="*/ 3652838 h 6858000"/>
-              <a:gd name="connsiteX4" fmla="*/ 8825600 w 9963150"/>
-              <a:gd name="connsiteY4" fmla="*/ 6821583 h 6858000"/>
-              <a:gd name="connsiteX5" fmla="*/ 8794055 w 9963150"/>
-              <a:gd name="connsiteY5" fmla="*/ 6858000 h 6858000"/>
-              <a:gd name="connsiteX6" fmla="*/ 1169096 w 9963150"/>
-              <a:gd name="connsiteY6" fmla="*/ 6858000 h 6858000"/>
-              <a:gd name="connsiteX7" fmla="*/ 1137550 w 9963150"/>
-              <a:gd name="connsiteY7" fmla="*/ 6821583 h 6858000"/>
-              <a:gd name="connsiteX8" fmla="*/ 0 w 9963150"/>
-              <a:gd name="connsiteY8" fmla="*/ 3652838 h 6858000"/>
-              <a:gd name="connsiteX9" fmla="*/ 1459070 w 9963150"/>
-              <a:gd name="connsiteY9" fmla="*/ 130333 h 6858000"/>
-            </a:gdLst>
-            <a:ahLst/>
-            <a:cxnLst>
-              <a:cxn ang="0">
-                <a:pos x="connsiteX0" y="connsiteY0"/>
-              </a:cxn>
-              <a:cxn ang="0">
-                <a:pos x="connsiteX1" y="connsiteY1"/>
-              </a:cxn>
-              <a:cxn ang="0">
-                <a:pos x="connsiteX2" y="connsiteY2"/>
-              </a:cxn>
-              <a:cxn ang="0">
-                <a:pos x="connsiteX3" y="connsiteY3"/>
-              </a:cxn>
-              <a:cxn ang="0">
-                <a:pos x="connsiteX4" y="connsiteY4"/>
-              </a:cxn>
-              <a:cxn ang="0">
-                <a:pos x="connsiteX5" y="connsiteY5"/>
-              </a:cxn>
-              <a:cxn ang="0">
-                <a:pos x="connsiteX6" y="connsiteY6"/>
-              </a:cxn>
-              <a:cxn ang="0">
-                <a:pos x="connsiteX7" y="connsiteY7"/>
-              </a:cxn>
-              <a:cxn ang="0">
-                <a:pos x="connsiteX8" y="connsiteY8"/>
-              </a:cxn>
-              <a:cxn ang="0">
-                <a:pos x="connsiteX9" y="connsiteY9"/>
-              </a:cxn>
-            </a:cxnLst>
-            <a:rect l="l" t="t" r="r" b="b"/>
-            <a:pathLst>
-              <a:path w="9963150" h="6858000">
-                <a:moveTo>
-                  <a:pt x="1595771" y="0"/>
-                </a:moveTo>
-                <a:lnTo>
-                  <a:pt x="8367379" y="0"/>
-                </a:lnTo>
-                <a:lnTo>
-                  <a:pt x="8504080" y="130333"/>
-                </a:lnTo>
-                <a:cubicBezTo>
-                  <a:pt x="9405568" y="1031820"/>
-                  <a:pt x="9963150" y="2277214"/>
-                  <a:pt x="9963150" y="3652838"/>
-                </a:cubicBezTo>
-                <a:cubicBezTo>
-                  <a:pt x="9963150" y="4856509"/>
-                  <a:pt x="9536251" y="5960473"/>
-                  <a:pt x="8825600" y="6821583"/>
-                </a:cubicBezTo>
-                <a:lnTo>
-                  <a:pt x="8794055" y="6858000"/>
-                </a:lnTo>
-                <a:lnTo>
-                  <a:pt x="1169096" y="6858000"/>
-                </a:lnTo>
-                <a:lnTo>
-                  <a:pt x="1137550" y="6821583"/>
-                </a:lnTo>
-                <a:cubicBezTo>
-                  <a:pt x="426899" y="5960473"/>
-                  <a:pt x="0" y="4856509"/>
-                  <a:pt x="0" y="3652838"/>
-                </a:cubicBezTo>
-                <a:cubicBezTo>
-                  <a:pt x="0" y="2277214"/>
-                  <a:pt x="557582" y="1031820"/>
-                  <a:pt x="1459070" y="130333"/>
-                </a:cubicBezTo>
-                <a:close/>
-              </a:path>
-            </a:pathLst>
-          </a:custGeom>
-          <a:ln w="9525">
+          </a:prstGeom>
+          <a:ln w="22225">
             <a:solidFill>
-              <a:srgbClr val="EFEFEF"/>
+              <a:schemeClr val="bg1"/>
             </a:solidFill>
           </a:ln>
-          <a:effectLst>
-            <a:outerShdw blurRad="139700" sx="102000" sy="102000" algn="ctr" rotWithShape="0">
-              <a:schemeClr val="bg1">
-                <a:lumMod val="85000"/>
-                <a:alpha val="38000"/>
-              </a:schemeClr>
-            </a:outerShdw>
-          </a:effectLst>
         </p:spPr>
         <p:style>
-          <a:lnRef idx="2">
-            <a:schemeClr val="accent1">
-              <a:shade val="50000"/>
-            </a:schemeClr>
+          <a:lnRef idx="1">
+            <a:schemeClr val="accent1"/>
           </a:lnRef>
-          <a:fillRef idx="1">
+          <a:fillRef idx="0">
             <a:schemeClr val="accent1"/>
           </a:fillRef>
           <a:effectRef idx="0">
             <a:schemeClr val="accent1"/>
           </a:effectRef>
           <a:fontRef idx="minor">
-            <a:schemeClr val="lt1"/>
+            <a:schemeClr val="tx1"/>
           </a:fontRef>
         </p:style>
-        <p:txBody>
-          <a:bodyPr wrap="square" rtlCol="0" anchor="ctr">
-            <a:noAutofit/>
+      </p:cxnSp>
+      <p:sp>
+        <p:nvSpPr>
+          <p:cNvPr id="3" name="Content Placeholder 2">
+            <a:extLst>
+              <a:ext uri="{FF2B5EF4-FFF2-40B4-BE49-F238E27FC236}">
+                <a16:creationId xmlns:a16="http://schemas.microsoft.com/office/drawing/2014/main" id="{B56D590A-7742-4D27-A18D-B94300EAA8B0}"/>
+              </a:ext>
+            </a:extLst>
+          </p:cNvPr>
+          <p:cNvSpPr>
+            <a:spLocks noGrp="1"/>
+          </p:cNvSpPr>
+          <p:nvPr>
+            <p:ph idx="1"/>
+          </p:nvPr>
+        </p:nvSpPr>
+        <p:spPr>
+          <a:xfrm>
+            <a:off x="838200" y="2269173"/>
+            <a:ext cx="10515600" cy="3659988"/>
+          </a:xfrm>
+        </p:spPr>
+        <p:txBody>
+          <a:bodyPr>
+            <a:normAutofit/>
           </a:bodyPr>
           <a:lstStyle/>
           <a:p>
-            <a:pPr marL="0" marR="0" lvl="0" indent="0" algn="ctr" defTabSz="914400" rtl="0" eaLnBrk="1" fontAlgn="auto" latinLnBrk="0" hangingPunct="1">
-              <a:lnSpc>
-                <a:spcPct val="100000"/>
-              </a:lnSpc>
-              <a:spcBef>
-                <a:spcPts val="0"/>
-              </a:spcBef>
-              <a:spcAft>
-                <a:spcPts val="0"/>
-              </a:spcAft>
-              <a:buClrTx/>
-              <a:buSzTx/>
-              <a:buFontTx/>
-              <a:buNone/>
-              <a:tabLst/>
-              <a:defRPr/>
-            </a:pPr>
-            <a:endParaRPr kumimoji="0" lang="en-US" sz="1800" b="0" i="0" u="none" strike="noStrike" kern="1200" cap="none" spc="0" normalizeH="0" baseline="0" noProof="0">
-              <a:ln>
-                <a:noFill/>
-              </a:ln>
+            <a:r>
+              <a:rPr lang="en-US" sz="2400">
+                <a:solidFill>
+                  <a:schemeClr val="bg1"/>
+                </a:solidFill>
+              </a:rPr>
+              <a:t>Calculator</a:t>
+            </a:r>
+          </a:p>
+          <a:p>
+            <a:pPr lvl="1"/>
+            <a:r>
+              <a:rPr lang="en-US">
+                <a:solidFill>
+                  <a:schemeClr val="bg1"/>
+                </a:solidFill>
+                <a:hlinkClick r:id="rId2"/>
+              </a:rPr>
+              <a:t>http://localhost:3000/</a:t>
+            </a:r>
+            <a:endParaRPr lang="en-US">
               <a:solidFill>
-                <a:prstClr val="white"/>
+                <a:schemeClr val="bg1"/>
               </a:solidFill>
-              <a:effectLst/>
-              <a:uLnTx/>
-              <a:uFillTx/>
-              <a:latin typeface="Calibri" panose="020F0502020204030204"/>
-              <a:ea typeface="+mn-ea"/>
-              <a:cs typeface="+mn-cs"/>
             </a:endParaRPr>
           </a:p>
-        </p:txBody>
-      </p:sp>
-      <p:sp useBgFill="1">
-        <p:nvSpPr>
-          <p:cNvPr id="11" name="Freeform: Shape 10">
-            <a:extLst>
-              <a:ext uri="{FF2B5EF4-FFF2-40B4-BE49-F238E27FC236}">
-                <a16:creationId xmlns:a16="http://schemas.microsoft.com/office/drawing/2014/main" id="{C7F28D52-2A5F-4D23-81AE-7CB8B591C7AF}"/>
+          <a:p>
+            <a:endParaRPr lang="en-US" sz="2400">
+              <a:solidFill>
+                <a:schemeClr val="bg1"/>
+              </a:solidFill>
+            </a:endParaRPr>
+          </a:p>
+        </p:txBody>
+      </p:sp>
+    </p:spTree>
+    <p:extLst>
+      <p:ext uri="{BB962C8B-B14F-4D97-AF65-F5344CB8AC3E}">
+        <p14:creationId xmlns:p14="http://schemas.microsoft.com/office/powerpoint/2010/main" val="2599812579"/>
+      </p:ext>
+    </p:extLst>
+  </p:cSld>
+  <p:clrMapOvr>
+    <a:masterClrMapping/>
+  </p:clrMapOvr>
+</p:sld>
+</file>
+
+<file path=ppt/slides/slide11.xml><?xml version="1.0" encoding="utf-8"?>
+<p:sld xmlns:a="http://schemas.openxmlformats.org/drawingml/2006/main" xmlns:r="http://schemas.openxmlformats.org/officeDocument/2006/relationships" xmlns:p="http://schemas.openxmlformats.org/presentationml/2006/main">
+  <p:cSld>
+    <p:bg>
+      <p:bgPr>
+        <a:solidFill>
+          <a:schemeClr val="tx1"/>
+        </a:solidFill>
+        <a:effectLst/>
+      </p:bgPr>
+    </p:bg>
+    <p:spTree>
+      <p:nvGrpSpPr>
+        <p:cNvPr id="1" name=""/>
+        <p:cNvGrpSpPr/>
+        <p:nvPr/>
+      </p:nvGrpSpPr>
+      <p:grpSpPr>
+        <a:xfrm>
+          <a:off x="0" y="0"/>
+          <a:ext cx="0" cy="0"/>
+          <a:chOff x="0" y="0"/>
+          <a:chExt cx="0" cy="0"/>
+        </a:xfrm>
+      </p:grpSpPr>
+      <p:sp>
+        <p:nvSpPr>
+          <p:cNvPr id="18" name="Rectangle 17">
+            <a:extLst>
+              <a:ext uri="{FF2B5EF4-FFF2-40B4-BE49-F238E27FC236}">
+                <a16:creationId xmlns:a16="http://schemas.microsoft.com/office/drawing/2014/main" id="{2A8AA5BC-4F7A-4226-8F99-6D824B226A97}"/>
               </a:ext>
               <a:ext uri="{C183D7F6-B498-43B3-948B-1728B52AA6E4}">
                 <adec:decorative xmlns:adec="http://schemas.microsoft.com/office/drawing/2017/decorative" val="1"/>
@@ -4377,248 +6931,14 @@
         </p:nvSpPr>
         <p:spPr>
           <a:xfrm>
-            <a:off x="1121664" y="0"/>
-            <a:ext cx="9948672" cy="6858000"/>
-          </a:xfrm>
-          <a:custGeom>
-            <a:avLst/>
-            <a:gdLst>
-              <a:gd name="connsiteX0" fmla="*/ 1595771 w 9963150"/>
-              <a:gd name="connsiteY0" fmla="*/ 0 h 6858000"/>
-              <a:gd name="connsiteX1" fmla="*/ 8367379 w 9963150"/>
-              <a:gd name="connsiteY1" fmla="*/ 0 h 6858000"/>
-              <a:gd name="connsiteX2" fmla="*/ 8504080 w 9963150"/>
-              <a:gd name="connsiteY2" fmla="*/ 130333 h 6858000"/>
-              <a:gd name="connsiteX3" fmla="*/ 9963150 w 9963150"/>
-              <a:gd name="connsiteY3" fmla="*/ 3652838 h 6858000"/>
-              <a:gd name="connsiteX4" fmla="*/ 8825600 w 9963150"/>
-              <a:gd name="connsiteY4" fmla="*/ 6821583 h 6858000"/>
-              <a:gd name="connsiteX5" fmla="*/ 8794055 w 9963150"/>
-              <a:gd name="connsiteY5" fmla="*/ 6858000 h 6858000"/>
-              <a:gd name="connsiteX6" fmla="*/ 1169096 w 9963150"/>
-              <a:gd name="connsiteY6" fmla="*/ 6858000 h 6858000"/>
-              <a:gd name="connsiteX7" fmla="*/ 1137550 w 9963150"/>
-              <a:gd name="connsiteY7" fmla="*/ 6821583 h 6858000"/>
-              <a:gd name="connsiteX8" fmla="*/ 0 w 9963150"/>
-              <a:gd name="connsiteY8" fmla="*/ 3652838 h 6858000"/>
-              <a:gd name="connsiteX9" fmla="*/ 1459070 w 9963150"/>
-              <a:gd name="connsiteY9" fmla="*/ 130333 h 6858000"/>
-            </a:gdLst>
-            <a:ahLst/>
-            <a:cxnLst>
-              <a:cxn ang="0">
-                <a:pos x="connsiteX0" y="connsiteY0"/>
-              </a:cxn>
-              <a:cxn ang="0">
-                <a:pos x="connsiteX1" y="connsiteY1"/>
-              </a:cxn>
-              <a:cxn ang="0">
-                <a:pos x="connsiteX2" y="connsiteY2"/>
-              </a:cxn>
-              <a:cxn ang="0">
-                <a:pos x="connsiteX3" y="connsiteY3"/>
-              </a:cxn>
-              <a:cxn ang="0">
-                <a:pos x="connsiteX4" y="connsiteY4"/>
-              </a:cxn>
-              <a:cxn ang="0">
-                <a:pos x="connsiteX5" y="connsiteY5"/>
-              </a:cxn>
-              <a:cxn ang="0">
-                <a:pos x="connsiteX6" y="connsiteY6"/>
-              </a:cxn>
-              <a:cxn ang="0">
-                <a:pos x="connsiteX7" y="connsiteY7"/>
-              </a:cxn>
-              <a:cxn ang="0">
-                <a:pos x="connsiteX8" y="connsiteY8"/>
-              </a:cxn>
-              <a:cxn ang="0">
-                <a:pos x="connsiteX9" y="connsiteY9"/>
-              </a:cxn>
-            </a:cxnLst>
-            <a:rect l="l" t="t" r="r" b="b"/>
-            <a:pathLst>
-              <a:path w="9963150" h="6858000">
-                <a:moveTo>
-                  <a:pt x="1595771" y="0"/>
-                </a:moveTo>
-                <a:lnTo>
-                  <a:pt x="8367379" y="0"/>
-                </a:lnTo>
-                <a:lnTo>
-                  <a:pt x="8504080" y="130333"/>
-                </a:lnTo>
-                <a:cubicBezTo>
-                  <a:pt x="9405568" y="1031820"/>
-                  <a:pt x="9963150" y="2277214"/>
-                  <a:pt x="9963150" y="3652838"/>
-                </a:cubicBezTo>
-                <a:cubicBezTo>
-                  <a:pt x="9963150" y="4856509"/>
-                  <a:pt x="9536251" y="5960473"/>
-                  <a:pt x="8825600" y="6821583"/>
-                </a:cubicBezTo>
-                <a:lnTo>
-                  <a:pt x="8794055" y="6858000"/>
-                </a:lnTo>
-                <a:lnTo>
-                  <a:pt x="1169096" y="6858000"/>
-                </a:lnTo>
-                <a:lnTo>
-                  <a:pt x="1137550" y="6821583"/>
-                </a:lnTo>
-                <a:cubicBezTo>
-                  <a:pt x="426899" y="5960473"/>
-                  <a:pt x="0" y="4856509"/>
-                  <a:pt x="0" y="3652838"/>
-                </a:cubicBezTo>
-                <a:cubicBezTo>
-                  <a:pt x="0" y="2277214"/>
-                  <a:pt x="557582" y="1031820"/>
-                  <a:pt x="1459070" y="130333"/>
-                </a:cubicBezTo>
-                <a:close/>
-              </a:path>
-            </a:pathLst>
-          </a:custGeom>
-          <a:ln w="9525">
-            <a:noFill/>
-          </a:ln>
-          <a:effectLst/>
-        </p:spPr>
-        <p:style>
-          <a:lnRef idx="2">
-            <a:schemeClr val="accent1">
-              <a:shade val="50000"/>
-            </a:schemeClr>
-          </a:lnRef>
-          <a:fillRef idx="1">
-            <a:schemeClr val="accent1"/>
-          </a:fillRef>
-          <a:effectRef idx="0">
-            <a:schemeClr val="accent1"/>
-          </a:effectRef>
-          <a:fontRef idx="minor">
-            <a:schemeClr val="lt1"/>
-          </a:fontRef>
-        </p:style>
-        <p:txBody>
-          <a:bodyPr wrap="square" rtlCol="0" anchor="ctr">
-            <a:noAutofit/>
-          </a:bodyPr>
-          <a:lstStyle/>
-          <a:p>
-            <a:pPr marL="0" marR="0" lvl="0" indent="0" algn="ctr" defTabSz="914400" rtl="0" eaLnBrk="1" fontAlgn="auto" latinLnBrk="0" hangingPunct="1">
-              <a:lnSpc>
-                <a:spcPct val="100000"/>
-              </a:lnSpc>
-              <a:spcBef>
-                <a:spcPts val="0"/>
-              </a:spcBef>
-              <a:spcAft>
-                <a:spcPts val="0"/>
-              </a:spcAft>
-              <a:buClrTx/>
-              <a:buSzTx/>
-              <a:buFontTx/>
-              <a:buNone/>
-              <a:tabLst/>
-              <a:defRPr/>
-            </a:pPr>
-            <a:endParaRPr kumimoji="0" lang="en-US" sz="1800" b="0" i="0" u="none" strike="noStrike" kern="1200" cap="none" spc="0" normalizeH="0" baseline="0" noProof="0">
-              <a:ln>
-                <a:noFill/>
-              </a:ln>
-              <a:solidFill>
-                <a:prstClr val="white"/>
-              </a:solidFill>
-              <a:effectLst/>
-              <a:uLnTx/>
-              <a:uFillTx/>
-              <a:latin typeface="Calibri" panose="020F0502020204030204"/>
-              <a:ea typeface="+mn-ea"/>
-              <a:cs typeface="+mn-cs"/>
-            </a:endParaRPr>
-          </a:p>
-        </p:txBody>
-      </p:sp>
-      <p:sp>
-        <p:nvSpPr>
-          <p:cNvPr id="2" name="Title 1">
-            <a:extLst>
-              <a:ext uri="{FF2B5EF4-FFF2-40B4-BE49-F238E27FC236}">
-                <a16:creationId xmlns:a16="http://schemas.microsoft.com/office/drawing/2014/main" id="{1A324127-F3A0-40CC-B852-6BD29999703A}"/>
-              </a:ext>
-            </a:extLst>
-          </p:cNvPr>
-          <p:cNvSpPr>
-            <a:spLocks noGrp="1"/>
-          </p:cNvSpPr>
-          <p:nvPr>
-            <p:ph type="title"/>
-          </p:nvPr>
-        </p:nvSpPr>
-        <p:spPr>
-          <a:xfrm>
-            <a:off x="1524003" y="1999615"/>
-            <a:ext cx="9144000" cy="2764028"/>
-          </a:xfrm>
-        </p:spPr>
-        <p:txBody>
-          <a:bodyPr vert="horz" lIns="91440" tIns="45720" rIns="91440" bIns="45720" rtlCol="0" anchor="ctr">
-            <a:normAutofit/>
-          </a:bodyPr>
-          <a:lstStyle/>
-          <a:p>
-            <a:pPr algn="ctr"/>
-            <a:r>
-              <a:rPr lang="en-US" sz="7200" kern="1200">
-                <a:solidFill>
-                  <a:schemeClr val="tx1"/>
-                </a:solidFill>
-                <a:latin typeface="+mj-lt"/>
-                <a:ea typeface="+mj-ea"/>
-                <a:cs typeface="+mj-cs"/>
-              </a:rPr>
-              <a:t>Questions</a:t>
-            </a:r>
-          </a:p>
-        </p:txBody>
-      </p:sp>
-      <p:sp>
-        <p:nvSpPr>
-          <p:cNvPr id="13" name="Rectangle 12">
-            <a:extLst>
-              <a:ext uri="{FF2B5EF4-FFF2-40B4-BE49-F238E27FC236}">
-                <a16:creationId xmlns:a16="http://schemas.microsoft.com/office/drawing/2014/main" id="{3629484E-3792-4B3D-89AD-7C8A1ED0E0D4}"/>
-              </a:ext>
-              <a:ext uri="{C183D7F6-B498-43B3-948B-1728B52AA6E4}">
-                <adec:decorative xmlns:adec="http://schemas.microsoft.com/office/drawing/2017/decorative" val="1"/>
-              </a:ext>
-            </a:extLst>
-          </p:cNvPr>
-          <p:cNvSpPr>
-            <a:spLocks noGrp="1" noRot="1" noChangeAspect="1" noMove="1" noResize="1" noEditPoints="1" noAdjustHandles="1" noChangeArrowheads="1" noChangeShapeType="1" noTextEdit="1"/>
-          </p:cNvSpPr>
-          <p:nvPr>
-            <p:extLst>
-              <p:ext uri="{386F3935-93C4-4BCD-93E2-E3B085C9AB24}">
-                <p16:designElem xmlns:p16="http://schemas.microsoft.com/office/powerpoint/2015/main" val="1"/>
-              </p:ext>
-            </p:extLst>
-          </p:nvPr>
-        </p:nvSpPr>
-        <p:spPr>
-          <a:xfrm>
-            <a:off x="3718560" y="5524786"/>
-            <a:ext cx="4754880" cy="27432"/>
+            <a:off x="0" y="-3324"/>
+            <a:ext cx="12192000" cy="6861324"/>
           </a:xfrm>
           <a:prstGeom prst="rect">
             <a:avLst/>
           </a:prstGeom>
           <a:solidFill>
-            <a:schemeClr val="accent2"/>
+            <a:schemeClr val="tx1"/>
           </a:solidFill>
           <a:ln>
             <a:noFill/>
@@ -4644,40 +6964,179 @@
           <a:bodyPr rtlCol="0" anchor="ctr"/>
           <a:lstStyle/>
           <a:p>
-            <a:pPr marL="0" marR="0" lvl="0" indent="0" algn="ctr" defTabSz="914400" rtl="0" eaLnBrk="1" fontAlgn="auto" latinLnBrk="0" hangingPunct="1">
-              <a:lnSpc>
-                <a:spcPct val="100000"/>
-              </a:lnSpc>
-              <a:spcBef>
-                <a:spcPts val="0"/>
-              </a:spcBef>
-              <a:spcAft>
-                <a:spcPts val="0"/>
-              </a:spcAft>
-              <a:buClrTx/>
-              <a:buSzTx/>
-              <a:buFontTx/>
-              <a:buNone/>
-              <a:tabLst/>
-              <a:defRPr/>
-            </a:pPr>
-            <a:endParaRPr kumimoji="0" lang="en-US" sz="1800" b="0" i="0" u="none" strike="noStrike" kern="1200" cap="none" spc="0" normalizeH="0" baseline="0" noProof="0">
-              <a:ln>
-                <a:noFill/>
-              </a:ln>
-              <a:solidFill>
-                <a:prstClr val="white"/>
-              </a:solidFill>
-              <a:effectLst/>
-              <a:uLnTx/>
-              <a:uFillTx/>
-              <a:latin typeface="Calibri" panose="020F0502020204030204"/>
-              <a:ea typeface="+mn-ea"/>
-              <a:cs typeface="+mn-cs"/>
-            </a:endParaRPr>
-          </a:p>
-        </p:txBody>
-      </p:sp>
+            <a:pPr algn="ctr"/>
+            <a:endParaRPr lang="en-US"/>
+          </a:p>
+        </p:txBody>
+      </p:sp>
+      <p:sp>
+        <p:nvSpPr>
+          <p:cNvPr id="20" name="Rectangle 19">
+            <a:extLst>
+              <a:ext uri="{FF2B5EF4-FFF2-40B4-BE49-F238E27FC236}">
+                <a16:creationId xmlns:a16="http://schemas.microsoft.com/office/drawing/2014/main" id="{3E5445C6-DD42-4979-86FF-03730E8C6DB0}"/>
+              </a:ext>
+              <a:ext uri="{C183D7F6-B498-43B3-948B-1728B52AA6E4}">
+                <adec:decorative xmlns:adec="http://schemas.microsoft.com/office/drawing/2017/decorative" val="1"/>
+              </a:ext>
+            </a:extLst>
+          </p:cNvPr>
+          <p:cNvSpPr>
+            <a:spLocks noGrp="1" noRot="1" noChangeAspect="1" noMove="1" noResize="1" noEditPoints="1" noAdjustHandles="1" noChangeArrowheads="1" noChangeShapeType="1" noTextEdit="1"/>
+          </p:cNvSpPr>
+          <p:nvPr>
+            <p:extLst>
+              <p:ext uri="{386F3935-93C4-4BCD-93E2-E3B085C9AB24}">
+                <p16:designElem xmlns:p16="http://schemas.microsoft.com/office/powerpoint/2015/main" val="1"/>
+              </p:ext>
+            </p:extLst>
+          </p:nvPr>
+        </p:nvSpPr>
+        <p:spPr bwMode="ltGray">
+          <a:xfrm>
+            <a:off x="321734" y="321733"/>
+            <a:ext cx="11573488" cy="6214534"/>
+          </a:xfrm>
+          <a:prstGeom prst="rect">
+            <a:avLst/>
+          </a:prstGeom>
+          <a:solidFill>
+            <a:schemeClr val="bg1">
+              <a:lumMod val="75000"/>
+              <a:lumOff val="25000"/>
+            </a:schemeClr>
+          </a:solidFill>
+          <a:ln w="127000" cap="sq" cmpd="thinThick">
+            <a:solidFill>
+              <a:schemeClr val="bg1">
+                <a:lumMod val="75000"/>
+                <a:lumOff val="25000"/>
+              </a:schemeClr>
+            </a:solidFill>
+          </a:ln>
+        </p:spPr>
+        <p:style>
+          <a:lnRef idx="2">
+            <a:schemeClr val="accent1">
+              <a:shade val="50000"/>
+            </a:schemeClr>
+          </a:lnRef>
+          <a:fillRef idx="1">
+            <a:schemeClr val="accent1"/>
+          </a:fillRef>
+          <a:effectRef idx="0">
+            <a:schemeClr val="accent1"/>
+          </a:effectRef>
+          <a:fontRef idx="minor">
+            <a:schemeClr val="lt1"/>
+          </a:fontRef>
+        </p:style>
+        <p:txBody>
+          <a:bodyPr rtlCol="0" anchor="ctr"/>
+          <a:lstStyle/>
+          <a:p>
+            <a:pPr algn="ctr"/>
+            <a:endParaRPr lang="en-US"/>
+          </a:p>
+        </p:txBody>
+      </p:sp>
+      <p:sp>
+        <p:nvSpPr>
+          <p:cNvPr id="2" name="Title 1">
+            <a:extLst>
+              <a:ext uri="{FF2B5EF4-FFF2-40B4-BE49-F238E27FC236}">
+                <a16:creationId xmlns:a16="http://schemas.microsoft.com/office/drawing/2014/main" id="{1A324127-F3A0-40CC-B852-6BD29999703A}"/>
+              </a:ext>
+            </a:extLst>
+          </p:cNvPr>
+          <p:cNvSpPr>
+            <a:spLocks noGrp="1"/>
+          </p:cNvSpPr>
+          <p:nvPr>
+            <p:ph type="title"/>
+          </p:nvPr>
+        </p:nvSpPr>
+        <p:spPr>
+          <a:xfrm>
+            <a:off x="1524000" y="1122362"/>
+            <a:ext cx="9144000" cy="2840037"/>
+          </a:xfrm>
+        </p:spPr>
+        <p:txBody>
+          <a:bodyPr vert="horz" lIns="91440" tIns="45720" rIns="91440" bIns="45720" rtlCol="0" anchor="b">
+            <a:normAutofit/>
+          </a:bodyPr>
+          <a:lstStyle/>
+          <a:p>
+            <a:pPr algn="ctr"/>
+            <a:r>
+              <a:rPr lang="en-US" sz="5800" kern="1200">
+                <a:solidFill>
+                  <a:schemeClr val="tx1"/>
+                </a:solidFill>
+                <a:latin typeface="+mj-lt"/>
+                <a:ea typeface="+mj-ea"/>
+                <a:cs typeface="+mj-cs"/>
+              </a:rPr>
+              <a:t>Questions</a:t>
+            </a:r>
+          </a:p>
+        </p:txBody>
+      </p:sp>
+      <p:cxnSp>
+        <p:nvCxnSpPr>
+          <p:cNvPr id="22" name="Straight Connector 21">
+            <a:extLst>
+              <a:ext uri="{FF2B5EF4-FFF2-40B4-BE49-F238E27FC236}">
+                <a16:creationId xmlns:a16="http://schemas.microsoft.com/office/drawing/2014/main" id="{45000665-DFC7-417E-8FD7-516A0F15C975}"/>
+              </a:ext>
+              <a:ext uri="{C183D7F6-B498-43B3-948B-1728B52AA6E4}">
+                <adec:decorative xmlns:adec="http://schemas.microsoft.com/office/drawing/2017/decorative" val="1"/>
+              </a:ext>
+            </a:extLst>
+          </p:cNvPr>
+          <p:cNvCxnSpPr>
+            <a:cxnSpLocks noGrp="1" noRot="1" noChangeAspect="1" noMove="1" noResize="1" noEditPoints="1" noAdjustHandles="1" noChangeArrowheads="1" noChangeShapeType="1"/>
+          </p:cNvCxnSpPr>
+          <p:nvPr>
+            <p:extLst>
+              <p:ext uri="{386F3935-93C4-4BCD-93E2-E3B085C9AB24}">
+                <p16:designElem xmlns:p16="http://schemas.microsoft.com/office/powerpoint/2015/main" val="1"/>
+              </p:ext>
+            </p:extLst>
+          </p:nvPr>
+        </p:nvCxnSpPr>
+        <p:spPr>
+          <a:xfrm>
+            <a:off x="4724400" y="4109417"/>
+            <a:ext cx="2743200" cy="0"/>
+          </a:xfrm>
+          <a:prstGeom prst="line">
+            <a:avLst/>
+          </a:prstGeom>
+          <a:ln w="12700">
+            <a:solidFill>
+              <a:schemeClr val="tx1">
+                <a:lumMod val="85000"/>
+              </a:schemeClr>
+            </a:solidFill>
+          </a:ln>
+        </p:spPr>
+        <p:style>
+          <a:lnRef idx="1">
+            <a:schemeClr val="accent1"/>
+          </a:lnRef>
+          <a:fillRef idx="0">
+            <a:schemeClr val="accent1"/>
+          </a:fillRef>
+          <a:effectRef idx="0">
+            <a:schemeClr val="accent1"/>
+          </a:effectRef>
+          <a:fontRef idx="minor">
+            <a:schemeClr val="tx1"/>
+          </a:fontRef>
+        </p:style>
+      </p:cxnSp>
     </p:spTree>
     <p:extLst>
       <p:ext uri="{BB962C8B-B14F-4D97-AF65-F5344CB8AC3E}">
@@ -4686,7 +7145,7 @@
     </p:extLst>
   </p:cSld>
   <p:clrMapOvr>
-    <a:masterClrMapping/>
+    <a:overrideClrMapping bg1="dk1" tx1="lt1" bg2="dk2" tx2="lt2" accent1="accent1" accent2="accent2" accent3="accent3" accent4="accent4" accent5="accent5" accent6="accent6" hlink="hlink" folHlink="folHlink"/>
   </p:clrMapOvr>
 </p:sld>
 </file>
@@ -4716,12 +7175,12 @@
           <a:chExt cx="0" cy="0"/>
         </a:xfrm>
       </p:grpSpPr>
-      <p:sp useBgFill="1">
-        <p:nvSpPr>
-          <p:cNvPr id="8" name="Rectangle 7">
-            <a:extLst>
-              <a:ext uri="{FF2B5EF4-FFF2-40B4-BE49-F238E27FC236}">
-                <a16:creationId xmlns:a16="http://schemas.microsoft.com/office/drawing/2014/main" id="{1C799903-48D5-4A31-A1A2-541072D9771E}"/>
+      <p:sp>
+        <p:nvSpPr>
+          <p:cNvPr id="26" name="Rectangle 25">
+            <a:extLst>
+              <a:ext uri="{FF2B5EF4-FFF2-40B4-BE49-F238E27FC236}">
+                <a16:creationId xmlns:a16="http://schemas.microsoft.com/office/drawing/2014/main" id="{F98ED85F-DCEE-4B50-802E-71A6E3E12B04}"/>
               </a:ext>
               <a:ext uri="{C183D7F6-B498-43B3-948B-1728B52AA6E4}">
                 <adec:decorative xmlns:adec="http://schemas.microsoft.com/office/drawing/2017/decorative" val="1"/>
@@ -4739,16 +7198,27 @@
             </p:extLst>
           </p:nvPr>
         </p:nvSpPr>
-        <p:spPr>
+        <p:spPr bwMode="ltGray">
           <a:xfrm>
-            <a:off x="0" y="0"/>
-            <a:ext cx="12192002" cy="6858000"/>
+            <a:off x="321564" y="320040"/>
+            <a:ext cx="11548872" cy="6217920"/>
           </a:xfrm>
           <a:prstGeom prst="rect">
             <a:avLst/>
           </a:prstGeom>
-          <a:ln>
-            <a:noFill/>
+          <a:solidFill>
+            <a:schemeClr val="tx1">
+              <a:lumMod val="75000"/>
+              <a:lumOff val="25000"/>
+            </a:schemeClr>
+          </a:solidFill>
+          <a:ln w="127000" cap="sq" cmpd="thinThick">
+            <a:solidFill>
+              <a:schemeClr val="tx1">
+                <a:lumMod val="75000"/>
+                <a:lumOff val="25000"/>
+              </a:schemeClr>
+            </a:solidFill>
           </a:ln>
         </p:spPr>
         <p:style>
@@ -4776,464 +7246,26 @@
           </a:p>
         </p:txBody>
       </p:sp>
-      <p:sp useBgFill="1">
-        <p:nvSpPr>
-          <p:cNvPr id="10" name="Freeform: Shape 9">
-            <a:extLst>
-              <a:ext uri="{FF2B5EF4-FFF2-40B4-BE49-F238E27FC236}">
-                <a16:creationId xmlns:a16="http://schemas.microsoft.com/office/drawing/2014/main" id="{8EFFF109-FC58-4FD3-BE05-9775A1310F55}"/>
-              </a:ext>
-              <a:ext uri="{C183D7F6-B498-43B3-948B-1728B52AA6E4}">
-                <adec:decorative xmlns:adec="http://schemas.microsoft.com/office/drawing/2017/decorative" val="1"/>
-              </a:ext>
-            </a:extLst>
-          </p:cNvPr>
-          <p:cNvSpPr>
-            <a:spLocks noGrp="1" noRot="1" noChangeAspect="1" noMove="1" noResize="1" noEditPoints="1" noAdjustHandles="1" noChangeArrowheads="1" noChangeShapeType="1" noTextEdit="1"/>
-          </p:cNvSpPr>
-          <p:nvPr>
-            <p:extLst>
-              <p:ext uri="{386F3935-93C4-4BCD-93E2-E3B085C9AB24}">
-                <p16:designElem xmlns:p16="http://schemas.microsoft.com/office/powerpoint/2015/main" val="1"/>
-              </p:ext>
-            </p:extLst>
+      <p:sp>
+        <p:nvSpPr>
+          <p:cNvPr id="2" name="Title 1">
+            <a:extLst>
+              <a:ext uri="{FF2B5EF4-FFF2-40B4-BE49-F238E27FC236}">
+                <a16:creationId xmlns:a16="http://schemas.microsoft.com/office/drawing/2014/main" id="{C12D90D7-8B0A-4AB5-B7AE-D3BB88545A66}"/>
+              </a:ext>
+            </a:extLst>
+          </p:cNvPr>
+          <p:cNvSpPr>
+            <a:spLocks noGrp="1"/>
+          </p:cNvSpPr>
+          <p:nvPr>
+            <p:ph type="title"/>
           </p:nvPr>
         </p:nvSpPr>
         <p:spPr>
           <a:xfrm>
-            <a:off x="-1" y="0"/>
-            <a:ext cx="4818889" cy="6858000"/>
-          </a:xfrm>
-          <a:custGeom>
-            <a:avLst/>
-            <a:gdLst>
-              <a:gd name="connsiteX0" fmla="*/ 0 w 4818889"/>
-              <a:gd name="connsiteY0" fmla="*/ 0 h 6858000"/>
-              <a:gd name="connsiteX1" fmla="*/ 3605911 w 4818889"/>
-              <a:gd name="connsiteY1" fmla="*/ 0 h 6858000"/>
-              <a:gd name="connsiteX2" fmla="*/ 3668894 w 4818889"/>
-              <a:gd name="connsiteY2" fmla="*/ 69271 h 6858000"/>
-              <a:gd name="connsiteX3" fmla="*/ 4818889 w 4818889"/>
-              <a:gd name="connsiteY3" fmla="*/ 3429000 h 6858000"/>
-              <a:gd name="connsiteX4" fmla="*/ 3668894 w 4818889"/>
-              <a:gd name="connsiteY4" fmla="*/ 6788730 h 6858000"/>
-              <a:gd name="connsiteX5" fmla="*/ 3605911 w 4818889"/>
-              <a:gd name="connsiteY5" fmla="*/ 6858000 h 6858000"/>
-              <a:gd name="connsiteX6" fmla="*/ 0 w 4818889"/>
-              <a:gd name="connsiteY6" fmla="*/ 6858000 h 6858000"/>
-            </a:gdLst>
-            <a:ahLst/>
-            <a:cxnLst>
-              <a:cxn ang="0">
-                <a:pos x="connsiteX0" y="connsiteY0"/>
-              </a:cxn>
-              <a:cxn ang="0">
-                <a:pos x="connsiteX1" y="connsiteY1"/>
-              </a:cxn>
-              <a:cxn ang="0">
-                <a:pos x="connsiteX2" y="connsiteY2"/>
-              </a:cxn>
-              <a:cxn ang="0">
-                <a:pos x="connsiteX3" y="connsiteY3"/>
-              </a:cxn>
-              <a:cxn ang="0">
-                <a:pos x="connsiteX4" y="connsiteY4"/>
-              </a:cxn>
-              <a:cxn ang="0">
-                <a:pos x="connsiteX5" y="connsiteY5"/>
-              </a:cxn>
-              <a:cxn ang="0">
-                <a:pos x="connsiteX6" y="connsiteY6"/>
-              </a:cxn>
-            </a:cxnLst>
-            <a:rect l="l" t="t" r="r" b="b"/>
-            <a:pathLst>
-              <a:path w="4818889" h="6858000">
-                <a:moveTo>
-                  <a:pt x="0" y="0"/>
-                </a:moveTo>
-                <a:lnTo>
-                  <a:pt x="3605911" y="0"/>
-                </a:lnTo>
-                <a:lnTo>
-                  <a:pt x="3668894" y="69271"/>
-                </a:lnTo>
-                <a:cubicBezTo>
-                  <a:pt x="4379420" y="929100"/>
-                  <a:pt x="4818889" y="2116944"/>
-                  <a:pt x="4818889" y="3429000"/>
-                </a:cubicBezTo>
-                <a:cubicBezTo>
-                  <a:pt x="4818889" y="4741056"/>
-                  <a:pt x="4379420" y="5928900"/>
-                  <a:pt x="3668894" y="6788730"/>
-                </a:cubicBezTo>
-                <a:lnTo>
-                  <a:pt x="3605911" y="6858000"/>
-                </a:lnTo>
-                <a:lnTo>
-                  <a:pt x="0" y="6858000"/>
-                </a:lnTo>
-                <a:close/>
-              </a:path>
-            </a:pathLst>
-          </a:custGeom>
-          <a:ln w="9525">
-            <a:solidFill>
-              <a:srgbClr val="E6E6E6"/>
-            </a:solidFill>
-          </a:ln>
-          <a:effectLst>
-            <a:outerShdw blurRad="50800" dist="38100" algn="l" rotWithShape="0">
-              <a:schemeClr val="bg1">
-                <a:lumMod val="85000"/>
-                <a:alpha val="50000"/>
-              </a:schemeClr>
-            </a:outerShdw>
-          </a:effectLst>
-        </p:spPr>
-        <p:style>
-          <a:lnRef idx="2">
-            <a:schemeClr val="accent1">
-              <a:shade val="50000"/>
-            </a:schemeClr>
-          </a:lnRef>
-          <a:fillRef idx="1">
-            <a:schemeClr val="accent1"/>
-          </a:fillRef>
-          <a:effectRef idx="0">
-            <a:schemeClr val="accent1"/>
-          </a:effectRef>
-          <a:fontRef idx="minor">
-            <a:schemeClr val="lt1"/>
-          </a:fontRef>
-        </p:style>
-        <p:txBody>
-          <a:bodyPr wrap="square" rtlCol="0" anchor="ctr">
-            <a:noAutofit/>
-          </a:bodyPr>
-          <a:lstStyle/>
-          <a:p>
-            <a:pPr marL="0" marR="0" lvl="0" indent="0" algn="ctr" defTabSz="914400" rtl="0" eaLnBrk="1" fontAlgn="auto" latinLnBrk="0" hangingPunct="1">
-              <a:lnSpc>
-                <a:spcPct val="100000"/>
-              </a:lnSpc>
-              <a:spcBef>
-                <a:spcPts val="0"/>
-              </a:spcBef>
-              <a:spcAft>
-                <a:spcPts val="0"/>
-              </a:spcAft>
-              <a:buClrTx/>
-              <a:buSzTx/>
-              <a:buFontTx/>
-              <a:buNone/>
-              <a:tabLst/>
-              <a:defRPr/>
-            </a:pPr>
-            <a:endParaRPr kumimoji="0" lang="en-US" sz="1800" b="0" i="0" u="none" strike="noStrike" kern="1200" cap="none" spc="0" normalizeH="0" baseline="0" noProof="0">
-              <a:ln>
-                <a:noFill/>
-              </a:ln>
-              <a:solidFill>
-                <a:prstClr val="white"/>
-              </a:solidFill>
-              <a:effectLst/>
-              <a:uLnTx/>
-              <a:uFillTx/>
-              <a:latin typeface="Calibri" panose="020F0502020204030204"/>
-              <a:ea typeface="+mn-ea"/>
-              <a:cs typeface="+mn-cs"/>
-            </a:endParaRPr>
-          </a:p>
-        </p:txBody>
-      </p:sp>
-      <p:sp useBgFill="1">
-        <p:nvSpPr>
-          <p:cNvPr id="12" name="Freeform: Shape 11">
-            <a:extLst>
-              <a:ext uri="{FF2B5EF4-FFF2-40B4-BE49-F238E27FC236}">
-                <a16:creationId xmlns:a16="http://schemas.microsoft.com/office/drawing/2014/main" id="{E1B96AD6-92A9-4273-A62B-96A1C3E0BA95}"/>
-              </a:ext>
-              <a:ext uri="{C183D7F6-B498-43B3-948B-1728B52AA6E4}">
-                <adec:decorative xmlns:adec="http://schemas.microsoft.com/office/drawing/2017/decorative" val="1"/>
-              </a:ext>
-            </a:extLst>
-          </p:cNvPr>
-          <p:cNvSpPr>
-            <a:spLocks noGrp="1" noRot="1" noChangeAspect="1" noMove="1" noResize="1" noEditPoints="1" noAdjustHandles="1" noChangeArrowheads="1" noChangeShapeType="1" noTextEdit="1"/>
-          </p:cNvSpPr>
-          <p:nvPr>
-            <p:extLst>
-              <p:ext uri="{386F3935-93C4-4BCD-93E2-E3B085C9AB24}">
-                <p16:designElem xmlns:p16="http://schemas.microsoft.com/office/powerpoint/2015/main" val="1"/>
-              </p:ext>
-            </p:extLst>
-          </p:nvPr>
-        </p:nvSpPr>
-        <p:spPr>
-          <a:xfrm>
-            <a:off x="1" y="0"/>
-            <a:ext cx="4811477" cy="6858000"/>
-          </a:xfrm>
-          <a:custGeom>
-            <a:avLst/>
-            <a:gdLst>
-              <a:gd name="connsiteX0" fmla="*/ 0 w 4811477"/>
-              <a:gd name="connsiteY0" fmla="*/ 0 h 6858000"/>
-              <a:gd name="connsiteX1" fmla="*/ 3598499 w 4811477"/>
-              <a:gd name="connsiteY1" fmla="*/ 0 h 6858000"/>
-              <a:gd name="connsiteX2" fmla="*/ 3661482 w 4811477"/>
-              <a:gd name="connsiteY2" fmla="*/ 69271 h 6858000"/>
-              <a:gd name="connsiteX3" fmla="*/ 4811477 w 4811477"/>
-              <a:gd name="connsiteY3" fmla="*/ 3429000 h 6858000"/>
-              <a:gd name="connsiteX4" fmla="*/ 3661482 w 4811477"/>
-              <a:gd name="connsiteY4" fmla="*/ 6788730 h 6858000"/>
-              <a:gd name="connsiteX5" fmla="*/ 3598499 w 4811477"/>
-              <a:gd name="connsiteY5" fmla="*/ 6858000 h 6858000"/>
-              <a:gd name="connsiteX6" fmla="*/ 0 w 4811477"/>
-              <a:gd name="connsiteY6" fmla="*/ 6858000 h 6858000"/>
-            </a:gdLst>
-            <a:ahLst/>
-            <a:cxnLst>
-              <a:cxn ang="0">
-                <a:pos x="connsiteX0" y="connsiteY0"/>
-              </a:cxn>
-              <a:cxn ang="0">
-                <a:pos x="connsiteX1" y="connsiteY1"/>
-              </a:cxn>
-              <a:cxn ang="0">
-                <a:pos x="connsiteX2" y="connsiteY2"/>
-              </a:cxn>
-              <a:cxn ang="0">
-                <a:pos x="connsiteX3" y="connsiteY3"/>
-              </a:cxn>
-              <a:cxn ang="0">
-                <a:pos x="connsiteX4" y="connsiteY4"/>
-              </a:cxn>
-              <a:cxn ang="0">
-                <a:pos x="connsiteX5" y="connsiteY5"/>
-              </a:cxn>
-              <a:cxn ang="0">
-                <a:pos x="connsiteX6" y="connsiteY6"/>
-              </a:cxn>
-            </a:cxnLst>
-            <a:rect l="l" t="t" r="r" b="b"/>
-            <a:pathLst>
-              <a:path w="4811477" h="6858000">
-                <a:moveTo>
-                  <a:pt x="0" y="0"/>
-                </a:moveTo>
-                <a:lnTo>
-                  <a:pt x="3598499" y="0"/>
-                </a:lnTo>
-                <a:lnTo>
-                  <a:pt x="3661482" y="69271"/>
-                </a:lnTo>
-                <a:cubicBezTo>
-                  <a:pt x="4372008" y="929100"/>
-                  <a:pt x="4811477" y="2116944"/>
-                  <a:pt x="4811477" y="3429000"/>
-                </a:cubicBezTo>
-                <a:cubicBezTo>
-                  <a:pt x="4811477" y="4741056"/>
-                  <a:pt x="4372008" y="5928900"/>
-                  <a:pt x="3661482" y="6788730"/>
-                </a:cubicBezTo>
-                <a:lnTo>
-                  <a:pt x="3598499" y="6858000"/>
-                </a:lnTo>
-                <a:lnTo>
-                  <a:pt x="0" y="6858000"/>
-                </a:lnTo>
-                <a:close/>
-              </a:path>
-            </a:pathLst>
-          </a:custGeom>
-          <a:ln w="9525">
-            <a:noFill/>
-          </a:ln>
-          <a:effectLst/>
-        </p:spPr>
-        <p:style>
-          <a:lnRef idx="2">
-            <a:schemeClr val="accent1">
-              <a:shade val="50000"/>
-            </a:schemeClr>
-          </a:lnRef>
-          <a:fillRef idx="1">
-            <a:schemeClr val="accent1"/>
-          </a:fillRef>
-          <a:effectRef idx="0">
-            <a:schemeClr val="accent1"/>
-          </a:effectRef>
-          <a:fontRef idx="minor">
-            <a:schemeClr val="lt1"/>
-          </a:fontRef>
-        </p:style>
-        <p:txBody>
-          <a:bodyPr wrap="square" rtlCol="0" anchor="ctr">
-            <a:noAutofit/>
-          </a:bodyPr>
-          <a:lstStyle/>
-          <a:p>
-            <a:pPr marL="0" marR="0" lvl="0" indent="0" algn="ctr" defTabSz="914400" rtl="0" eaLnBrk="1" fontAlgn="auto" latinLnBrk="0" hangingPunct="1">
-              <a:lnSpc>
-                <a:spcPct val="100000"/>
-              </a:lnSpc>
-              <a:spcBef>
-                <a:spcPts val="0"/>
-              </a:spcBef>
-              <a:spcAft>
-                <a:spcPts val="0"/>
-              </a:spcAft>
-              <a:buClrTx/>
-              <a:buSzTx/>
-              <a:buFontTx/>
-              <a:buNone/>
-              <a:tabLst/>
-              <a:defRPr/>
-            </a:pPr>
-            <a:endParaRPr kumimoji="0" lang="en-US" sz="1800" b="0" i="0" u="none" strike="noStrike" kern="1200" cap="none" spc="0" normalizeH="0" baseline="0" noProof="0">
-              <a:ln>
-                <a:noFill/>
-              </a:ln>
-              <a:solidFill>
-                <a:prstClr val="white"/>
-              </a:solidFill>
-              <a:effectLst/>
-              <a:uLnTx/>
-              <a:uFillTx/>
-              <a:latin typeface="Calibri" panose="020F0502020204030204"/>
-              <a:ea typeface="+mn-ea"/>
-              <a:cs typeface="+mn-cs"/>
-            </a:endParaRPr>
-          </a:p>
-        </p:txBody>
-      </p:sp>
-      <p:sp>
-        <p:nvSpPr>
-          <p:cNvPr id="2" name="Title 1">
-            <a:extLst>
-              <a:ext uri="{FF2B5EF4-FFF2-40B4-BE49-F238E27FC236}">
-                <a16:creationId xmlns:a16="http://schemas.microsoft.com/office/drawing/2014/main" id="{C12D90D7-8B0A-4AB5-B7AE-D3BB88545A66}"/>
-              </a:ext>
-            </a:extLst>
-          </p:cNvPr>
-          <p:cNvSpPr>
-            <a:spLocks noGrp="1"/>
-          </p:cNvSpPr>
-          <p:nvPr>
-            <p:ph type="title"/>
-          </p:nvPr>
-        </p:nvSpPr>
-        <p:spPr>
-          <a:xfrm>
-            <a:off x="621792" y="1161288"/>
-            <a:ext cx="3602736" cy="4526280"/>
-          </a:xfrm>
-        </p:spPr>
-        <p:txBody>
-          <a:bodyPr>
-            <a:normAutofit/>
-          </a:bodyPr>
-          <a:lstStyle/>
-          <a:p>
-            <a:r>
-              <a:rPr lang="en-US" sz="4000"/>
-              <a:t>Agenda</a:t>
-            </a:r>
-          </a:p>
-        </p:txBody>
-      </p:sp>
-      <p:sp>
-        <p:nvSpPr>
-          <p:cNvPr id="14" name="Rectangle 13">
-            <a:extLst>
-              <a:ext uri="{FF2B5EF4-FFF2-40B4-BE49-F238E27FC236}">
-                <a16:creationId xmlns:a16="http://schemas.microsoft.com/office/drawing/2014/main" id="{463EEC44-1BA3-44ED-81FC-A644B04B2A44}"/>
-              </a:ext>
-              <a:ext uri="{C183D7F6-B498-43B3-948B-1728B52AA6E4}">
-                <adec:decorative xmlns:adec="http://schemas.microsoft.com/office/drawing/2017/decorative" val="1"/>
-              </a:ext>
-            </a:extLst>
-          </p:cNvPr>
-          <p:cNvSpPr>
-            <a:spLocks noGrp="1" noRot="1" noChangeAspect="1" noMove="1" noResize="1" noEditPoints="1" noAdjustHandles="1" noChangeArrowheads="1" noChangeShapeType="1" noTextEdit="1"/>
-          </p:cNvSpPr>
-          <p:nvPr>
-            <p:extLst>
-              <p:ext uri="{386F3935-93C4-4BCD-93E2-E3B085C9AB24}">
-                <p16:designElem xmlns:p16="http://schemas.microsoft.com/office/powerpoint/2015/main" val="1"/>
-              </p:ext>
-            </p:extLst>
-          </p:nvPr>
-        </p:nvSpPr>
-        <p:spPr>
-          <a:xfrm>
-            <a:off x="0" y="3102049"/>
-            <a:ext cx="128016" cy="653903"/>
-          </a:xfrm>
-          <a:prstGeom prst="rect">
-            <a:avLst/>
-          </a:prstGeom>
-          <a:solidFill>
-            <a:schemeClr val="accent2"/>
-          </a:solidFill>
-          <a:ln>
-            <a:noFill/>
-          </a:ln>
-        </p:spPr>
-        <p:style>
-          <a:lnRef idx="2">
-            <a:schemeClr val="accent1">
-              <a:shade val="50000"/>
-            </a:schemeClr>
-          </a:lnRef>
-          <a:fillRef idx="1">
-            <a:schemeClr val="accent1"/>
-          </a:fillRef>
-          <a:effectRef idx="0">
-            <a:schemeClr val="accent1"/>
-          </a:effectRef>
-          <a:fontRef idx="minor">
-            <a:schemeClr val="lt1"/>
-          </a:fontRef>
-        </p:style>
-        <p:txBody>
-          <a:bodyPr rtlCol="0" anchor="ctr"/>
-          <a:lstStyle/>
-          <a:p>
-            <a:pPr algn="ctr"/>
-            <a:endParaRPr lang="en-US">
-              <a:solidFill>
-                <a:prstClr val="white"/>
-              </a:solidFill>
-              <a:latin typeface="Calibri" panose="020F0502020204030204"/>
-            </a:endParaRPr>
-          </a:p>
-        </p:txBody>
-      </p:sp>
-      <p:sp>
-        <p:nvSpPr>
-          <p:cNvPr id="3" name="Content Placeholder 2">
-            <a:extLst>
-              <a:ext uri="{FF2B5EF4-FFF2-40B4-BE49-F238E27FC236}">
-                <a16:creationId xmlns:a16="http://schemas.microsoft.com/office/drawing/2014/main" id="{95C30AB2-0D5F-44FD-B311-842560FA38CF}"/>
-              </a:ext>
-            </a:extLst>
-          </p:cNvPr>
-          <p:cNvSpPr>
-            <a:spLocks noGrp="1"/>
-          </p:cNvSpPr>
-          <p:nvPr>
-            <p:ph idx="1"/>
-          </p:nvPr>
-        </p:nvSpPr>
-        <p:spPr>
-          <a:xfrm>
-            <a:off x="5434149" y="932688"/>
-            <a:ext cx="5916603" cy="4992624"/>
+            <a:off x="838200" y="1129284"/>
+            <a:ext cx="4114800" cy="4599432"/>
           </a:xfrm>
         </p:spPr>
         <p:txBody>
@@ -5243,56 +7275,130 @@
           <a:lstStyle/>
           <a:p>
             <a:r>
-              <a:rPr lang="en-US" sz="2000" dirty="0"/>
+              <a:rPr lang="en-US" sz="4800">
+                <a:solidFill>
+                  <a:schemeClr val="bg1"/>
+                </a:solidFill>
+              </a:rPr>
+              <a:t>Agenda</a:t>
+            </a:r>
+          </a:p>
+        </p:txBody>
+      </p:sp>
+      <p:sp>
+        <p:nvSpPr>
+          <p:cNvPr id="3" name="Content Placeholder 2">
+            <a:extLst>
+              <a:ext uri="{FF2B5EF4-FFF2-40B4-BE49-F238E27FC236}">
+                <a16:creationId xmlns:a16="http://schemas.microsoft.com/office/drawing/2014/main" id="{95C30AB2-0D5F-44FD-B311-842560FA38CF}"/>
+              </a:ext>
+            </a:extLst>
+          </p:cNvPr>
+          <p:cNvSpPr>
+            <a:spLocks noGrp="1"/>
+          </p:cNvSpPr>
+          <p:nvPr>
+            <p:ph idx="1"/>
+          </p:nvPr>
+        </p:nvSpPr>
+        <p:spPr>
+          <a:xfrm>
+            <a:off x="5936104" y="1131482"/>
+            <a:ext cx="5417695" cy="4595037"/>
+          </a:xfrm>
+        </p:spPr>
+        <p:txBody>
+          <a:bodyPr anchor="ctr">
+            <a:normAutofit/>
+          </a:bodyPr>
+          <a:lstStyle/>
+          <a:p>
+            <a:r>
+              <a:rPr lang="en-US" sz="2400">
+                <a:solidFill>
+                  <a:schemeClr val="bg1"/>
+                </a:solidFill>
+              </a:rPr>
               <a:t>Brief History</a:t>
             </a:r>
           </a:p>
           <a:p>
             <a:r>
-              <a:rPr lang="en-US" sz="2000" dirty="0"/>
+              <a:rPr lang="en-US" sz="2400">
+                <a:solidFill>
+                  <a:schemeClr val="bg1"/>
+                </a:solidFill>
+              </a:rPr>
+              <a:t>Architectural Concepts</a:t>
+            </a:r>
+          </a:p>
+          <a:p>
+            <a:r>
+              <a:rPr lang="en-US" sz="2400">
+                <a:solidFill>
+                  <a:schemeClr val="bg1"/>
+                </a:solidFill>
+              </a:rPr>
               <a:t>Practical Use Cases</a:t>
             </a:r>
           </a:p>
           <a:p>
             <a:r>
-              <a:rPr lang="en-US" sz="2000" dirty="0"/>
-              <a:t>Architectural Concepts</a:t>
-            </a:r>
-          </a:p>
-          <a:p>
-            <a:r>
-              <a:rPr lang="en-US" sz="2000" dirty="0"/>
+              <a:rPr lang="en-US" sz="2400">
+                <a:solidFill>
+                  <a:schemeClr val="bg1"/>
+                </a:solidFill>
+              </a:rPr>
               <a:t>.NET Implementations</a:t>
             </a:r>
           </a:p>
           <a:p>
             <a:r>
-              <a:rPr lang="en-US" sz="2000" dirty="0"/>
+              <a:rPr lang="en-US" sz="2400">
+                <a:solidFill>
+                  <a:schemeClr val="bg1"/>
+                </a:solidFill>
+              </a:rPr>
               <a:t>Akka.NET</a:t>
             </a:r>
           </a:p>
           <a:p>
             <a:r>
-              <a:rPr lang="en-US" sz="2000" dirty="0"/>
+              <a:rPr lang="en-US" sz="2400">
+                <a:solidFill>
+                  <a:schemeClr val="bg1"/>
+                </a:solidFill>
+              </a:rPr>
               <a:t>Orleans.NET</a:t>
             </a:r>
           </a:p>
           <a:p>
             <a:r>
-              <a:rPr lang="en-US" sz="2000" dirty="0"/>
+              <a:rPr lang="en-US" sz="2400">
+                <a:solidFill>
+                  <a:schemeClr val="bg1"/>
+                </a:solidFill>
+              </a:rPr>
               <a:t>Trade-offs</a:t>
             </a:r>
           </a:p>
           <a:p>
             <a:r>
-              <a:rPr lang="en-US" sz="2000"/>
+              <a:rPr lang="en-US" sz="2400">
+                <a:solidFill>
+                  <a:schemeClr val="bg1"/>
+                </a:solidFill>
+              </a:rPr>
               <a:t>Demo</a:t>
             </a:r>
-            <a:endParaRPr lang="en-US" sz="2000" dirty="0"/>
-          </a:p>
-          <a:p>
-            <a:r>
-              <a:rPr lang="en-US" sz="2000" dirty="0"/>
+          </a:p>
+          <a:p>
+            <a:r>
+              <a:rPr lang="en-US" sz="2400">
+                <a:solidFill>
+                  <a:schemeClr val="bg1"/>
+                </a:solidFill>
+              </a:rPr>
               <a:t>Questions</a:t>
             </a:r>
           </a:p>
@@ -5336,12 +7442,12 @@
           <a:chExt cx="0" cy="0"/>
         </a:xfrm>
       </p:grpSpPr>
-      <p:sp useBgFill="1">
-        <p:nvSpPr>
-          <p:cNvPr id="19" name="Rectangle 18">
-            <a:extLst>
-              <a:ext uri="{FF2B5EF4-FFF2-40B4-BE49-F238E27FC236}">
-                <a16:creationId xmlns:a16="http://schemas.microsoft.com/office/drawing/2014/main" id="{DAF1966E-FD40-4A4A-B61B-C4DF7FA05F06}"/>
+      <p:sp>
+        <p:nvSpPr>
+          <p:cNvPr id="30" name="Rectangle 29">
+            <a:extLst>
+              <a:ext uri="{FF2B5EF4-FFF2-40B4-BE49-F238E27FC236}">
+                <a16:creationId xmlns:a16="http://schemas.microsoft.com/office/drawing/2014/main" id="{F98ED85F-DCEE-4B50-802E-71A6E3E12B04}"/>
               </a:ext>
               <a:ext uri="{C183D7F6-B498-43B3-948B-1728B52AA6E4}">
                 <adec:decorative xmlns:adec="http://schemas.microsoft.com/office/drawing/2017/decorative" val="1"/>
@@ -5359,16 +7465,27 @@
             </p:extLst>
           </p:nvPr>
         </p:nvSpPr>
-        <p:spPr>
+        <p:spPr bwMode="ltGray">
           <a:xfrm>
-            <a:off x="0" y="0"/>
-            <a:ext cx="12192000" cy="6858000"/>
+            <a:off x="321564" y="320040"/>
+            <a:ext cx="11548872" cy="6217920"/>
           </a:xfrm>
           <a:prstGeom prst="rect">
             <a:avLst/>
           </a:prstGeom>
-          <a:ln>
-            <a:noFill/>
+          <a:solidFill>
+            <a:schemeClr val="tx1">
+              <a:lumMod val="75000"/>
+              <a:lumOff val="25000"/>
+            </a:schemeClr>
+          </a:solidFill>
+          <a:ln w="127000" cap="sq" cmpd="thinThick">
+            <a:solidFill>
+              <a:schemeClr val="tx1">
+                <a:lumMod val="75000"/>
+                <a:lumOff val="25000"/>
+              </a:schemeClr>
+            </a:solidFill>
           </a:ln>
         </p:spPr>
         <p:style>
@@ -5396,21 +7513,60 @@
           </a:p>
         </p:txBody>
       </p:sp>
-      <p:sp useBgFill="1">
-        <p:nvSpPr>
-          <p:cNvPr id="21" name="Rectangle 20">
-            <a:extLst>
-              <a:ext uri="{FF2B5EF4-FFF2-40B4-BE49-F238E27FC236}">
-                <a16:creationId xmlns:a16="http://schemas.microsoft.com/office/drawing/2014/main" id="{047BFA19-D45E-416B-A404-7AF2F3F27017}"/>
+      <p:sp>
+        <p:nvSpPr>
+          <p:cNvPr id="2" name="Title 1">
+            <a:extLst>
+              <a:ext uri="{FF2B5EF4-FFF2-40B4-BE49-F238E27FC236}">
+                <a16:creationId xmlns:a16="http://schemas.microsoft.com/office/drawing/2014/main" id="{1A324127-F3A0-40CC-B852-6BD29999703A}"/>
+              </a:ext>
+            </a:extLst>
+          </p:cNvPr>
+          <p:cNvSpPr>
+            <a:spLocks noGrp="1"/>
+          </p:cNvSpPr>
+          <p:nvPr>
+            <p:ph type="title"/>
+          </p:nvPr>
+        </p:nvSpPr>
+        <p:spPr>
+          <a:xfrm>
+            <a:off x="838200" y="631825"/>
+            <a:ext cx="10515600" cy="1325563"/>
+          </a:xfrm>
+        </p:spPr>
+        <p:txBody>
+          <a:bodyPr>
+            <a:normAutofit/>
+          </a:bodyPr>
+          <a:lstStyle/>
+          <a:p>
+            <a:r>
+              <a:rPr lang="en-US">
+                <a:solidFill>
+                  <a:schemeClr val="bg1"/>
+                </a:solidFill>
+              </a:rPr>
+              <a:t>Brief History</a:t>
+            </a:r>
+          </a:p>
+        </p:txBody>
+      </p:sp>
+      <p:cxnSp>
+        <p:nvCxnSpPr>
+          <p:cNvPr id="32" name="Straight Connector 31">
+            <a:extLst>
+              <a:ext uri="{FF2B5EF4-FFF2-40B4-BE49-F238E27FC236}">
+                <a16:creationId xmlns:a16="http://schemas.microsoft.com/office/drawing/2014/main" id="{E8E35B83-1EC3-4F87-9D54-D863463351B9}"/>
               </a:ext>
               <a:ext uri="{C183D7F6-B498-43B3-948B-1728B52AA6E4}">
                 <adec:decorative xmlns:adec="http://schemas.microsoft.com/office/drawing/2017/decorative" val="1"/>
               </a:ext>
             </a:extLst>
           </p:cNvPr>
-          <p:cNvSpPr>
-            <a:spLocks noGrp="1" noRot="1" noChangeAspect="1" noMove="1" noResize="1" noEditPoints="1" noAdjustHandles="1" noChangeArrowheads="1" noChangeShapeType="1" noTextEdit="1"/>
-          </p:cNvSpPr>
+          <p:cNvCxnSpPr>
+            <a:cxnSpLocks noGrp="1" noRot="1" noChangeAspect="1" noMove="1" noResize="1" noEditPoints="1" noAdjustHandles="1" noChangeArrowheads="1" noChangeShapeType="1"/>
+          </p:cNvCxnSpPr>
           <p:nvPr>
             <p:extLst>
               <p:ext uri="{386F3935-93C4-4BCD-93E2-E3B085C9AB24}">
@@ -5418,89 +7574,136 @@
               </p:ext>
             </p:extLst>
           </p:nvPr>
-        </p:nvSpPr>
+        </p:nvCxnSpPr>
         <p:spPr>
           <a:xfrm>
-            <a:off x="558209" y="0"/>
-            <a:ext cx="11167447" cy="2018806"/>
+            <a:off x="897636" y="1957388"/>
+            <a:ext cx="10396728" cy="0"/>
           </a:xfrm>
-          <a:prstGeom prst="rect">
+          <a:prstGeom prst="line">
             <a:avLst/>
           </a:prstGeom>
-          <a:ln w="9525">
+          <a:ln w="22225">
             <a:solidFill>
-              <a:srgbClr val="E1E1E1"/>
+              <a:schemeClr val="bg1"/>
             </a:solidFill>
           </a:ln>
-          <a:effectLst>
-            <a:outerShdw blurRad="50800" dist="38100" dir="2700000" algn="tl" rotWithShape="0">
-              <a:schemeClr val="bg1">
-                <a:lumMod val="85000"/>
-                <a:alpha val="50000"/>
-              </a:schemeClr>
-            </a:outerShdw>
-          </a:effectLst>
         </p:spPr>
         <p:style>
-          <a:lnRef idx="2">
-            <a:schemeClr val="accent1">
-              <a:shade val="50000"/>
-            </a:schemeClr>
+          <a:lnRef idx="1">
+            <a:schemeClr val="accent1"/>
           </a:lnRef>
-          <a:fillRef idx="1">
+          <a:fillRef idx="0">
             <a:schemeClr val="accent1"/>
           </a:fillRef>
           <a:effectRef idx="0">
             <a:schemeClr val="accent1"/>
           </a:effectRef>
           <a:fontRef idx="minor">
-            <a:schemeClr val="lt1"/>
+            <a:schemeClr val="tx1"/>
           </a:fontRef>
         </p:style>
-        <p:txBody>
-          <a:bodyPr rtlCol="0" anchor="ctr"/>
+      </p:cxnSp>
+      <p:sp>
+        <p:nvSpPr>
+          <p:cNvPr id="3" name="Content Placeholder 2">
+            <a:extLst>
+              <a:ext uri="{FF2B5EF4-FFF2-40B4-BE49-F238E27FC236}">
+                <a16:creationId xmlns:a16="http://schemas.microsoft.com/office/drawing/2014/main" id="{B56D590A-7742-4D27-A18D-B94300EAA8B0}"/>
+              </a:ext>
+            </a:extLst>
+          </p:cNvPr>
+          <p:cNvSpPr>
+            <a:spLocks noGrp="1"/>
+          </p:cNvSpPr>
+          <p:nvPr>
+            <p:ph idx="1"/>
+          </p:nvPr>
+        </p:nvSpPr>
+        <p:spPr>
+          <a:xfrm>
+            <a:off x="838200" y="2269173"/>
+            <a:ext cx="10515600" cy="3659988"/>
+          </a:xfrm>
+        </p:spPr>
+        <p:txBody>
+          <a:bodyPr>
+            <a:normAutofit/>
+          </a:bodyPr>
           <a:lstStyle/>
           <a:p>
-            <a:pPr marL="0" marR="0" lvl="0" indent="0" algn="ctr" defTabSz="914400" rtl="0" eaLnBrk="1" fontAlgn="auto" latinLnBrk="0" hangingPunct="1">
-              <a:lnSpc>
-                <a:spcPct val="100000"/>
-              </a:lnSpc>
-              <a:spcBef>
-                <a:spcPts val="0"/>
-              </a:spcBef>
-              <a:spcAft>
-                <a:spcPts val="0"/>
-              </a:spcAft>
-              <a:buClrTx/>
-              <a:buSzTx/>
-              <a:buFontTx/>
-              <a:buNone/>
-              <a:tabLst/>
-              <a:defRPr/>
-            </a:pPr>
-            <a:endParaRPr kumimoji="0" lang="en-US" sz="1800" b="0" i="0" u="none" strike="noStrike" kern="1200" cap="none" spc="0" normalizeH="0" baseline="0" noProof="0">
-              <a:ln>
-                <a:noFill/>
-              </a:ln>
+            <a:r>
+              <a:rPr lang="en-US" sz="2400">
+                <a:solidFill>
+                  <a:schemeClr val="bg1"/>
+                </a:solidFill>
+              </a:rPr>
+              <a:t>The actor model is a conceptual model to deal with concurrent computation.</a:t>
+            </a:r>
+          </a:p>
+          <a:p>
+            <a:r>
+              <a:rPr lang="en-US" sz="2400">
+                <a:solidFill>
+                  <a:schemeClr val="bg1"/>
+                </a:solidFill>
+              </a:rPr>
+              <a:t>Originated in 1973.</a:t>
+            </a:r>
+          </a:p>
+          <a:p>
+            <a:endParaRPr lang="en-US" sz="2400">
               <a:solidFill>
-                <a:prstClr val="white"/>
+                <a:schemeClr val="bg1"/>
               </a:solidFill>
-              <a:effectLst/>
-              <a:uLnTx/>
-              <a:uFillTx/>
-              <a:latin typeface="Calibri" panose="020F0502020204030204"/>
-              <a:ea typeface="+mn-ea"/>
-              <a:cs typeface="+mn-cs"/>
             </a:endParaRPr>
           </a:p>
         </p:txBody>
       </p:sp>
-      <p:sp useBgFill="1">
-        <p:nvSpPr>
-          <p:cNvPr id="23" name="Rectangle 22">
-            <a:extLst>
-              <a:ext uri="{FF2B5EF4-FFF2-40B4-BE49-F238E27FC236}">
-                <a16:creationId xmlns:a16="http://schemas.microsoft.com/office/drawing/2014/main" id="{8E0105E7-23DB-4CF2-8258-FF47C7620F6E}"/>
+    </p:spTree>
+    <p:extLst>
+      <p:ext uri="{BB962C8B-B14F-4D97-AF65-F5344CB8AC3E}">
+        <p14:creationId xmlns:p14="http://schemas.microsoft.com/office/powerpoint/2010/main" val="2517032239"/>
+      </p:ext>
+    </p:extLst>
+  </p:cSld>
+  <p:clrMapOvr>
+    <a:masterClrMapping/>
+  </p:clrMapOvr>
+</p:sld>
+</file>
+
+<file path=ppt/slides/slide4.xml><?xml version="1.0" encoding="utf-8"?>
+<p:sld xmlns:a="http://schemas.openxmlformats.org/drawingml/2006/main" xmlns:r="http://schemas.openxmlformats.org/officeDocument/2006/relationships" xmlns:p="http://schemas.openxmlformats.org/presentationml/2006/main">
+  <p:cSld>
+    <p:bg>
+      <p:bgPr>
+        <a:solidFill>
+          <a:schemeClr val="bg1"/>
+        </a:solidFill>
+        <a:effectLst/>
+      </p:bgPr>
+    </p:bg>
+    <p:spTree>
+      <p:nvGrpSpPr>
+        <p:cNvPr id="1" name=""/>
+        <p:cNvGrpSpPr/>
+        <p:nvPr/>
+      </p:nvGrpSpPr>
+      <p:grpSpPr>
+        <a:xfrm>
+          <a:off x="0" y="0"/>
+          <a:ext cx="0" cy="0"/>
+          <a:chOff x="0" y="0"/>
+          <a:chExt cx="0" cy="0"/>
+        </a:xfrm>
+      </p:grpSpPr>
+      <p:sp>
+        <p:nvSpPr>
+          <p:cNvPr id="8" name="Rectangle 7">
+            <a:extLst>
+              <a:ext uri="{FF2B5EF4-FFF2-40B4-BE49-F238E27FC236}">
+                <a16:creationId xmlns:a16="http://schemas.microsoft.com/office/drawing/2014/main" id="{F98ED85F-DCEE-4B50-802E-71A6E3E12B04}"/>
               </a:ext>
               <a:ext uri="{C183D7F6-B498-43B3-948B-1728B52AA6E4}">
                 <adec:decorative xmlns:adec="http://schemas.microsoft.com/office/drawing/2017/decorative" val="1"/>
@@ -5518,144 +7721,27 @@
             </p:extLst>
           </p:nvPr>
         </p:nvSpPr>
-        <p:spPr>
+        <p:spPr bwMode="ltGray">
           <a:xfrm>
-            <a:off x="566928" y="0"/>
-            <a:ext cx="11155680" cy="2011680"/>
-          </a:xfrm>
-          <a:prstGeom prst="rect">
-            <a:avLst/>
-          </a:prstGeom>
-          <a:ln w="9525">
-            <a:noFill/>
-          </a:ln>
-          <a:effectLst/>
-        </p:spPr>
-        <p:style>
-          <a:lnRef idx="2">
-            <a:schemeClr val="accent1">
-              <a:shade val="50000"/>
-            </a:schemeClr>
-          </a:lnRef>
-          <a:fillRef idx="1">
-            <a:schemeClr val="accent1"/>
-          </a:fillRef>
-          <a:effectRef idx="0">
-            <a:schemeClr val="accent1"/>
-          </a:effectRef>
-          <a:fontRef idx="minor">
-            <a:schemeClr val="lt1"/>
-          </a:fontRef>
-        </p:style>
-        <p:txBody>
-          <a:bodyPr rtlCol="0" anchor="ctr"/>
-          <a:lstStyle/>
-          <a:p>
-            <a:pPr marL="0" marR="0" lvl="0" indent="0" algn="ctr" defTabSz="914400" rtl="0" eaLnBrk="1" fontAlgn="auto" latinLnBrk="0" hangingPunct="1">
-              <a:lnSpc>
-                <a:spcPct val="100000"/>
-              </a:lnSpc>
-              <a:spcBef>
-                <a:spcPts val="0"/>
-              </a:spcBef>
-              <a:spcAft>
-                <a:spcPts val="0"/>
-              </a:spcAft>
-              <a:buClrTx/>
-              <a:buSzTx/>
-              <a:buFontTx/>
-              <a:buNone/>
-              <a:tabLst/>
-              <a:defRPr/>
-            </a:pPr>
-            <a:endParaRPr kumimoji="0" lang="en-US" sz="1800" b="0" i="0" u="none" strike="noStrike" kern="1200" cap="none" spc="0" normalizeH="0" baseline="0" noProof="0">
-              <a:ln>
-                <a:noFill/>
-              </a:ln>
-              <a:solidFill>
-                <a:prstClr val="white"/>
-              </a:solidFill>
-              <a:effectLst/>
-              <a:uLnTx/>
-              <a:uFillTx/>
-              <a:latin typeface="Calibri" panose="020F0502020204030204"/>
-              <a:ea typeface="+mn-ea"/>
-              <a:cs typeface="+mn-cs"/>
-            </a:endParaRPr>
-          </a:p>
-        </p:txBody>
-      </p:sp>
-      <p:sp>
-        <p:nvSpPr>
-          <p:cNvPr id="2" name="Title 1">
-            <a:extLst>
-              <a:ext uri="{FF2B5EF4-FFF2-40B4-BE49-F238E27FC236}">
-                <a16:creationId xmlns:a16="http://schemas.microsoft.com/office/drawing/2014/main" id="{1A324127-F3A0-40CC-B852-6BD29999703A}"/>
-              </a:ext>
-            </a:extLst>
-          </p:cNvPr>
-          <p:cNvSpPr>
-            <a:spLocks noGrp="1"/>
-          </p:cNvSpPr>
-          <p:nvPr>
-            <p:ph type="title"/>
-          </p:nvPr>
-        </p:nvSpPr>
-        <p:spPr>
-          <a:xfrm>
-            <a:off x="1115568" y="548640"/>
-            <a:ext cx="10168128" cy="1179576"/>
-          </a:xfrm>
-        </p:spPr>
-        <p:txBody>
-          <a:bodyPr>
-            <a:normAutofit/>
-          </a:bodyPr>
-          <a:lstStyle/>
-          <a:p>
-            <a:r>
-              <a:rPr lang="en-US" sz="4000" dirty="0"/>
-              <a:t>Brief History</a:t>
-            </a:r>
-          </a:p>
-        </p:txBody>
-      </p:sp>
-      <p:sp>
-        <p:nvSpPr>
-          <p:cNvPr id="25" name="Rectangle 24">
-            <a:extLst>
-              <a:ext uri="{FF2B5EF4-FFF2-40B4-BE49-F238E27FC236}">
-                <a16:creationId xmlns:a16="http://schemas.microsoft.com/office/drawing/2014/main" id="{074B4F7D-14B2-478B-8BF5-01E4E0C5D263}"/>
-              </a:ext>
-              <a:ext uri="{C183D7F6-B498-43B3-948B-1728B52AA6E4}">
-                <adec:decorative xmlns:adec="http://schemas.microsoft.com/office/drawing/2017/decorative" val="1"/>
-              </a:ext>
-            </a:extLst>
-          </p:cNvPr>
-          <p:cNvSpPr>
-            <a:spLocks noGrp="1" noRot="1" noChangeAspect="1" noMove="1" noResize="1" noEditPoints="1" noAdjustHandles="1" noChangeArrowheads="1" noChangeShapeType="1" noTextEdit="1"/>
-          </p:cNvSpPr>
-          <p:nvPr>
-            <p:extLst>
-              <p:ext uri="{386F3935-93C4-4BCD-93E2-E3B085C9AB24}">
-                <p16:designElem xmlns:p16="http://schemas.microsoft.com/office/powerpoint/2015/main" val="1"/>
-              </p:ext>
-            </p:extLst>
-          </p:nvPr>
-        </p:nvSpPr>
-        <p:spPr>
-          <a:xfrm>
-            <a:off x="498834" y="758952"/>
-            <a:ext cx="128016" cy="704088"/>
+            <a:off x="321564" y="320040"/>
+            <a:ext cx="11548872" cy="6217920"/>
           </a:xfrm>
           <a:prstGeom prst="rect">
             <a:avLst/>
           </a:prstGeom>
           <a:solidFill>
-            <a:schemeClr val="accent2"/>
+            <a:schemeClr val="tx1">
+              <a:lumMod val="75000"/>
+              <a:lumOff val="25000"/>
+            </a:schemeClr>
           </a:solidFill>
-          <a:ln>
-            <a:noFill/>
+          <a:ln w="127000" cap="sq" cmpd="thinThick">
+            <a:solidFill>
+              <a:schemeClr val="tx1">
+                <a:lumMod val="75000"/>
+                <a:lumOff val="25000"/>
+              </a:schemeClr>
+            </a:solidFill>
           </a:ln>
         </p:spPr>
         <p:style>
@@ -5679,21 +7765,16 @@
           <a:lstStyle/>
           <a:p>
             <a:pPr algn="ctr"/>
-            <a:endParaRPr lang="en-US">
-              <a:solidFill>
-                <a:prstClr val="white"/>
-              </a:solidFill>
-              <a:latin typeface="Calibri" panose="020F0502020204030204"/>
-            </a:endParaRPr>
-          </a:p>
-        </p:txBody>
-      </p:sp>
-      <p:sp>
-        <p:nvSpPr>
-          <p:cNvPr id="3" name="Content Placeholder 2">
-            <a:extLst>
-              <a:ext uri="{FF2B5EF4-FFF2-40B4-BE49-F238E27FC236}">
-                <a16:creationId xmlns:a16="http://schemas.microsoft.com/office/drawing/2014/main" id="{B56D590A-7742-4D27-A18D-B94300EAA8B0}"/>
+            <a:endParaRPr lang="en-US"/>
+          </a:p>
+        </p:txBody>
+      </p:sp>
+      <p:sp>
+        <p:nvSpPr>
+          <p:cNvPr id="2" name="Title 1">
+            <a:extLst>
+              <a:ext uri="{FF2B5EF4-FFF2-40B4-BE49-F238E27FC236}">
+                <a16:creationId xmlns:a16="http://schemas.microsoft.com/office/drawing/2014/main" id="{1A324127-F3A0-40CC-B852-6BD29999703A}"/>
               </a:ext>
             </a:extLst>
           </p:cNvPr>
@@ -5701,13 +7782,13 @@
             <a:spLocks noGrp="1"/>
           </p:cNvSpPr>
           <p:nvPr>
-            <p:ph idx="1"/>
+            <p:ph type="title"/>
           </p:nvPr>
         </p:nvSpPr>
         <p:spPr>
           <a:xfrm>
-            <a:off x="1115568" y="2481943"/>
-            <a:ext cx="10168128" cy="3695020"/>
+            <a:off x="838200" y="631825"/>
+            <a:ext cx="10515600" cy="1325563"/>
           </a:xfrm>
         </p:spPr>
         <p:txBody>
@@ -5716,14 +7797,162 @@
           </a:bodyPr>
           <a:lstStyle/>
           <a:p>
-            <a:endParaRPr lang="en-US" sz="2200" dirty="0"/>
+            <a:r>
+              <a:rPr lang="en-US">
+                <a:solidFill>
+                  <a:schemeClr val="bg1"/>
+                </a:solidFill>
+              </a:rPr>
+              <a:t>Architectural Concepts</a:t>
+            </a:r>
+          </a:p>
+        </p:txBody>
+      </p:sp>
+      <p:cxnSp>
+        <p:nvCxnSpPr>
+          <p:cNvPr id="10" name="Straight Connector 9">
+            <a:extLst>
+              <a:ext uri="{FF2B5EF4-FFF2-40B4-BE49-F238E27FC236}">
+                <a16:creationId xmlns:a16="http://schemas.microsoft.com/office/drawing/2014/main" id="{E8E35B83-1EC3-4F87-9D54-D863463351B9}"/>
+              </a:ext>
+              <a:ext uri="{C183D7F6-B498-43B3-948B-1728B52AA6E4}">
+                <adec:decorative xmlns:adec="http://schemas.microsoft.com/office/drawing/2017/decorative" val="1"/>
+              </a:ext>
+            </a:extLst>
+          </p:cNvPr>
+          <p:cNvCxnSpPr>
+            <a:cxnSpLocks noGrp="1" noRot="1" noChangeAspect="1" noMove="1" noResize="1" noEditPoints="1" noAdjustHandles="1" noChangeArrowheads="1" noChangeShapeType="1"/>
+          </p:cNvCxnSpPr>
+          <p:nvPr>
+            <p:extLst>
+              <p:ext uri="{386F3935-93C4-4BCD-93E2-E3B085C9AB24}">
+                <p16:designElem xmlns:p16="http://schemas.microsoft.com/office/powerpoint/2015/main" val="1"/>
+              </p:ext>
+            </p:extLst>
+          </p:nvPr>
+        </p:nvCxnSpPr>
+        <p:spPr>
+          <a:xfrm>
+            <a:off x="897636" y="1957388"/>
+            <a:ext cx="10396728" cy="0"/>
+          </a:xfrm>
+          <a:prstGeom prst="line">
+            <a:avLst/>
+          </a:prstGeom>
+          <a:ln w="22225">
+            <a:solidFill>
+              <a:schemeClr val="bg1"/>
+            </a:solidFill>
+          </a:ln>
+        </p:spPr>
+        <p:style>
+          <a:lnRef idx="1">
+            <a:schemeClr val="accent1"/>
+          </a:lnRef>
+          <a:fillRef idx="0">
+            <a:schemeClr val="accent1"/>
+          </a:fillRef>
+          <a:effectRef idx="0">
+            <a:schemeClr val="accent1"/>
+          </a:effectRef>
+          <a:fontRef idx="minor">
+            <a:schemeClr val="tx1"/>
+          </a:fontRef>
+        </p:style>
+      </p:cxnSp>
+      <p:sp>
+        <p:nvSpPr>
+          <p:cNvPr id="3" name="Content Placeholder 2">
+            <a:extLst>
+              <a:ext uri="{FF2B5EF4-FFF2-40B4-BE49-F238E27FC236}">
+                <a16:creationId xmlns:a16="http://schemas.microsoft.com/office/drawing/2014/main" id="{B56D590A-7742-4D27-A18D-B94300EAA8B0}"/>
+              </a:ext>
+            </a:extLst>
+          </p:cNvPr>
+          <p:cNvSpPr>
+            <a:spLocks noGrp="1"/>
+          </p:cNvSpPr>
+          <p:nvPr>
+            <p:ph idx="1"/>
+          </p:nvPr>
+        </p:nvSpPr>
+        <p:spPr>
+          <a:xfrm>
+            <a:off x="838200" y="2269173"/>
+            <a:ext cx="10515600" cy="3659988"/>
+          </a:xfrm>
+        </p:spPr>
+        <p:txBody>
+          <a:bodyPr>
+            <a:normAutofit/>
+          </a:bodyPr>
+          <a:lstStyle/>
+          <a:p>
+            <a:r>
+              <a:rPr lang="en-US" sz="2400">
+                <a:solidFill>
+                  <a:schemeClr val="bg1"/>
+                </a:solidFill>
+              </a:rPr>
+              <a:t>An actor is a fundamental unit of  computation.</a:t>
+            </a:r>
+          </a:p>
+          <a:p>
+            <a:r>
+              <a:rPr lang="en-US" sz="2400">
+                <a:solidFill>
+                  <a:schemeClr val="bg1"/>
+                </a:solidFill>
+              </a:rPr>
+              <a:t>Everything is an actor instead of an object</a:t>
+            </a:r>
+          </a:p>
+          <a:p>
+            <a:r>
+              <a:rPr lang="en-US" sz="2400">
+                <a:solidFill>
+                  <a:schemeClr val="bg1"/>
+                </a:solidFill>
+              </a:rPr>
+              <a:t>No shared state between actors</a:t>
+            </a:r>
+          </a:p>
+          <a:p>
+            <a:r>
+              <a:rPr lang="en-US" sz="2400">
+                <a:solidFill>
+                  <a:schemeClr val="bg1"/>
+                </a:solidFill>
+              </a:rPr>
+              <a:t>Asynchronous message passing</a:t>
+            </a:r>
+          </a:p>
+          <a:p>
+            <a:r>
+              <a:rPr lang="en-US" sz="2400">
+                <a:solidFill>
+                  <a:schemeClr val="bg1"/>
+                </a:solidFill>
+              </a:rPr>
+              <a:t>Mailboxes to buffer incoming messages</a:t>
+            </a:r>
+          </a:p>
+          <a:p>
+            <a:r>
+              <a:rPr lang="en-US" sz="2400">
+                <a:solidFill>
+                  <a:schemeClr val="bg1"/>
+                </a:solidFill>
+              </a:rPr>
+              <a:t>Actors Are about the Separation of Concerns and Containment</a:t>
+            </a:r>
           </a:p>
         </p:txBody>
       </p:sp>
     </p:spTree>
     <p:extLst>
       <p:ext uri="{BB962C8B-B14F-4D97-AF65-F5344CB8AC3E}">
-        <p14:creationId xmlns:p14="http://schemas.microsoft.com/office/powerpoint/2010/main" val="2517032239"/>
+        <p14:creationId xmlns:p14="http://schemas.microsoft.com/office/powerpoint/2010/main" val="1864223297"/>
       </p:ext>
     </p:extLst>
   </p:cSld>
@@ -5733,9 +7962,17 @@
 </p:sld>
 </file>
 
-<file path=ppt/slides/slide4.xml><?xml version="1.0" encoding="utf-8"?>
+<file path=ppt/slides/slide5.xml><?xml version="1.0" encoding="utf-8"?>
 <p:sld xmlns:a="http://schemas.openxmlformats.org/drawingml/2006/main" xmlns:r="http://schemas.openxmlformats.org/officeDocument/2006/relationships" xmlns:p="http://schemas.openxmlformats.org/presentationml/2006/main">
   <p:cSld>
+    <p:bg>
+      <p:bgPr>
+        <a:solidFill>
+          <a:schemeClr val="bg1"/>
+        </a:solidFill>
+        <a:effectLst/>
+      </p:bgPr>
+    </p:bg>
     <p:spTree>
       <p:nvGrpSpPr>
         <p:cNvPr id="1" name=""/>
@@ -5752,10 +7989,81 @@
       </p:grpSpPr>
       <p:sp>
         <p:nvSpPr>
+          <p:cNvPr id="8" name="Rectangle 7">
+            <a:extLst>
+              <a:ext uri="{FF2B5EF4-FFF2-40B4-BE49-F238E27FC236}">
+                <a16:creationId xmlns:a16="http://schemas.microsoft.com/office/drawing/2014/main" id="{F98ED85F-DCEE-4B50-802E-71A6E3E12B04}"/>
+              </a:ext>
+              <a:ext uri="{C183D7F6-B498-43B3-948B-1728B52AA6E4}">
+                <adec:decorative xmlns:adec="http://schemas.microsoft.com/office/drawing/2017/decorative" val="1"/>
+              </a:ext>
+            </a:extLst>
+          </p:cNvPr>
+          <p:cNvSpPr>
+            <a:spLocks noGrp="1" noRot="1" noChangeAspect="1" noMove="1" noResize="1" noEditPoints="1" noAdjustHandles="1" noChangeArrowheads="1" noChangeShapeType="1" noTextEdit="1"/>
+          </p:cNvSpPr>
+          <p:nvPr>
+            <p:extLst>
+              <p:ext uri="{386F3935-93C4-4BCD-93E2-E3B085C9AB24}">
+                <p16:designElem xmlns:p16="http://schemas.microsoft.com/office/powerpoint/2015/main" val="1"/>
+              </p:ext>
+            </p:extLst>
+          </p:nvPr>
+        </p:nvSpPr>
+        <p:spPr bwMode="ltGray">
+          <a:xfrm>
+            <a:off x="321564" y="320040"/>
+            <a:ext cx="11548872" cy="6217920"/>
+          </a:xfrm>
+          <a:prstGeom prst="rect">
+            <a:avLst/>
+          </a:prstGeom>
+          <a:solidFill>
+            <a:schemeClr val="tx1">
+              <a:lumMod val="75000"/>
+              <a:lumOff val="25000"/>
+            </a:schemeClr>
+          </a:solidFill>
+          <a:ln w="127000" cap="sq" cmpd="thinThick">
+            <a:solidFill>
+              <a:schemeClr val="tx1">
+                <a:lumMod val="75000"/>
+                <a:lumOff val="25000"/>
+              </a:schemeClr>
+            </a:solidFill>
+          </a:ln>
+        </p:spPr>
+        <p:style>
+          <a:lnRef idx="2">
+            <a:schemeClr val="accent1">
+              <a:shade val="50000"/>
+            </a:schemeClr>
+          </a:lnRef>
+          <a:fillRef idx="1">
+            <a:schemeClr val="accent1"/>
+          </a:fillRef>
+          <a:effectRef idx="0">
+            <a:schemeClr val="accent1"/>
+          </a:effectRef>
+          <a:fontRef idx="minor">
+            <a:schemeClr val="lt1"/>
+          </a:fontRef>
+        </p:style>
+        <p:txBody>
+          <a:bodyPr rtlCol="0" anchor="ctr"/>
+          <a:lstStyle/>
+          <a:p>
+            <a:pPr algn="ctr"/>
+            <a:endParaRPr lang="en-US"/>
+          </a:p>
+        </p:txBody>
+      </p:sp>
+      <p:sp>
+        <p:nvSpPr>
           <p:cNvPr id="2" name="Title 1">
             <a:extLst>
               <a:ext uri="{FF2B5EF4-FFF2-40B4-BE49-F238E27FC236}">
-                <a16:creationId xmlns:a16="http://schemas.microsoft.com/office/drawing/2014/main" id="{1A324127-F3A0-40CC-B852-6BD29999703A}"/>
+                <a16:creationId xmlns:a16="http://schemas.microsoft.com/office/drawing/2014/main" id="{73430FDA-FE09-48CD-BFBA-0C5A4781291B}"/>
               </a:ext>
             </a:extLst>
           </p:cNvPr>
@@ -5768,8 +8076,8 @@
         </p:nvSpPr>
         <p:spPr>
           <a:xfrm>
-            <a:off x="1115568" y="548640"/>
-            <a:ext cx="10168128" cy="1179576"/>
+            <a:off x="838200" y="631825"/>
+            <a:ext cx="10515600" cy="1325563"/>
           </a:xfrm>
         </p:spPr>
         <p:txBody>
@@ -5779,32 +8087,88 @@
           <a:lstStyle/>
           <a:p>
             <a:r>
-              <a:rPr lang="en-US" sz="4000" dirty="0"/>
+              <a:rPr lang="en-US">
+                <a:solidFill>
+                  <a:schemeClr val="bg1"/>
+                </a:solidFill>
+              </a:rPr>
               <a:t>Practical Use Cases</a:t>
             </a:r>
           </a:p>
         </p:txBody>
       </p:sp>
-      <p:sp>
-        <p:nvSpPr>
-          <p:cNvPr id="3" name="Content Placeholder 2">
-            <a:extLst>
-              <a:ext uri="{FF2B5EF4-FFF2-40B4-BE49-F238E27FC236}">
-                <a16:creationId xmlns:a16="http://schemas.microsoft.com/office/drawing/2014/main" id="{B56D590A-7742-4D27-A18D-B94300EAA8B0}"/>
-              </a:ext>
-            </a:extLst>
-          </p:cNvPr>
-          <p:cNvSpPr>
-            <a:spLocks noGrp="1"/>
-          </p:cNvSpPr>
-          <p:nvPr>
-            <p:ph idx="1"/>
-          </p:nvPr>
-        </p:nvSpPr>
+      <p:cxnSp>
+        <p:nvCxnSpPr>
+          <p:cNvPr id="10" name="Straight Connector 9">
+            <a:extLst>
+              <a:ext uri="{FF2B5EF4-FFF2-40B4-BE49-F238E27FC236}">
+                <a16:creationId xmlns:a16="http://schemas.microsoft.com/office/drawing/2014/main" id="{E8E35B83-1EC3-4F87-9D54-D863463351B9}"/>
+              </a:ext>
+              <a:ext uri="{C183D7F6-B498-43B3-948B-1728B52AA6E4}">
+                <adec:decorative xmlns:adec="http://schemas.microsoft.com/office/drawing/2017/decorative" val="1"/>
+              </a:ext>
+            </a:extLst>
+          </p:cNvPr>
+          <p:cNvCxnSpPr>
+            <a:cxnSpLocks noGrp="1" noRot="1" noChangeAspect="1" noMove="1" noResize="1" noEditPoints="1" noAdjustHandles="1" noChangeArrowheads="1" noChangeShapeType="1"/>
+          </p:cNvCxnSpPr>
+          <p:nvPr>
+            <p:extLst>
+              <p:ext uri="{386F3935-93C4-4BCD-93E2-E3B085C9AB24}">
+                <p16:designElem xmlns:p16="http://schemas.microsoft.com/office/powerpoint/2015/main" val="1"/>
+              </p:ext>
+            </p:extLst>
+          </p:nvPr>
+        </p:nvCxnSpPr>
         <p:spPr>
           <a:xfrm>
-            <a:off x="1115568" y="2481943"/>
-            <a:ext cx="10168128" cy="3695020"/>
+            <a:off x="897636" y="1957388"/>
+            <a:ext cx="10396728" cy="0"/>
+          </a:xfrm>
+          <a:prstGeom prst="line">
+            <a:avLst/>
+          </a:prstGeom>
+          <a:ln w="22225">
+            <a:solidFill>
+              <a:schemeClr val="bg1"/>
+            </a:solidFill>
+          </a:ln>
+        </p:spPr>
+        <p:style>
+          <a:lnRef idx="1">
+            <a:schemeClr val="accent1"/>
+          </a:lnRef>
+          <a:fillRef idx="0">
+            <a:schemeClr val="accent1"/>
+          </a:fillRef>
+          <a:effectRef idx="0">
+            <a:schemeClr val="accent1"/>
+          </a:effectRef>
+          <a:fontRef idx="minor">
+            <a:schemeClr val="tx1"/>
+          </a:fontRef>
+        </p:style>
+      </p:cxnSp>
+      <p:sp>
+        <p:nvSpPr>
+          <p:cNvPr id="3" name="Content Placeholder 2">
+            <a:extLst>
+              <a:ext uri="{FF2B5EF4-FFF2-40B4-BE49-F238E27FC236}">
+                <a16:creationId xmlns:a16="http://schemas.microsoft.com/office/drawing/2014/main" id="{19C2A832-67B8-4C80-BACF-1053288356FA}"/>
+              </a:ext>
+            </a:extLst>
+          </p:cNvPr>
+          <p:cNvSpPr>
+            <a:spLocks noGrp="1"/>
+          </p:cNvSpPr>
+          <p:nvPr>
+            <p:ph idx="1"/>
+          </p:nvPr>
+        </p:nvSpPr>
+        <p:spPr>
+          <a:xfrm>
+            <a:off x="838200" y="2269173"/>
+            <a:ext cx="10515600" cy="3659988"/>
           </a:xfrm>
         </p:spPr>
         <p:txBody>
@@ -5813,14 +8177,88 @@
           </a:bodyPr>
           <a:lstStyle/>
           <a:p>
-            <a:endParaRPr lang="en-US" sz="2200" dirty="0"/>
+            <a:r>
+              <a:rPr lang="en-US" sz="2400" dirty="0">
+                <a:solidFill>
+                  <a:schemeClr val="bg1"/>
+                </a:solidFill>
+              </a:rPr>
+              <a:t>Online Gaming</a:t>
+            </a:r>
+          </a:p>
+          <a:p>
+            <a:r>
+              <a:rPr lang="en-US" sz="2400" dirty="0">
+                <a:solidFill>
+                  <a:schemeClr val="bg1"/>
+                </a:solidFill>
+              </a:rPr>
+              <a:t>Finance</a:t>
+            </a:r>
+          </a:p>
+          <a:p>
+            <a:r>
+              <a:rPr lang="en-US" sz="2400" dirty="0">
+                <a:solidFill>
+                  <a:schemeClr val="bg1"/>
+                </a:solidFill>
+              </a:rPr>
+              <a:t>Statistics</a:t>
+            </a:r>
+          </a:p>
+          <a:p>
+            <a:r>
+              <a:rPr lang="en-US" sz="2400" dirty="0">
+                <a:solidFill>
+                  <a:schemeClr val="bg1"/>
+                </a:solidFill>
+              </a:rPr>
+              <a:t>Betting</a:t>
+            </a:r>
+          </a:p>
+          <a:p>
+            <a:r>
+              <a:rPr lang="en-US" sz="2400" dirty="0">
+                <a:solidFill>
+                  <a:schemeClr val="bg1"/>
+                </a:solidFill>
+              </a:rPr>
+              <a:t>Social Media</a:t>
+            </a:r>
+          </a:p>
+          <a:p>
+            <a:r>
+              <a:rPr lang="en-US" sz="2400" dirty="0">
+                <a:solidFill>
+                  <a:schemeClr val="bg1"/>
+                </a:solidFill>
+              </a:rPr>
+              <a:t>Telecom</a:t>
+            </a:r>
+          </a:p>
+          <a:p>
+            <a:r>
+              <a:rPr lang="en-US" sz="2400" dirty="0">
+                <a:solidFill>
+                  <a:schemeClr val="bg1"/>
+                </a:solidFill>
+              </a:rPr>
+              <a:t>Internet of Things</a:t>
+            </a:r>
+          </a:p>
+          <a:p>
+            <a:endParaRPr lang="en-US" sz="2400" dirty="0">
+              <a:solidFill>
+                <a:schemeClr val="bg1"/>
+              </a:solidFill>
+            </a:endParaRPr>
           </a:p>
         </p:txBody>
       </p:sp>
     </p:spTree>
     <p:extLst>
       <p:ext uri="{BB962C8B-B14F-4D97-AF65-F5344CB8AC3E}">
-        <p14:creationId xmlns:p14="http://schemas.microsoft.com/office/powerpoint/2010/main" val="3425599558"/>
+        <p14:creationId xmlns:p14="http://schemas.microsoft.com/office/powerpoint/2010/main" val="2683190648"/>
       </p:ext>
     </p:extLst>
   </p:cSld>
@@ -5830,9 +8268,17 @@
 </p:sld>
 </file>
 
-<file path=ppt/slides/slide5.xml><?xml version="1.0" encoding="utf-8"?>
+<file path=ppt/slides/slide6.xml><?xml version="1.0" encoding="utf-8"?>
 <p:sld xmlns:a="http://schemas.openxmlformats.org/drawingml/2006/main" xmlns:r="http://schemas.openxmlformats.org/officeDocument/2006/relationships" xmlns:p="http://schemas.openxmlformats.org/presentationml/2006/main">
   <p:cSld>
+    <p:bg>
+      <p:bgPr>
+        <a:solidFill>
+          <a:schemeClr val="bg1"/>
+        </a:solidFill>
+        <a:effectLst/>
+      </p:bgPr>
+    </p:bg>
     <p:spTree>
       <p:nvGrpSpPr>
         <p:cNvPr id="1" name=""/>
@@ -5849,10 +8295,75 @@
       </p:grpSpPr>
       <p:sp>
         <p:nvSpPr>
+          <p:cNvPr id="13" name="Rectangle 12">
+            <a:extLst>
+              <a:ext uri="{FF2B5EF4-FFF2-40B4-BE49-F238E27FC236}">
+                <a16:creationId xmlns:a16="http://schemas.microsoft.com/office/drawing/2014/main" id="{823AC064-BC96-4F32-8AE1-B2FD38754823}"/>
+              </a:ext>
+              <a:ext uri="{C183D7F6-B498-43B3-948B-1728B52AA6E4}">
+                <adec:decorative xmlns:adec="http://schemas.microsoft.com/office/drawing/2017/decorative" val="1"/>
+              </a:ext>
+            </a:extLst>
+          </p:cNvPr>
+          <p:cNvSpPr>
+            <a:spLocks noGrp="1" noRot="1" noChangeAspect="1" noMove="1" noResize="1" noEditPoints="1" noAdjustHandles="1" noChangeArrowheads="1" noChangeShapeType="1" noTextEdit="1"/>
+          </p:cNvSpPr>
+          <p:nvPr>
+            <p:extLst>
+              <p:ext uri="{386F3935-93C4-4BCD-93E2-E3B085C9AB24}">
+                <p16:designElem xmlns:p16="http://schemas.microsoft.com/office/powerpoint/2015/main" val="1"/>
+              </p:ext>
+            </p:extLst>
+          </p:nvPr>
+        </p:nvSpPr>
+        <p:spPr bwMode="ltGray">
+          <a:xfrm>
+            <a:off x="396882" y="280374"/>
+            <a:ext cx="11438793" cy="1844256"/>
+          </a:xfrm>
+          <a:prstGeom prst="rect">
+            <a:avLst/>
+          </a:prstGeom>
+          <a:solidFill>
+            <a:srgbClr val="404040"/>
+          </a:solidFill>
+          <a:ln w="127000" cap="sq" cmpd="thinThick">
+            <a:solidFill>
+              <a:srgbClr val="404040"/>
+            </a:solidFill>
+          </a:ln>
+        </p:spPr>
+        <p:style>
+          <a:lnRef idx="2">
+            <a:schemeClr val="accent1">
+              <a:shade val="50000"/>
+            </a:schemeClr>
+          </a:lnRef>
+          <a:fillRef idx="1">
+            <a:schemeClr val="accent1"/>
+          </a:fillRef>
+          <a:effectRef idx="0">
+            <a:schemeClr val="accent1"/>
+          </a:effectRef>
+          <a:fontRef idx="minor">
+            <a:schemeClr val="lt1"/>
+          </a:fontRef>
+        </p:style>
+        <p:txBody>
+          <a:bodyPr rtlCol="0" anchor="ctr"/>
+          <a:lstStyle/>
+          <a:p>
+            <a:pPr algn="ctr"/>
+            <a:endParaRPr lang="en-US"/>
+          </a:p>
+        </p:txBody>
+      </p:sp>
+      <p:sp>
+        <p:nvSpPr>
           <p:cNvPr id="2" name="Title 1">
             <a:extLst>
               <a:ext uri="{FF2B5EF4-FFF2-40B4-BE49-F238E27FC236}">
-                <a16:creationId xmlns:a16="http://schemas.microsoft.com/office/drawing/2014/main" id="{1A324127-F3A0-40CC-B852-6BD29999703A}"/>
+                <a16:creationId xmlns:a16="http://schemas.microsoft.com/office/drawing/2014/main" id="{FB0E79AA-5A5A-4BAB-923E-8FB4B1886BB3}"/>
               </a:ext>
             </a:extLst>
           </p:cNvPr>
@@ -5865,80 +8376,212 @@
         </p:nvSpPr>
         <p:spPr>
           <a:xfrm>
-            <a:off x="1115568" y="548640"/>
-            <a:ext cx="10168128" cy="1179576"/>
+            <a:off x="546351" y="433545"/>
+            <a:ext cx="11139854" cy="930447"/>
           </a:xfrm>
         </p:spPr>
         <p:txBody>
-          <a:bodyPr>
+          <a:bodyPr vert="horz" lIns="91440" tIns="45720" rIns="91440" bIns="45720" rtlCol="0" anchor="b">
             <a:normAutofit/>
           </a:bodyPr>
           <a:lstStyle/>
           <a:p>
-            <a:r>
-              <a:rPr lang="en-US" sz="4000" dirty="0"/>
-              <a:t>Architectural Concepts</a:t>
-            </a:r>
-          </a:p>
-        </p:txBody>
-      </p:sp>
-      <p:sp>
-        <p:nvSpPr>
-          <p:cNvPr id="3" name="Content Placeholder 2">
-            <a:extLst>
-              <a:ext uri="{FF2B5EF4-FFF2-40B4-BE49-F238E27FC236}">
-                <a16:creationId xmlns:a16="http://schemas.microsoft.com/office/drawing/2014/main" id="{B56D590A-7742-4D27-A18D-B94300EAA8B0}"/>
-              </a:ext>
-            </a:extLst>
-          </p:cNvPr>
-          <p:cNvSpPr>
-            <a:spLocks noGrp="1"/>
-          </p:cNvSpPr>
-          <p:nvPr>
-            <p:ph idx="1"/>
-          </p:nvPr>
-        </p:nvSpPr>
+            <a:pPr algn="ctr"/>
+            <a:r>
+              <a:rPr lang="en-US" sz="5400">
+                <a:solidFill>
+                  <a:srgbClr val="FFFFFF"/>
+                </a:solidFill>
+              </a:rPr>
+              <a:t>.NET Implementations</a:t>
+            </a:r>
+          </a:p>
+        </p:txBody>
+      </p:sp>
+      <p:cxnSp>
+        <p:nvCxnSpPr>
+          <p:cNvPr id="15" name="Straight Connector 14">
+            <a:extLst>
+              <a:ext uri="{FF2B5EF4-FFF2-40B4-BE49-F238E27FC236}">
+                <a16:creationId xmlns:a16="http://schemas.microsoft.com/office/drawing/2014/main" id="{7E7C77BC-7138-40B1-A15B-20F57A494629}"/>
+              </a:ext>
+              <a:ext uri="{C183D7F6-B498-43B3-948B-1728B52AA6E4}">
+                <adec:decorative xmlns:adec="http://schemas.microsoft.com/office/drawing/2017/decorative" val="1"/>
+              </a:ext>
+            </a:extLst>
+          </p:cNvPr>
+          <p:cNvCxnSpPr>
+            <a:cxnSpLocks noGrp="1" noRot="1" noChangeAspect="1" noMove="1" noResize="1" noEditPoints="1" noAdjustHandles="1" noChangeArrowheads="1" noChangeShapeType="1"/>
+          </p:cNvCxnSpPr>
+          <p:nvPr>
+            <p:extLst>
+              <p:ext uri="{386F3935-93C4-4BCD-93E2-E3B085C9AB24}">
+                <p16:designElem xmlns:p16="http://schemas.microsoft.com/office/powerpoint/2015/main" val="1"/>
+              </p:ext>
+            </p:extLst>
+          </p:nvPr>
+        </p:nvCxnSpPr>
         <p:spPr>
           <a:xfrm>
-            <a:off x="1115568" y="2481943"/>
-            <a:ext cx="10168128" cy="3695020"/>
+            <a:off x="2230078" y="1522292"/>
+            <a:ext cx="7772400" cy="0"/>
           </a:xfrm>
+          <a:prstGeom prst="line">
+            <a:avLst/>
+          </a:prstGeom>
+          <a:ln w="22225">
+            <a:solidFill>
+              <a:srgbClr val="D9D9D9"/>
+            </a:solidFill>
+          </a:ln>
         </p:spPr>
-        <p:txBody>
-          <a:bodyPr>
-            <a:normAutofit/>
-          </a:bodyPr>
-          <a:lstStyle/>
-          <a:p>
-            <a:r>
-              <a:rPr lang="en-US" sz="2200" dirty="0"/>
-              <a:t>Actors instead of objects</a:t>
-            </a:r>
-          </a:p>
-          <a:p>
-            <a:r>
-              <a:rPr lang="en-US" sz="2200" dirty="0"/>
-              <a:t>No shared state between actors</a:t>
-            </a:r>
-          </a:p>
-          <a:p>
-            <a:r>
-              <a:rPr lang="en-US" sz="2200" dirty="0"/>
-              <a:t>Asynchronous message passing</a:t>
-            </a:r>
-          </a:p>
-          <a:p>
-            <a:r>
-              <a:rPr lang="en-US" sz="2200" dirty="0"/>
-              <a:t>Mailboxes to buffer incoming messages</a:t>
-            </a:r>
-          </a:p>
-        </p:txBody>
-      </p:sp>
+        <p:style>
+          <a:lnRef idx="1">
+            <a:schemeClr val="accent1"/>
+          </a:lnRef>
+          <a:fillRef idx="0">
+            <a:schemeClr val="accent1"/>
+          </a:fillRef>
+          <a:effectRef idx="0">
+            <a:schemeClr val="accent1"/>
+          </a:effectRef>
+          <a:fontRef idx="minor">
+            <a:schemeClr val="tx1"/>
+          </a:fontRef>
+        </p:style>
+      </p:cxnSp>
+      <p:pic>
+        <p:nvPicPr>
+          <p:cNvPr id="6" name="Content Placeholder 5" descr="A close up of a logo&#10;&#10;Description automatically generated">
+            <a:extLst>
+              <a:ext uri="{FF2B5EF4-FFF2-40B4-BE49-F238E27FC236}">
+                <a16:creationId xmlns:a16="http://schemas.microsoft.com/office/drawing/2014/main" id="{45A08C99-55F7-406B-A2C1-C7324F9F26AB}"/>
+              </a:ext>
+            </a:extLst>
+          </p:cNvPr>
+          <p:cNvPicPr>
+            <a:picLocks noGrp="1" noChangeAspect="1"/>
+          </p:cNvPicPr>
+          <p:nvPr>
+            <p:ph sz="half" idx="1"/>
+          </p:nvPr>
+        </p:nvPicPr>
+        <p:blipFill>
+          <a:blip r:embed="rId2">
+            <a:extLst>
+              <a:ext uri="{28A0092B-C50C-407E-A947-70E740481C1C}">
+                <a14:useLocalDpi xmlns:a14="http://schemas.microsoft.com/office/drawing/2010/main" val="0"/>
+              </a:ext>
+            </a:extLst>
+          </a:blip>
+          <a:stretch>
+            <a:fillRect/>
+          </a:stretch>
+        </p:blipFill>
+        <p:spPr>
+          <a:xfrm>
+            <a:off x="331567" y="2679743"/>
+            <a:ext cx="5455917" cy="3491786"/>
+          </a:xfrm>
+          <a:prstGeom prst="rect">
+            <a:avLst/>
+          </a:prstGeom>
+        </p:spPr>
+      </p:pic>
+      <p:cxnSp>
+        <p:nvCxnSpPr>
+          <p:cNvPr id="17" name="Straight Connector 16">
+            <a:extLst>
+              <a:ext uri="{FF2B5EF4-FFF2-40B4-BE49-F238E27FC236}">
+                <a16:creationId xmlns:a16="http://schemas.microsoft.com/office/drawing/2014/main" id="{DB146403-F3D6-484B-B2ED-97F9565D0370}"/>
+              </a:ext>
+              <a:ext uri="{C183D7F6-B498-43B3-948B-1728B52AA6E4}">
+                <adec:decorative xmlns:adec="http://schemas.microsoft.com/office/drawing/2017/decorative" val="1"/>
+              </a:ext>
+            </a:extLst>
+          </p:cNvPr>
+          <p:cNvCxnSpPr>
+            <a:cxnSpLocks noGrp="1" noRot="1" noChangeAspect="1" noMove="1" noResize="1" noEditPoints="1" noAdjustHandles="1" noChangeArrowheads="1" noChangeShapeType="1"/>
+          </p:cNvCxnSpPr>
+          <p:nvPr>
+            <p:extLst>
+              <p:ext uri="{386F3935-93C4-4BCD-93E2-E3B085C9AB24}">
+                <p16:designElem xmlns:p16="http://schemas.microsoft.com/office/powerpoint/2015/main" val="1"/>
+              </p:ext>
+            </p:extLst>
+          </p:nvPr>
+        </p:nvCxnSpPr>
+        <p:spPr>
+          <a:xfrm>
+            <a:off x="6116278" y="2596836"/>
+            <a:ext cx="0" cy="3657600"/>
+          </a:xfrm>
+          <a:prstGeom prst="line">
+            <a:avLst/>
+          </a:prstGeom>
+          <a:ln w="101600" cmpd="dbl">
+            <a:solidFill>
+              <a:srgbClr val="595959"/>
+            </a:solidFill>
+          </a:ln>
+        </p:spPr>
+        <p:style>
+          <a:lnRef idx="1">
+            <a:schemeClr val="accent1"/>
+          </a:lnRef>
+          <a:fillRef idx="0">
+            <a:schemeClr val="accent1"/>
+          </a:fillRef>
+          <a:effectRef idx="0">
+            <a:schemeClr val="accent1"/>
+          </a:effectRef>
+          <a:fontRef idx="minor">
+            <a:schemeClr val="tx1"/>
+          </a:fontRef>
+        </p:style>
+      </p:cxnSp>
+      <p:pic>
+        <p:nvPicPr>
+          <p:cNvPr id="8" name="Content Placeholder 7" descr="A picture containing drawing&#10;&#10;Description automatically generated">
+            <a:extLst>
+              <a:ext uri="{FF2B5EF4-FFF2-40B4-BE49-F238E27FC236}">
+                <a16:creationId xmlns:a16="http://schemas.microsoft.com/office/drawing/2014/main" id="{DF95F166-54AD-49C8-81C2-B2E32AACB5E7}"/>
+              </a:ext>
+            </a:extLst>
+          </p:cNvPr>
+          <p:cNvPicPr>
+            <a:picLocks noGrp="1" noChangeAspect="1"/>
+          </p:cNvPicPr>
+          <p:nvPr>
+            <p:ph sz="half" idx="2"/>
+          </p:nvPr>
+        </p:nvPicPr>
+        <p:blipFill>
+          <a:blip r:embed="rId3">
+            <a:extLst>
+              <a:ext uri="{28A0092B-C50C-407E-A947-70E740481C1C}">
+                <a14:useLocalDpi xmlns:a14="http://schemas.microsoft.com/office/drawing/2010/main" val="0"/>
+              </a:ext>
+            </a:extLst>
+          </a:blip>
+          <a:stretch>
+            <a:fillRect/>
+          </a:stretch>
+        </p:blipFill>
+        <p:spPr>
+          <a:xfrm>
+            <a:off x="6445073" y="3382192"/>
+            <a:ext cx="5455917" cy="2086888"/>
+          </a:xfrm>
+          <a:prstGeom prst="rect">
+            <a:avLst/>
+          </a:prstGeom>
+        </p:spPr>
+      </p:pic>
     </p:spTree>
     <p:extLst>
       <p:ext uri="{BB962C8B-B14F-4D97-AF65-F5344CB8AC3E}">
-        <p14:creationId xmlns:p14="http://schemas.microsoft.com/office/powerpoint/2010/main" val="1864223297"/>
+        <p14:creationId xmlns:p14="http://schemas.microsoft.com/office/powerpoint/2010/main" val="1041235337"/>
       </p:ext>
     </p:extLst>
   </p:cSld>
@@ -5948,9 +8591,17 @@
 </p:sld>
 </file>
 
-<file path=ppt/slides/slide6.xml><?xml version="1.0" encoding="utf-8"?>
+<file path=ppt/slides/slide7.xml><?xml version="1.0" encoding="utf-8"?>
 <p:sld xmlns:a="http://schemas.openxmlformats.org/drawingml/2006/main" xmlns:r="http://schemas.openxmlformats.org/officeDocument/2006/relationships" xmlns:p="http://schemas.openxmlformats.org/presentationml/2006/main">
   <p:cSld>
+    <p:bg>
+      <p:bgPr>
+        <a:solidFill>
+          <a:schemeClr val="tx1"/>
+        </a:solidFill>
+        <a:effectLst/>
+      </p:bgPr>
+    </p:bg>
     <p:spTree>
       <p:nvGrpSpPr>
         <p:cNvPr id="1" name=""/>
@@ -5967,24 +8618,127 @@
       </p:grpSpPr>
       <p:sp>
         <p:nvSpPr>
-          <p:cNvPr id="2" name="Title 1">
-            <a:extLst>
-              <a:ext uri="{FF2B5EF4-FFF2-40B4-BE49-F238E27FC236}">
-                <a16:creationId xmlns:a16="http://schemas.microsoft.com/office/drawing/2014/main" id="{1A324127-F3A0-40CC-B852-6BD29999703A}"/>
-              </a:ext>
-            </a:extLst>
-          </p:cNvPr>
-          <p:cNvSpPr>
-            <a:spLocks noGrp="1"/>
-          </p:cNvSpPr>
-          <p:nvPr>
-            <p:ph type="title"/>
+          <p:cNvPr id="15" name="Rectangle 14">
+            <a:extLst>
+              <a:ext uri="{FF2B5EF4-FFF2-40B4-BE49-F238E27FC236}">
+                <a16:creationId xmlns:a16="http://schemas.microsoft.com/office/drawing/2014/main" id="{867D4867-5BA7-4462-B2F6-A23F4A622AA7}"/>
+              </a:ext>
+              <a:ext uri="{C183D7F6-B498-43B3-948B-1728B52AA6E4}">
+                <adec:decorative xmlns:adec="http://schemas.microsoft.com/office/drawing/2017/decorative" val="1"/>
+              </a:ext>
+            </a:extLst>
+          </p:cNvPr>
+          <p:cNvSpPr>
+            <a:spLocks noGrp="1" noRot="1" noChangeAspect="1" noMove="1" noResize="1" noEditPoints="1" noAdjustHandles="1" noChangeArrowheads="1" noChangeShapeType="1" noTextEdit="1"/>
+          </p:cNvSpPr>
+          <p:nvPr>
+            <p:extLst>
+              <p:ext uri="{386F3935-93C4-4BCD-93E2-E3B085C9AB24}">
+                <p16:designElem xmlns:p16="http://schemas.microsoft.com/office/powerpoint/2015/main" val="1"/>
+              </p:ext>
+            </p:extLst>
           </p:nvPr>
         </p:nvSpPr>
         <p:spPr>
           <a:xfrm>
-            <a:off x="1115568" y="548640"/>
-            <a:ext cx="10168128" cy="1179576"/>
+            <a:off x="0" y="0"/>
+            <a:ext cx="4654296" cy="6858000"/>
+          </a:xfrm>
+          <a:prstGeom prst="rect">
+            <a:avLst/>
+          </a:prstGeom>
+          <a:solidFill>
+            <a:srgbClr val="3F3F3F"/>
+          </a:solidFill>
+          <a:ln>
+            <a:noFill/>
+          </a:ln>
+        </p:spPr>
+        <p:style>
+          <a:lnRef idx="0">
+            <a:scrgbClr r="0" g="0" b="0"/>
+          </a:lnRef>
+          <a:fillRef idx="0">
+            <a:scrgbClr r="0" g="0" b="0"/>
+          </a:fillRef>
+          <a:effectRef idx="0">
+            <a:scrgbClr r="0" g="0" b="0"/>
+          </a:effectRef>
+          <a:fontRef idx="minor">
+            <a:schemeClr val="lt1"/>
+          </a:fontRef>
+        </p:style>
+        <p:txBody>
+          <a:bodyPr rtlCol="0" anchor="ctr"/>
+          <a:lstStyle/>
+          <a:p>
+            <a:pPr algn="ctr"/>
+            <a:endParaRPr lang="en-US" dirty="0"/>
+          </a:p>
+        </p:txBody>
+      </p:sp>
+      <p:sp>
+        <p:nvSpPr>
+          <p:cNvPr id="2" name="Title 1">
+            <a:extLst>
+              <a:ext uri="{FF2B5EF4-FFF2-40B4-BE49-F238E27FC236}">
+                <a16:creationId xmlns:a16="http://schemas.microsoft.com/office/drawing/2014/main" id="{1A324127-F3A0-40CC-B852-6BD29999703A}"/>
+              </a:ext>
+            </a:extLst>
+          </p:cNvPr>
+          <p:cNvSpPr>
+            <a:spLocks noGrp="1"/>
+          </p:cNvSpPr>
+          <p:nvPr>
+            <p:ph type="title"/>
+          </p:nvPr>
+        </p:nvSpPr>
+        <p:spPr>
+          <a:xfrm>
+            <a:off x="643468" y="623392"/>
+            <a:ext cx="3363974" cy="1607060"/>
+          </a:xfrm>
+          <a:noFill/>
+          <a:ln w="19050">
+            <a:solidFill>
+              <a:schemeClr val="tx1"/>
+            </a:solidFill>
+          </a:ln>
+        </p:spPr>
+        <p:txBody>
+          <a:bodyPr wrap="square" anchor="ctr">
+            <a:normAutofit/>
+          </a:bodyPr>
+          <a:lstStyle/>
+          <a:p>
+            <a:pPr algn="ctr"/>
+            <a:r>
+              <a:rPr lang="en-US" sz="2800"/>
+              <a:t>Akka.NET</a:t>
+            </a:r>
+          </a:p>
+        </p:txBody>
+      </p:sp>
+      <p:sp>
+        <p:nvSpPr>
+          <p:cNvPr id="3" name="Content Placeholder 2">
+            <a:extLst>
+              <a:ext uri="{FF2B5EF4-FFF2-40B4-BE49-F238E27FC236}">
+                <a16:creationId xmlns:a16="http://schemas.microsoft.com/office/drawing/2014/main" id="{B56D590A-7742-4D27-A18D-B94300EAA8B0}"/>
+              </a:ext>
+            </a:extLst>
+          </p:cNvPr>
+          <p:cNvSpPr>
+            <a:spLocks noGrp="1"/>
+          </p:cNvSpPr>
+          <p:nvPr>
+            <p:ph idx="1"/>
+          </p:nvPr>
+        </p:nvSpPr>
+        <p:spPr>
+          <a:xfrm>
+            <a:off x="643468" y="2638043"/>
+            <a:ext cx="3363974" cy="3415623"/>
           </a:xfrm>
         </p:spPr>
         <p:txBody>
@@ -5994,60 +8748,84 @@
           <a:lstStyle/>
           <a:p>
             <a:r>
-              <a:rPr lang="en-US" sz="4000" dirty="0"/>
-              <a:t>.NET Implementations</a:t>
-            </a:r>
-          </a:p>
-        </p:txBody>
-      </p:sp>
-      <p:sp>
-        <p:nvSpPr>
-          <p:cNvPr id="3" name="Content Placeholder 2">
-            <a:extLst>
-              <a:ext uri="{FF2B5EF4-FFF2-40B4-BE49-F238E27FC236}">
-                <a16:creationId xmlns:a16="http://schemas.microsoft.com/office/drawing/2014/main" id="{B56D590A-7742-4D27-A18D-B94300EAA8B0}"/>
-              </a:ext>
-            </a:extLst>
-          </p:cNvPr>
-          <p:cNvSpPr>
-            <a:spLocks noGrp="1"/>
-          </p:cNvSpPr>
-          <p:nvPr>
-            <p:ph idx="1"/>
-          </p:nvPr>
-        </p:nvSpPr>
+              <a:rPr lang="en-US" sz="2000"/>
+              <a:t>Untyped Actor</a:t>
+            </a:r>
+          </a:p>
+          <a:p>
+            <a:r>
+              <a:rPr lang="en-US" sz="2000"/>
+              <a:t>Messages</a:t>
+            </a:r>
+          </a:p>
+          <a:p>
+            <a:r>
+              <a:rPr lang="en-US" sz="2000"/>
+              <a:t>Actor System</a:t>
+            </a:r>
+          </a:p>
+        </p:txBody>
+      </p:sp>
+      <p:pic>
+        <p:nvPicPr>
+          <p:cNvPr id="7" name="Picture 6" descr="A screenshot of a social media post&#10;&#10;Description automatically generated">
+            <a:extLst>
+              <a:ext uri="{FF2B5EF4-FFF2-40B4-BE49-F238E27FC236}">
+                <a16:creationId xmlns:a16="http://schemas.microsoft.com/office/drawing/2014/main" id="{FCF6DF30-AA4E-409C-B823-B5DACD70E115}"/>
+              </a:ext>
+            </a:extLst>
+          </p:cNvPr>
+          <p:cNvPicPr>
+            <a:picLocks noChangeAspect="1"/>
+          </p:cNvPicPr>
+          <p:nvPr/>
+        </p:nvPicPr>
+        <p:blipFill>
+          <a:blip r:embed="rId3">
+            <a:extLst>
+              <a:ext uri="{28A0092B-C50C-407E-A947-70E740481C1C}">
+                <a14:useLocalDpi xmlns:a14="http://schemas.microsoft.com/office/drawing/2010/main" val="0"/>
+              </a:ext>
+            </a:extLst>
+          </a:blip>
+          <a:stretch>
+            <a:fillRect/>
+          </a:stretch>
+        </p:blipFill>
         <p:spPr>
           <a:xfrm>
-            <a:off x="1115568" y="2481943"/>
-            <a:ext cx="10168128" cy="3695020"/>
+            <a:off x="5351110" y="643467"/>
+            <a:ext cx="6144074" cy="5410199"/>
           </a:xfrm>
+          <a:prstGeom prst="rect">
+            <a:avLst/>
+          </a:prstGeom>
         </p:spPr>
-        <p:txBody>
-          <a:bodyPr>
-            <a:normAutofit/>
-          </a:bodyPr>
-          <a:lstStyle/>
-          <a:p>
-            <a:endParaRPr lang="en-US" sz="2200" dirty="0"/>
-          </a:p>
-        </p:txBody>
-      </p:sp>
+      </p:pic>
     </p:spTree>
     <p:extLst>
       <p:ext uri="{BB962C8B-B14F-4D97-AF65-F5344CB8AC3E}">
-        <p14:creationId xmlns:p14="http://schemas.microsoft.com/office/powerpoint/2010/main" val="1681539259"/>
+        <p14:creationId xmlns:p14="http://schemas.microsoft.com/office/powerpoint/2010/main" val="3379074855"/>
       </p:ext>
     </p:extLst>
   </p:cSld>
   <p:clrMapOvr>
-    <a:masterClrMapping/>
+    <a:overrideClrMapping bg1="dk1" tx1="lt1" bg2="dk2" tx2="lt2" accent1="accent1" accent2="accent2" accent3="accent3" accent4="accent4" accent5="accent5" accent6="accent6" hlink="hlink" folHlink="folHlink"/>
   </p:clrMapOvr>
 </p:sld>
 </file>
 
-<file path=ppt/slides/slide7.xml><?xml version="1.0" encoding="utf-8"?>
+<file path=ppt/slides/slide8.xml><?xml version="1.0" encoding="utf-8"?>
 <p:sld xmlns:a="http://schemas.openxmlformats.org/drawingml/2006/main" xmlns:r="http://schemas.openxmlformats.org/officeDocument/2006/relationships" xmlns:p="http://schemas.openxmlformats.org/presentationml/2006/main">
   <p:cSld>
+    <p:bg>
+      <p:bgPr>
+        <a:solidFill>
+          <a:schemeClr val="bg1"/>
+        </a:solidFill>
+        <a:effectLst/>
+      </p:bgPr>
+    </p:bg>
     <p:spTree>
       <p:nvGrpSpPr>
         <p:cNvPr id="1" name=""/>
@@ -6064,10 +8842,81 @@
       </p:grpSpPr>
       <p:sp>
         <p:nvSpPr>
+          <p:cNvPr id="8" name="Rectangle 7">
+            <a:extLst>
+              <a:ext uri="{FF2B5EF4-FFF2-40B4-BE49-F238E27FC236}">
+                <a16:creationId xmlns:a16="http://schemas.microsoft.com/office/drawing/2014/main" id="{F98ED85F-DCEE-4B50-802E-71A6E3E12B04}"/>
+              </a:ext>
+              <a:ext uri="{C183D7F6-B498-43B3-948B-1728B52AA6E4}">
+                <adec:decorative xmlns:adec="http://schemas.microsoft.com/office/drawing/2017/decorative" val="1"/>
+              </a:ext>
+            </a:extLst>
+          </p:cNvPr>
+          <p:cNvSpPr>
+            <a:spLocks noGrp="1" noRot="1" noChangeAspect="1" noMove="1" noResize="1" noEditPoints="1" noAdjustHandles="1" noChangeArrowheads="1" noChangeShapeType="1" noTextEdit="1"/>
+          </p:cNvSpPr>
+          <p:nvPr>
+            <p:extLst>
+              <p:ext uri="{386F3935-93C4-4BCD-93E2-E3B085C9AB24}">
+                <p16:designElem xmlns:p16="http://schemas.microsoft.com/office/powerpoint/2015/main" val="1"/>
+              </p:ext>
+            </p:extLst>
+          </p:nvPr>
+        </p:nvSpPr>
+        <p:spPr bwMode="ltGray">
+          <a:xfrm>
+            <a:off x="321564" y="320040"/>
+            <a:ext cx="11548872" cy="6217920"/>
+          </a:xfrm>
+          <a:prstGeom prst="rect">
+            <a:avLst/>
+          </a:prstGeom>
+          <a:solidFill>
+            <a:schemeClr val="tx1">
+              <a:lumMod val="75000"/>
+              <a:lumOff val="25000"/>
+            </a:schemeClr>
+          </a:solidFill>
+          <a:ln w="127000" cap="sq" cmpd="thinThick">
+            <a:solidFill>
+              <a:schemeClr val="tx1">
+                <a:lumMod val="75000"/>
+                <a:lumOff val="25000"/>
+              </a:schemeClr>
+            </a:solidFill>
+          </a:ln>
+        </p:spPr>
+        <p:style>
+          <a:lnRef idx="2">
+            <a:schemeClr val="accent1">
+              <a:shade val="50000"/>
+            </a:schemeClr>
+          </a:lnRef>
+          <a:fillRef idx="1">
+            <a:schemeClr val="accent1"/>
+          </a:fillRef>
+          <a:effectRef idx="0">
+            <a:schemeClr val="accent1"/>
+          </a:effectRef>
+          <a:fontRef idx="minor">
+            <a:schemeClr val="lt1"/>
+          </a:fontRef>
+        </p:style>
+        <p:txBody>
+          <a:bodyPr rtlCol="0" anchor="ctr"/>
+          <a:lstStyle/>
+          <a:p>
+            <a:pPr algn="ctr"/>
+            <a:endParaRPr lang="en-US"/>
+          </a:p>
+        </p:txBody>
+      </p:sp>
+      <p:sp>
+        <p:nvSpPr>
           <p:cNvPr id="2" name="Title 1">
             <a:extLst>
               <a:ext uri="{FF2B5EF4-FFF2-40B4-BE49-F238E27FC236}">
-                <a16:creationId xmlns:a16="http://schemas.microsoft.com/office/drawing/2014/main" id="{1A324127-F3A0-40CC-B852-6BD29999703A}"/>
+                <a16:creationId xmlns:a16="http://schemas.microsoft.com/office/drawing/2014/main" id="{326C60C6-C446-405A-993B-CCA231DA61AA}"/>
               </a:ext>
             </a:extLst>
           </p:cNvPr>
@@ -6080,8 +8929,8 @@
         </p:nvSpPr>
         <p:spPr>
           <a:xfrm>
-            <a:off x="1115568" y="548640"/>
-            <a:ext cx="10168128" cy="1179576"/>
+            <a:off x="838200" y="631825"/>
+            <a:ext cx="10515600" cy="1325563"/>
           </a:xfrm>
         </p:spPr>
         <p:txBody>
@@ -6091,32 +8940,88 @@
           <a:lstStyle/>
           <a:p>
             <a:r>
-              <a:rPr lang="en-US" sz="4000" dirty="0"/>
-              <a:t>Akka.NET</a:t>
-            </a:r>
-          </a:p>
-        </p:txBody>
-      </p:sp>
-      <p:sp>
-        <p:nvSpPr>
-          <p:cNvPr id="3" name="Content Placeholder 2">
-            <a:extLst>
-              <a:ext uri="{FF2B5EF4-FFF2-40B4-BE49-F238E27FC236}">
-                <a16:creationId xmlns:a16="http://schemas.microsoft.com/office/drawing/2014/main" id="{B56D590A-7742-4D27-A18D-B94300EAA8B0}"/>
-              </a:ext>
-            </a:extLst>
-          </p:cNvPr>
-          <p:cNvSpPr>
-            <a:spLocks noGrp="1"/>
-          </p:cNvSpPr>
-          <p:nvPr>
-            <p:ph idx="1"/>
-          </p:nvPr>
-        </p:nvSpPr>
+              <a:rPr lang="en-US" dirty="0">
+                <a:solidFill>
+                  <a:schemeClr val="bg1"/>
+                </a:solidFill>
+              </a:rPr>
+              <a:t>Orleans.NET</a:t>
+            </a:r>
+          </a:p>
+        </p:txBody>
+      </p:sp>
+      <p:cxnSp>
+        <p:nvCxnSpPr>
+          <p:cNvPr id="10" name="Straight Connector 9">
+            <a:extLst>
+              <a:ext uri="{FF2B5EF4-FFF2-40B4-BE49-F238E27FC236}">
+                <a16:creationId xmlns:a16="http://schemas.microsoft.com/office/drawing/2014/main" id="{E8E35B83-1EC3-4F87-9D54-D863463351B9}"/>
+              </a:ext>
+              <a:ext uri="{C183D7F6-B498-43B3-948B-1728B52AA6E4}">
+                <adec:decorative xmlns:adec="http://schemas.microsoft.com/office/drawing/2017/decorative" val="1"/>
+              </a:ext>
+            </a:extLst>
+          </p:cNvPr>
+          <p:cNvCxnSpPr>
+            <a:cxnSpLocks noGrp="1" noRot="1" noChangeAspect="1" noMove="1" noResize="1" noEditPoints="1" noAdjustHandles="1" noChangeArrowheads="1" noChangeShapeType="1"/>
+          </p:cNvCxnSpPr>
+          <p:nvPr>
+            <p:extLst>
+              <p:ext uri="{386F3935-93C4-4BCD-93E2-E3B085C9AB24}">
+                <p16:designElem xmlns:p16="http://schemas.microsoft.com/office/powerpoint/2015/main" val="1"/>
+              </p:ext>
+            </p:extLst>
+          </p:nvPr>
+        </p:nvCxnSpPr>
         <p:spPr>
           <a:xfrm>
-            <a:off x="1115568" y="2481943"/>
-            <a:ext cx="10168128" cy="3695020"/>
+            <a:off x="897636" y="1957388"/>
+            <a:ext cx="10396728" cy="0"/>
+          </a:xfrm>
+          <a:prstGeom prst="line">
+            <a:avLst/>
+          </a:prstGeom>
+          <a:ln w="22225">
+            <a:solidFill>
+              <a:schemeClr val="bg1"/>
+            </a:solidFill>
+          </a:ln>
+        </p:spPr>
+        <p:style>
+          <a:lnRef idx="1">
+            <a:schemeClr val="accent1"/>
+          </a:lnRef>
+          <a:fillRef idx="0">
+            <a:schemeClr val="accent1"/>
+          </a:fillRef>
+          <a:effectRef idx="0">
+            <a:schemeClr val="accent1"/>
+          </a:effectRef>
+          <a:fontRef idx="minor">
+            <a:schemeClr val="tx1"/>
+          </a:fontRef>
+        </p:style>
+      </p:cxnSp>
+      <p:sp>
+        <p:nvSpPr>
+          <p:cNvPr id="3" name="Content Placeholder 2">
+            <a:extLst>
+              <a:ext uri="{FF2B5EF4-FFF2-40B4-BE49-F238E27FC236}">
+                <a16:creationId xmlns:a16="http://schemas.microsoft.com/office/drawing/2014/main" id="{F6A3081F-8675-4D95-96A0-ADA82E633E3A}"/>
+              </a:ext>
+            </a:extLst>
+          </p:cNvPr>
+          <p:cNvSpPr>
+            <a:spLocks noGrp="1"/>
+          </p:cNvSpPr>
+          <p:nvPr>
+            <p:ph idx="1"/>
+          </p:nvPr>
+        </p:nvSpPr>
+        <p:spPr>
+          <a:xfrm>
+            <a:off x="838200" y="2269173"/>
+            <a:ext cx="10515600" cy="3659988"/>
           </a:xfrm>
         </p:spPr>
         <p:txBody>
@@ -6125,14 +9030,75 @@
           </a:bodyPr>
           <a:lstStyle/>
           <a:p>
-            <a:endParaRPr lang="en-US" sz="2200" dirty="0"/>
+            <a:r>
+              <a:rPr lang="en-US" sz="2400" dirty="0">
+                <a:solidFill>
+                  <a:schemeClr val="bg1"/>
+                </a:solidFill>
+              </a:rPr>
+              <a:t>Grains</a:t>
+            </a:r>
+          </a:p>
+          <a:p>
+            <a:r>
+              <a:rPr lang="en-US" sz="2400" dirty="0">
+                <a:solidFill>
+                  <a:schemeClr val="bg1"/>
+                </a:solidFill>
+              </a:rPr>
+              <a:t>Silos</a:t>
+            </a:r>
+          </a:p>
+          <a:p>
+            <a:r>
+              <a:rPr lang="en-US" sz="2400" dirty="0">
+                <a:solidFill>
+                  <a:schemeClr val="bg1"/>
+                </a:solidFill>
+              </a:rPr>
+              <a:t>Cluster</a:t>
+            </a:r>
+          </a:p>
+          <a:p>
+            <a:r>
+              <a:rPr lang="en-US" sz="2400" dirty="0">
+                <a:solidFill>
+                  <a:schemeClr val="bg1"/>
+                </a:solidFill>
+              </a:rPr>
+              <a:t>Client</a:t>
+            </a:r>
+          </a:p>
+          <a:p>
+            <a:r>
+              <a:rPr lang="en-US" sz="2400" dirty="0">
+                <a:solidFill>
+                  <a:schemeClr val="bg1"/>
+                </a:solidFill>
+              </a:rPr>
+              <a:t>Liveliness</a:t>
+            </a:r>
+          </a:p>
+          <a:p>
+            <a:endParaRPr lang="en-US" sz="2400" dirty="0">
+              <a:solidFill>
+                <a:schemeClr val="bg1"/>
+              </a:solidFill>
+            </a:endParaRPr>
+          </a:p>
+          <a:p>
+            <a:endParaRPr lang="en-US" sz="2400" dirty="0">
+              <a:solidFill>
+                <a:schemeClr val="bg1"/>
+              </a:solidFill>
+            </a:endParaRPr>
           </a:p>
         </p:txBody>
       </p:sp>
     </p:spTree>
     <p:extLst>
       <p:ext uri="{BB962C8B-B14F-4D97-AF65-F5344CB8AC3E}">
-        <p14:creationId xmlns:p14="http://schemas.microsoft.com/office/powerpoint/2010/main" val="3379074855"/>
+        <p14:creationId xmlns:p14="http://schemas.microsoft.com/office/powerpoint/2010/main" val="4257974708"/>
       </p:ext>
     </p:extLst>
   </p:cSld>
@@ -6142,9 +9108,17 @@
 </p:sld>
 </file>
 
-<file path=ppt/slides/slide8.xml><?xml version="1.0" encoding="utf-8"?>
+<file path=ppt/slides/slide9.xml><?xml version="1.0" encoding="utf-8"?>
 <p:sld xmlns:a="http://schemas.openxmlformats.org/drawingml/2006/main" xmlns:r="http://schemas.openxmlformats.org/officeDocument/2006/relationships" xmlns:p="http://schemas.openxmlformats.org/presentationml/2006/main">
   <p:cSld>
+    <p:bg>
+      <p:bgPr>
+        <a:solidFill>
+          <a:schemeClr val="bg1"/>
+        </a:solidFill>
+        <a:effectLst/>
+      </p:bgPr>
+    </p:bg>
     <p:spTree>
       <p:nvGrpSpPr>
         <p:cNvPr id="1" name=""/>
@@ -6161,6 +9135,77 @@
       </p:grpSpPr>
       <p:sp>
         <p:nvSpPr>
+          <p:cNvPr id="8" name="Rectangle 7">
+            <a:extLst>
+              <a:ext uri="{FF2B5EF4-FFF2-40B4-BE49-F238E27FC236}">
+                <a16:creationId xmlns:a16="http://schemas.microsoft.com/office/drawing/2014/main" id="{F98ED85F-DCEE-4B50-802E-71A6E3E12B04}"/>
+              </a:ext>
+              <a:ext uri="{C183D7F6-B498-43B3-948B-1728B52AA6E4}">
+                <adec:decorative xmlns:adec="http://schemas.microsoft.com/office/drawing/2017/decorative" val="1"/>
+              </a:ext>
+            </a:extLst>
+          </p:cNvPr>
+          <p:cNvSpPr>
+            <a:spLocks noGrp="1" noRot="1" noChangeAspect="1" noMove="1" noResize="1" noEditPoints="1" noAdjustHandles="1" noChangeArrowheads="1" noChangeShapeType="1" noTextEdit="1"/>
+          </p:cNvSpPr>
+          <p:nvPr>
+            <p:extLst>
+              <p:ext uri="{386F3935-93C4-4BCD-93E2-E3B085C9AB24}">
+                <p16:designElem xmlns:p16="http://schemas.microsoft.com/office/powerpoint/2015/main" val="1"/>
+              </p:ext>
+            </p:extLst>
+          </p:nvPr>
+        </p:nvSpPr>
+        <p:spPr bwMode="ltGray">
+          <a:xfrm>
+            <a:off x="321564" y="320040"/>
+            <a:ext cx="11548872" cy="6217920"/>
+          </a:xfrm>
+          <a:prstGeom prst="rect">
+            <a:avLst/>
+          </a:prstGeom>
+          <a:solidFill>
+            <a:schemeClr val="tx1">
+              <a:lumMod val="75000"/>
+              <a:lumOff val="25000"/>
+            </a:schemeClr>
+          </a:solidFill>
+          <a:ln w="127000" cap="sq" cmpd="thinThick">
+            <a:solidFill>
+              <a:schemeClr val="tx1">
+                <a:lumMod val="75000"/>
+                <a:lumOff val="25000"/>
+              </a:schemeClr>
+            </a:solidFill>
+          </a:ln>
+        </p:spPr>
+        <p:style>
+          <a:lnRef idx="2">
+            <a:schemeClr val="accent1">
+              <a:shade val="50000"/>
+            </a:schemeClr>
+          </a:lnRef>
+          <a:fillRef idx="1">
+            <a:schemeClr val="accent1"/>
+          </a:fillRef>
+          <a:effectRef idx="0">
+            <a:schemeClr val="accent1"/>
+          </a:effectRef>
+          <a:fontRef idx="minor">
+            <a:schemeClr val="lt1"/>
+          </a:fontRef>
+        </p:style>
+        <p:txBody>
+          <a:bodyPr rtlCol="0" anchor="ctr"/>
+          <a:lstStyle/>
+          <a:p>
+            <a:pPr algn="ctr"/>
+            <a:endParaRPr lang="en-US"/>
+          </a:p>
+        </p:txBody>
+      </p:sp>
+      <p:sp>
+        <p:nvSpPr>
           <p:cNvPr id="2" name="Title 1">
             <a:extLst>
               <a:ext uri="{FF2B5EF4-FFF2-40B4-BE49-F238E27FC236}">
@@ -6177,8 +9222,8 @@
         </p:nvSpPr>
         <p:spPr>
           <a:xfrm>
-            <a:off x="1115568" y="548640"/>
-            <a:ext cx="10168128" cy="1179576"/>
+            <a:off x="838200" y="631825"/>
+            <a:ext cx="10515600" cy="1325563"/>
           </a:xfrm>
         </p:spPr>
         <p:txBody>
@@ -6188,32 +9233,88 @@
           <a:lstStyle/>
           <a:p>
             <a:r>
-              <a:rPr lang="en-US" sz="4000" dirty="0"/>
-              <a:t>Orleans.NET</a:t>
-            </a:r>
-          </a:p>
-        </p:txBody>
-      </p:sp>
-      <p:sp>
-        <p:nvSpPr>
-          <p:cNvPr id="3" name="Content Placeholder 2">
-            <a:extLst>
-              <a:ext uri="{FF2B5EF4-FFF2-40B4-BE49-F238E27FC236}">
-                <a16:creationId xmlns:a16="http://schemas.microsoft.com/office/drawing/2014/main" id="{B56D590A-7742-4D27-A18D-B94300EAA8B0}"/>
-              </a:ext>
-            </a:extLst>
-          </p:cNvPr>
-          <p:cNvSpPr>
-            <a:spLocks noGrp="1"/>
-          </p:cNvSpPr>
-          <p:nvPr>
-            <p:ph idx="1"/>
-          </p:nvPr>
-        </p:nvSpPr>
+              <a:rPr lang="en-US">
+                <a:solidFill>
+                  <a:schemeClr val="bg1"/>
+                </a:solidFill>
+              </a:rPr>
+              <a:t>Trade-offs</a:t>
+            </a:r>
+          </a:p>
+        </p:txBody>
+      </p:sp>
+      <p:cxnSp>
+        <p:nvCxnSpPr>
+          <p:cNvPr id="10" name="Straight Connector 9">
+            <a:extLst>
+              <a:ext uri="{FF2B5EF4-FFF2-40B4-BE49-F238E27FC236}">
+                <a16:creationId xmlns:a16="http://schemas.microsoft.com/office/drawing/2014/main" id="{E8E35B83-1EC3-4F87-9D54-D863463351B9}"/>
+              </a:ext>
+              <a:ext uri="{C183D7F6-B498-43B3-948B-1728B52AA6E4}">
+                <adec:decorative xmlns:adec="http://schemas.microsoft.com/office/drawing/2017/decorative" val="1"/>
+              </a:ext>
+            </a:extLst>
+          </p:cNvPr>
+          <p:cNvCxnSpPr>
+            <a:cxnSpLocks noGrp="1" noRot="1" noChangeAspect="1" noMove="1" noResize="1" noEditPoints="1" noAdjustHandles="1" noChangeArrowheads="1" noChangeShapeType="1"/>
+          </p:cNvCxnSpPr>
+          <p:nvPr>
+            <p:extLst>
+              <p:ext uri="{386F3935-93C4-4BCD-93E2-E3B085C9AB24}">
+                <p16:designElem xmlns:p16="http://schemas.microsoft.com/office/powerpoint/2015/main" val="1"/>
+              </p:ext>
+            </p:extLst>
+          </p:nvPr>
+        </p:nvCxnSpPr>
         <p:spPr>
           <a:xfrm>
-            <a:off x="1115568" y="2481943"/>
-            <a:ext cx="10168128" cy="3695020"/>
+            <a:off x="897636" y="1957388"/>
+            <a:ext cx="10396728" cy="0"/>
+          </a:xfrm>
+          <a:prstGeom prst="line">
+            <a:avLst/>
+          </a:prstGeom>
+          <a:ln w="22225">
+            <a:solidFill>
+              <a:schemeClr val="bg1"/>
+            </a:solidFill>
+          </a:ln>
+        </p:spPr>
+        <p:style>
+          <a:lnRef idx="1">
+            <a:schemeClr val="accent1"/>
+          </a:lnRef>
+          <a:fillRef idx="0">
+            <a:schemeClr val="accent1"/>
+          </a:fillRef>
+          <a:effectRef idx="0">
+            <a:schemeClr val="accent1"/>
+          </a:effectRef>
+          <a:fontRef idx="minor">
+            <a:schemeClr val="tx1"/>
+          </a:fontRef>
+        </p:style>
+      </p:cxnSp>
+      <p:sp>
+        <p:nvSpPr>
+          <p:cNvPr id="3" name="Content Placeholder 2">
+            <a:extLst>
+              <a:ext uri="{FF2B5EF4-FFF2-40B4-BE49-F238E27FC236}">
+                <a16:creationId xmlns:a16="http://schemas.microsoft.com/office/drawing/2014/main" id="{B56D590A-7742-4D27-A18D-B94300EAA8B0}"/>
+              </a:ext>
+            </a:extLst>
+          </p:cNvPr>
+          <p:cNvSpPr>
+            <a:spLocks noGrp="1"/>
+          </p:cNvSpPr>
+          <p:nvPr>
+            <p:ph idx="1"/>
+          </p:nvPr>
+        </p:nvSpPr>
+        <p:spPr>
+          <a:xfrm>
+            <a:off x="838200" y="2269173"/>
+            <a:ext cx="10515600" cy="3659988"/>
           </a:xfrm>
         </p:spPr>
         <p:txBody>
@@ -6222,104 +9323,31 @@
           </a:bodyPr>
           <a:lstStyle/>
           <a:p>
-            <a:endParaRPr lang="en-US" sz="2200" dirty="0"/>
-          </a:p>
-        </p:txBody>
-      </p:sp>
-    </p:spTree>
-    <p:extLst>
-      <p:ext uri="{BB962C8B-B14F-4D97-AF65-F5344CB8AC3E}">
-        <p14:creationId xmlns:p14="http://schemas.microsoft.com/office/powerpoint/2010/main" val="664403941"/>
-      </p:ext>
-    </p:extLst>
-  </p:cSld>
-  <p:clrMapOvr>
-    <a:masterClrMapping/>
-  </p:clrMapOvr>
-</p:sld>
-</file>
-
-<file path=ppt/slides/slide9.xml><?xml version="1.0" encoding="utf-8"?>
-<p:sld xmlns:a="http://schemas.openxmlformats.org/drawingml/2006/main" xmlns:r="http://schemas.openxmlformats.org/officeDocument/2006/relationships" xmlns:p="http://schemas.openxmlformats.org/presentationml/2006/main">
-  <p:cSld>
-    <p:spTree>
-      <p:nvGrpSpPr>
-        <p:cNvPr id="1" name=""/>
-        <p:cNvGrpSpPr/>
-        <p:nvPr/>
-      </p:nvGrpSpPr>
-      <p:grpSpPr>
-        <a:xfrm>
-          <a:off x="0" y="0"/>
-          <a:ext cx="0" cy="0"/>
-          <a:chOff x="0" y="0"/>
-          <a:chExt cx="0" cy="0"/>
-        </a:xfrm>
-      </p:grpSpPr>
-      <p:sp>
-        <p:nvSpPr>
-          <p:cNvPr id="2" name="Title 1">
-            <a:extLst>
-              <a:ext uri="{FF2B5EF4-FFF2-40B4-BE49-F238E27FC236}">
-                <a16:creationId xmlns:a16="http://schemas.microsoft.com/office/drawing/2014/main" id="{1A324127-F3A0-40CC-B852-6BD29999703A}"/>
-              </a:ext>
-            </a:extLst>
-          </p:cNvPr>
-          <p:cNvSpPr>
-            <a:spLocks noGrp="1"/>
-          </p:cNvSpPr>
-          <p:nvPr>
-            <p:ph type="title"/>
-          </p:nvPr>
-        </p:nvSpPr>
-        <p:spPr>
-          <a:xfrm>
-            <a:off x="1115568" y="548640"/>
-            <a:ext cx="10168128" cy="1179576"/>
-          </a:xfrm>
-        </p:spPr>
-        <p:txBody>
-          <a:bodyPr>
-            <a:normAutofit/>
-          </a:bodyPr>
-          <a:lstStyle/>
-          <a:p>
-            <a:r>
-              <a:rPr lang="en-US" sz="4000" dirty="0"/>
-              <a:t>Trade-offs</a:t>
-            </a:r>
-          </a:p>
-        </p:txBody>
-      </p:sp>
-      <p:sp>
-        <p:nvSpPr>
-          <p:cNvPr id="3" name="Content Placeholder 2">
-            <a:extLst>
-              <a:ext uri="{FF2B5EF4-FFF2-40B4-BE49-F238E27FC236}">
-                <a16:creationId xmlns:a16="http://schemas.microsoft.com/office/drawing/2014/main" id="{B56D590A-7742-4D27-A18D-B94300EAA8B0}"/>
-              </a:ext>
-            </a:extLst>
-          </p:cNvPr>
-          <p:cNvSpPr>
-            <a:spLocks noGrp="1"/>
-          </p:cNvSpPr>
-          <p:nvPr>
-            <p:ph idx="1"/>
-          </p:nvPr>
-        </p:nvSpPr>
-        <p:spPr>
-          <a:xfrm>
-            <a:off x="1115568" y="2481943"/>
-            <a:ext cx="10168128" cy="3695020"/>
-          </a:xfrm>
-        </p:spPr>
-        <p:txBody>
-          <a:bodyPr>
-            <a:normAutofit/>
-          </a:bodyPr>
-          <a:lstStyle/>
-          <a:p>
-            <a:endParaRPr lang="en-US" sz="2200" dirty="0"/>
+            <a:r>
+              <a:rPr lang="en-US" sz="2400" dirty="0">
+                <a:solidFill>
+                  <a:schemeClr val="bg1"/>
+                </a:solidFill>
+              </a:rPr>
+              <a:t>Orleans.NET is a simplified toolkit for building distributed systems and allow non-experts to write efficient, scalable and reliable distributed services.</a:t>
+            </a:r>
+          </a:p>
+          <a:p>
+            <a:r>
+              <a:rPr lang="en-US" sz="2400" dirty="0">
+                <a:solidFill>
+                  <a:schemeClr val="bg1"/>
+                </a:solidFill>
+              </a:rPr>
+              <a:t>Akka.NET is a full scale toolkit for building distributed systems and offers much more granular access to the various aspects that make up the actor model.</a:t>
+            </a:r>
+          </a:p>
+          <a:p>
+            <a:endParaRPr lang="en-US" sz="2400" dirty="0">
+              <a:solidFill>
+                <a:schemeClr val="bg1"/>
+              </a:solidFill>
+            </a:endParaRPr>
           </a:p>
         </p:txBody>
       </p:sp>
@@ -6629,4 +9657,299 @@
     </a:ext>
   </a:extLst>
 </a:theme>
+</file>
+
+<file path=ppt/theme/theme2.xml><?xml version="1.0" encoding="utf-8"?>
+<a:theme xmlns:a="http://schemas.openxmlformats.org/drawingml/2006/main" name="Office Theme">
+  <a:themeElements>
+    <a:clrScheme name="Office">
+      <a:dk1>
+        <a:sysClr val="windowText" lastClr="000000"/>
+      </a:dk1>
+      <a:lt1>
+        <a:sysClr val="window" lastClr="FFFFFF"/>
+      </a:lt1>
+      <a:dk2>
+        <a:srgbClr val="44546A"/>
+      </a:dk2>
+      <a:lt2>
+        <a:srgbClr val="E7E6E6"/>
+      </a:lt2>
+      <a:accent1>
+        <a:srgbClr val="4472C4"/>
+      </a:accent1>
+      <a:accent2>
+        <a:srgbClr val="ED7D31"/>
+      </a:accent2>
+      <a:accent3>
+        <a:srgbClr val="A5A5A5"/>
+      </a:accent3>
+      <a:accent4>
+        <a:srgbClr val="FFC000"/>
+      </a:accent4>
+      <a:accent5>
+        <a:srgbClr val="5B9BD5"/>
+      </a:accent5>
+      <a:accent6>
+        <a:srgbClr val="70AD47"/>
+      </a:accent6>
+      <a:hlink>
+        <a:srgbClr val="0563C1"/>
+      </a:hlink>
+      <a:folHlink>
+        <a:srgbClr val="954F72"/>
+      </a:folHlink>
+    </a:clrScheme>
+    <a:fontScheme name="Office">
+      <a:majorFont>
+        <a:latin typeface="Calibri Light" panose="020F0302020204030204"/>
+        <a:ea typeface=""/>
+        <a:cs typeface=""/>
+        <a:font script="Jpan" typeface="游ゴシック Light"/>
+        <a:font script="Hang" typeface="맑은 고딕"/>
+        <a:font script="Hans" typeface="等线 Light"/>
+        <a:font script="Hant" typeface="新細明體"/>
+        <a:font script="Arab" typeface="Times New Roman"/>
+        <a:font script="Hebr" typeface="Times New Roman"/>
+        <a:font script="Thai" typeface="Angsana New"/>
+        <a:font script="Ethi" typeface="Nyala"/>
+        <a:font script="Beng" typeface="Vrinda"/>
+        <a:font script="Gujr" typeface="Shruti"/>
+        <a:font script="Khmr" typeface="MoolBoran"/>
+        <a:font script="Knda" typeface="Tunga"/>
+        <a:font script="Guru" typeface="Raavi"/>
+        <a:font script="Cans" typeface="Euphemia"/>
+        <a:font script="Cher" typeface="Plantagenet Cherokee"/>
+        <a:font script="Yiii" typeface="Microsoft Yi Baiti"/>
+        <a:font script="Tibt" typeface="Microsoft Himalaya"/>
+        <a:font script="Thaa" typeface="MV Boli"/>
+        <a:font script="Deva" typeface="Mangal"/>
+        <a:font script="Telu" typeface="Gautami"/>
+        <a:font script="Taml" typeface="Latha"/>
+        <a:font script="Syrc" typeface="Estrangelo Edessa"/>
+        <a:font script="Orya" typeface="Kalinga"/>
+        <a:font script="Mlym" typeface="Kartika"/>
+        <a:font script="Laoo" typeface="DokChampa"/>
+        <a:font script="Sinh" typeface="Iskoola Pota"/>
+        <a:font script="Mong" typeface="Mongolian Baiti"/>
+        <a:font script="Viet" typeface="Times New Roman"/>
+        <a:font script="Uigh" typeface="Microsoft Uighur"/>
+        <a:font script="Geor" typeface="Sylfaen"/>
+        <a:font script="Armn" typeface="Arial"/>
+        <a:font script="Bugi" typeface="Leelawadee UI"/>
+        <a:font script="Bopo" typeface="Microsoft JhengHei"/>
+        <a:font script="Java" typeface="Javanese Text"/>
+        <a:font script="Lisu" typeface="Segoe UI"/>
+        <a:font script="Mymr" typeface="Myanmar Text"/>
+        <a:font script="Nkoo" typeface="Ebrima"/>
+        <a:font script="Olck" typeface="Nirmala UI"/>
+        <a:font script="Osma" typeface="Ebrima"/>
+        <a:font script="Phag" typeface="Phagspa"/>
+        <a:font script="Syrn" typeface="Estrangelo Edessa"/>
+        <a:font script="Syrj" typeface="Estrangelo Edessa"/>
+        <a:font script="Syre" typeface="Estrangelo Edessa"/>
+        <a:font script="Sora" typeface="Nirmala UI"/>
+        <a:font script="Tale" typeface="Microsoft Tai Le"/>
+        <a:font script="Talu" typeface="Microsoft New Tai Lue"/>
+        <a:font script="Tfng" typeface="Ebrima"/>
+      </a:majorFont>
+      <a:minorFont>
+        <a:latin typeface="Calibri" panose="020F0502020204030204"/>
+        <a:ea typeface=""/>
+        <a:cs typeface=""/>
+        <a:font script="Jpan" typeface="游ゴシック"/>
+        <a:font script="Hang" typeface="맑은 고딕"/>
+        <a:font script="Hans" typeface="等线"/>
+        <a:font script="Hant" typeface="新細明體"/>
+        <a:font script="Arab" typeface="Arial"/>
+        <a:font script="Hebr" typeface="Arial"/>
+        <a:font script="Thai" typeface="Cordia New"/>
+        <a:font script="Ethi" typeface="Nyala"/>
+        <a:font script="Beng" typeface="Vrinda"/>
+        <a:font script="Gujr" typeface="Shruti"/>
+        <a:font script="Khmr" typeface="DaunPenh"/>
+        <a:font script="Knda" typeface="Tunga"/>
+        <a:font script="Guru" typeface="Raavi"/>
+        <a:font script="Cans" typeface="Euphemia"/>
+        <a:font script="Cher" typeface="Plantagenet Cherokee"/>
+        <a:font script="Yiii" typeface="Microsoft Yi Baiti"/>
+        <a:font script="Tibt" typeface="Microsoft Himalaya"/>
+        <a:font script="Thaa" typeface="MV Boli"/>
+        <a:font script="Deva" typeface="Mangal"/>
+        <a:font script="Telu" typeface="Gautami"/>
+        <a:font script="Taml" typeface="Latha"/>
+        <a:font script="Syrc" typeface="Estrangelo Edessa"/>
+        <a:font script="Orya" typeface="Kalinga"/>
+        <a:font script="Mlym" typeface="Kartika"/>
+        <a:font script="Laoo" typeface="DokChampa"/>
+        <a:font script="Sinh" typeface="Iskoola Pota"/>
+        <a:font script="Mong" typeface="Mongolian Baiti"/>
+        <a:font script="Viet" typeface="Arial"/>
+        <a:font script="Uigh" typeface="Microsoft Uighur"/>
+        <a:font script="Geor" typeface="Sylfaen"/>
+        <a:font script="Armn" typeface="Arial"/>
+        <a:font script="Bugi" typeface="Leelawadee UI"/>
+        <a:font script="Bopo" typeface="Microsoft JhengHei"/>
+        <a:font script="Java" typeface="Javanese Text"/>
+        <a:font script="Lisu" typeface="Segoe UI"/>
+        <a:font script="Mymr" typeface="Myanmar Text"/>
+        <a:font script="Nkoo" typeface="Ebrima"/>
+        <a:font script="Olck" typeface="Nirmala UI"/>
+        <a:font script="Osma" typeface="Ebrima"/>
+        <a:font script="Phag" typeface="Phagspa"/>
+        <a:font script="Syrn" typeface="Estrangelo Edessa"/>
+        <a:font script="Syrj" typeface="Estrangelo Edessa"/>
+        <a:font script="Syre" typeface="Estrangelo Edessa"/>
+        <a:font script="Sora" typeface="Nirmala UI"/>
+        <a:font script="Tale" typeface="Microsoft Tai Le"/>
+        <a:font script="Talu" typeface="Microsoft New Tai Lue"/>
+        <a:font script="Tfng" typeface="Ebrima"/>
+      </a:minorFont>
+    </a:fontScheme>
+    <a:fmtScheme name="Office">
+      <a:fillStyleLst>
+        <a:solidFill>
+          <a:schemeClr val="phClr"/>
+        </a:solidFill>
+        <a:gradFill rotWithShape="1">
+          <a:gsLst>
+            <a:gs pos="0">
+              <a:schemeClr val="phClr">
+                <a:lumMod val="110000"/>
+                <a:satMod val="105000"/>
+                <a:tint val="67000"/>
+              </a:schemeClr>
+            </a:gs>
+            <a:gs pos="50000">
+              <a:schemeClr val="phClr">
+                <a:lumMod val="105000"/>
+                <a:satMod val="103000"/>
+                <a:tint val="73000"/>
+              </a:schemeClr>
+            </a:gs>
+            <a:gs pos="100000">
+              <a:schemeClr val="phClr">
+                <a:lumMod val="105000"/>
+                <a:satMod val="109000"/>
+                <a:tint val="81000"/>
+              </a:schemeClr>
+            </a:gs>
+          </a:gsLst>
+          <a:lin ang="5400000" scaled="0"/>
+        </a:gradFill>
+        <a:gradFill rotWithShape="1">
+          <a:gsLst>
+            <a:gs pos="0">
+              <a:schemeClr val="phClr">
+                <a:satMod val="103000"/>
+                <a:lumMod val="102000"/>
+                <a:tint val="94000"/>
+              </a:schemeClr>
+            </a:gs>
+            <a:gs pos="50000">
+              <a:schemeClr val="phClr">
+                <a:satMod val="110000"/>
+                <a:lumMod val="100000"/>
+                <a:shade val="100000"/>
+              </a:schemeClr>
+            </a:gs>
+            <a:gs pos="100000">
+              <a:schemeClr val="phClr">
+                <a:lumMod val="99000"/>
+                <a:satMod val="120000"/>
+                <a:shade val="78000"/>
+              </a:schemeClr>
+            </a:gs>
+          </a:gsLst>
+          <a:lin ang="5400000" scaled="0"/>
+        </a:gradFill>
+      </a:fillStyleLst>
+      <a:lnStyleLst>
+        <a:ln w="6350" cap="flat" cmpd="sng" algn="ctr">
+          <a:solidFill>
+            <a:schemeClr val="phClr"/>
+          </a:solidFill>
+          <a:prstDash val="solid"/>
+          <a:miter lim="800000"/>
+        </a:ln>
+        <a:ln w="12700" cap="flat" cmpd="sng" algn="ctr">
+          <a:solidFill>
+            <a:schemeClr val="phClr"/>
+          </a:solidFill>
+          <a:prstDash val="solid"/>
+          <a:miter lim="800000"/>
+        </a:ln>
+        <a:ln w="19050" cap="flat" cmpd="sng" algn="ctr">
+          <a:solidFill>
+            <a:schemeClr val="phClr"/>
+          </a:solidFill>
+          <a:prstDash val="solid"/>
+          <a:miter lim="800000"/>
+        </a:ln>
+      </a:lnStyleLst>
+      <a:effectStyleLst>
+        <a:effectStyle>
+          <a:effectLst/>
+        </a:effectStyle>
+        <a:effectStyle>
+          <a:effectLst/>
+        </a:effectStyle>
+        <a:effectStyle>
+          <a:effectLst>
+            <a:outerShdw blurRad="57150" dist="19050" dir="5400000" algn="ctr" rotWithShape="0">
+              <a:srgbClr val="000000">
+                <a:alpha val="63000"/>
+              </a:srgbClr>
+            </a:outerShdw>
+          </a:effectLst>
+        </a:effectStyle>
+      </a:effectStyleLst>
+      <a:bgFillStyleLst>
+        <a:solidFill>
+          <a:schemeClr val="phClr"/>
+        </a:solidFill>
+        <a:solidFill>
+          <a:schemeClr val="phClr">
+            <a:tint val="95000"/>
+            <a:satMod val="170000"/>
+          </a:schemeClr>
+        </a:solidFill>
+        <a:gradFill rotWithShape="1">
+          <a:gsLst>
+            <a:gs pos="0">
+              <a:schemeClr val="phClr">
+                <a:tint val="93000"/>
+                <a:satMod val="150000"/>
+                <a:shade val="98000"/>
+                <a:lumMod val="102000"/>
+              </a:schemeClr>
+            </a:gs>
+            <a:gs pos="50000">
+              <a:schemeClr val="phClr">
+                <a:tint val="98000"/>
+                <a:satMod val="130000"/>
+                <a:shade val="90000"/>
+                <a:lumMod val="103000"/>
+              </a:schemeClr>
+            </a:gs>
+            <a:gs pos="100000">
+              <a:schemeClr val="phClr">
+                <a:shade val="63000"/>
+                <a:satMod val="120000"/>
+              </a:schemeClr>
+            </a:gs>
+          </a:gsLst>
+          <a:lin ang="5400000" scaled="0"/>
+        </a:gradFill>
+      </a:bgFillStyleLst>
+    </a:fmtScheme>
+  </a:themeElements>
+  <a:objectDefaults/>
+  <a:extraClrSchemeLst/>
+  <a:extLst>
+    <a:ext uri="{05A4C25C-085E-4340-85A3-A5531E510DB2}">
+      <thm15:themeFamily xmlns:thm15="http://schemas.microsoft.com/office/thememl/2012/main" name="Office Theme" id="{62F939B6-93AF-4DB8-9C6B-D6C7DFDC589F}" vid="{4A3C46E8-61CC-4603-A589-7422A47A8E4A}"/>
+    </a:ext>
+  </a:extLst>
+</a:theme>
 </file>
--- a/Docs/ActorModel.pptx
+++ b/Docs/ActorModel.pptx
@@ -207,7 +207,7 @@
           <a:p>
             <a:fld id="{5B3BC4DE-7190-4E27-B1E0-E96F20FD6C7E}" type="datetimeFigureOut">
               <a:rPr lang="en-US" smtClean="0"/>
-              <a:t>4/29/2020</a:t>
+              <a:t>4/30/2020</a:t>
             </a:fld>
             <a:endParaRPr lang="en-US"/>
           </a:p>
@@ -3127,7 +3127,7 @@
           <a:p>
             <a:fld id="{8C97A27F-45FD-4336-85A6-F38ED1EC0AF2}" type="datetimeFigureOut">
               <a:rPr lang="en-US" smtClean="0"/>
-              <a:t>4/29/2020</a:t>
+              <a:t>4/30/2020</a:t>
             </a:fld>
             <a:endParaRPr lang="en-US"/>
           </a:p>
@@ -3325,7 +3325,7 @@
           <a:p>
             <a:fld id="{8C97A27F-45FD-4336-85A6-F38ED1EC0AF2}" type="datetimeFigureOut">
               <a:rPr lang="en-US" smtClean="0"/>
-              <a:t>4/29/2020</a:t>
+              <a:t>4/30/2020</a:t>
             </a:fld>
             <a:endParaRPr lang="en-US"/>
           </a:p>
@@ -3533,7 +3533,7 @@
           <a:p>
             <a:fld id="{8C97A27F-45FD-4336-85A6-F38ED1EC0AF2}" type="datetimeFigureOut">
               <a:rPr lang="en-US" smtClean="0"/>
-              <a:t>4/29/2020</a:t>
+              <a:t>4/30/2020</a:t>
             </a:fld>
             <a:endParaRPr lang="en-US"/>
           </a:p>
@@ -3731,7 +3731,7 @@
           <a:p>
             <a:fld id="{8C97A27F-45FD-4336-85A6-F38ED1EC0AF2}" type="datetimeFigureOut">
               <a:rPr lang="en-US" smtClean="0"/>
-              <a:t>4/29/2020</a:t>
+              <a:t>4/30/2020</a:t>
             </a:fld>
             <a:endParaRPr lang="en-US"/>
           </a:p>
@@ -4006,7 +4006,7 @@
           <a:p>
             <a:fld id="{8C97A27F-45FD-4336-85A6-F38ED1EC0AF2}" type="datetimeFigureOut">
               <a:rPr lang="en-US" smtClean="0"/>
-              <a:t>4/29/2020</a:t>
+              <a:t>4/30/2020</a:t>
             </a:fld>
             <a:endParaRPr lang="en-US"/>
           </a:p>
@@ -4271,7 +4271,7 @@
           <a:p>
             <a:fld id="{8C97A27F-45FD-4336-85A6-F38ED1EC0AF2}" type="datetimeFigureOut">
               <a:rPr lang="en-US" smtClean="0"/>
-              <a:t>4/29/2020</a:t>
+              <a:t>4/30/2020</a:t>
             </a:fld>
             <a:endParaRPr lang="en-US"/>
           </a:p>
@@ -4683,7 +4683,7 @@
           <a:p>
             <a:fld id="{8C97A27F-45FD-4336-85A6-F38ED1EC0AF2}" type="datetimeFigureOut">
               <a:rPr lang="en-US" smtClean="0"/>
-              <a:t>4/29/2020</a:t>
+              <a:t>4/30/2020</a:t>
             </a:fld>
             <a:endParaRPr lang="en-US"/>
           </a:p>
@@ -4824,7 +4824,7 @@
           <a:p>
             <a:fld id="{8C97A27F-45FD-4336-85A6-F38ED1EC0AF2}" type="datetimeFigureOut">
               <a:rPr lang="en-US" smtClean="0"/>
-              <a:t>4/29/2020</a:t>
+              <a:t>4/30/2020</a:t>
             </a:fld>
             <a:endParaRPr lang="en-US"/>
           </a:p>
@@ -4937,7 +4937,7 @@
           <a:p>
             <a:fld id="{8C97A27F-45FD-4336-85A6-F38ED1EC0AF2}" type="datetimeFigureOut">
               <a:rPr lang="en-US" smtClean="0"/>
-              <a:t>4/29/2020</a:t>
+              <a:t>4/30/2020</a:t>
             </a:fld>
             <a:endParaRPr lang="en-US"/>
           </a:p>
@@ -5248,7 +5248,7 @@
           <a:p>
             <a:fld id="{8C97A27F-45FD-4336-85A6-F38ED1EC0AF2}" type="datetimeFigureOut">
               <a:rPr lang="en-US" smtClean="0"/>
-              <a:t>4/29/2020</a:t>
+              <a:t>4/30/2020</a:t>
             </a:fld>
             <a:endParaRPr lang="en-US"/>
           </a:p>
@@ -5536,7 +5536,7 @@
           <a:p>
             <a:fld id="{8C97A27F-45FD-4336-85A6-F38ED1EC0AF2}" type="datetimeFigureOut">
               <a:rPr lang="en-US" smtClean="0"/>
-              <a:t>4/29/2020</a:t>
+              <a:t>4/30/2020</a:t>
             </a:fld>
             <a:endParaRPr lang="en-US"/>
           </a:p>
@@ -5777,7 +5777,7 @@
           <a:p>
             <a:fld id="{8C97A27F-45FD-4336-85A6-F38ED1EC0AF2}" type="datetimeFigureOut">
               <a:rPr lang="en-US" smtClean="0"/>
-              <a:t>4/29/2020</a:t>
+              <a:t>4/30/2020</a:t>
             </a:fld>
             <a:endParaRPr lang="en-US"/>
           </a:p>
@@ -6834,7 +6834,7 @@
           <a:lstStyle/>
           <a:p>
             <a:r>
-              <a:rPr lang="en-US" sz="2400">
+              <a:rPr lang="en-US" sz="2400" dirty="0">
                 <a:solidFill>
                   <a:schemeClr val="bg1"/>
                 </a:solidFill>
@@ -6845,7 +6845,7 @@
           <a:p>
             <a:pPr lvl="1"/>
             <a:r>
-              <a:rPr lang="en-US">
+              <a:rPr lang="en-US" dirty="0">
                 <a:solidFill>
                   <a:schemeClr val="bg1"/>
                 </a:solidFill>
@@ -6853,14 +6853,35 @@
               </a:rPr>
               <a:t>http://localhost:3000/</a:t>
             </a:r>
-            <a:endParaRPr lang="en-US">
+            <a:endParaRPr lang="en-US" dirty="0">
               <a:solidFill>
                 <a:schemeClr val="bg1"/>
               </a:solidFill>
             </a:endParaRPr>
           </a:p>
           <a:p>
-            <a:endParaRPr lang="en-US" sz="2400">
+            <a:pPr lvl="1"/>
+            <a:endParaRPr lang="en-US" dirty="0">
+              <a:solidFill>
+                <a:schemeClr val="bg1"/>
+              </a:solidFill>
+            </a:endParaRPr>
+          </a:p>
+          <a:p>
+            <a:r>
+              <a:rPr lang="en-US">
+                <a:hlinkClick r:id="rId3"/>
+              </a:rPr>
+              <a:t>https://github.com/codeznstuff/ActorModelDemo</a:t>
+            </a:r>
+            <a:endParaRPr lang="en-US" dirty="0">
+              <a:solidFill>
+                <a:schemeClr val="bg1"/>
+              </a:solidFill>
+            </a:endParaRPr>
+          </a:p>
+          <a:p>
+            <a:endParaRPr lang="en-US" sz="2400" dirty="0">
               <a:solidFill>
                 <a:schemeClr val="bg1"/>
               </a:solidFill>

--- a/Docs/ActorModel.pptx
+++ b/Docs/ActorModel.pptx
@@ -6869,7 +6869,7 @@
           </a:p>
           <a:p>
             <a:r>
-              <a:rPr lang="en-US">
+              <a:rPr lang="en-US" dirty="0">
                 <a:hlinkClick r:id="rId3"/>
               </a:rPr>
               <a:t>https://github.com/codeznstuff/ActorModelDemo</a:t>
